--- a/gitStudy/gitStudy.pptx
+++ b/gitStudy/gitStudy.pptx
@@ -11,7 +11,11 @@
     <p:sldId id="259" r:id="rId6"/>
     <p:sldId id="260" r:id="rId7"/>
     <p:sldId id="261" r:id="rId8"/>
-    <p:sldId id="262" r:id="rId9"/>
+    <p:sldId id="263" r:id="rId9"/>
+    <p:sldId id="264" r:id="rId10"/>
+    <p:sldId id="265" r:id="rId11"/>
+    <p:sldId id="266" r:id="rId12"/>
+    <p:sldId id="262" r:id="rId13"/>
   </p:sldIdLst>
   <p:sldSz cx="12192000" cy="6858000"/>
   <p:notesSz cx="6858000" cy="9144000"/>
@@ -2975,6 +2979,114 @@
           </a:prstGeom>
         </p:spPr>
       </p:pic>
+    </p:spTree>
+  </p:cSld>
+  <p:clrMapOvr>
+    <a:masterClrMapping/>
+  </p:clrMapOvr>
+</p:sld>
+</file>
+
+<file path=ppt/slides/slide10.xml><?xml version="1.0" encoding="utf-8"?>
+<p:sld xmlns:a="http://schemas.openxmlformats.org/drawingml/2006/main" xmlns:r="http://schemas.openxmlformats.org/officeDocument/2006/relationships" xmlns:p="http://schemas.openxmlformats.org/presentationml/2006/main">
+  <p:cSld>
+    <p:spTree>
+      <p:nvGrpSpPr>
+        <p:cNvPr id="1" name=""/>
+        <p:cNvGrpSpPr/>
+        <p:nvPr/>
+      </p:nvGrpSpPr>
+      <p:grpSpPr/>
+      <p:sp>
+        <p:nvSpPr>
+          <p:cNvPr id="2" name="标题 1"/>
+          <p:cNvSpPr>
+            <a:spLocks noGrp="1"/>
+          </p:cNvSpPr>
+          <p:nvPr>
+            <p:ph type="ctrTitle"/>
+          </p:nvPr>
+        </p:nvSpPr>
+        <p:spPr/>
+        <p:txBody>
+          <a:bodyPr/>
+          <a:p>
+            <a:endParaRPr lang="zh-CN" altLang="en-US"/>
+          </a:p>
+        </p:txBody>
+      </p:sp>
+      <p:sp>
+        <p:nvSpPr>
+          <p:cNvPr id="3" name="副标题 2"/>
+          <p:cNvSpPr>
+            <a:spLocks noGrp="1"/>
+          </p:cNvSpPr>
+          <p:nvPr>
+            <p:ph type="subTitle" idx="1"/>
+          </p:nvPr>
+        </p:nvSpPr>
+        <p:spPr/>
+        <p:txBody>
+          <a:bodyPr/>
+          <a:p>
+            <a:endParaRPr lang="zh-CN" altLang="en-US"/>
+          </a:p>
+        </p:txBody>
+      </p:sp>
+    </p:spTree>
+  </p:cSld>
+  <p:clrMapOvr>
+    <a:masterClrMapping/>
+  </p:clrMapOvr>
+</p:sld>
+</file>
+
+<file path=ppt/slides/slide11.xml><?xml version="1.0" encoding="utf-8"?>
+<p:sld xmlns:a="http://schemas.openxmlformats.org/drawingml/2006/main" xmlns:r="http://schemas.openxmlformats.org/officeDocument/2006/relationships" xmlns:p="http://schemas.openxmlformats.org/presentationml/2006/main">
+  <p:cSld>
+    <p:spTree>
+      <p:nvGrpSpPr>
+        <p:cNvPr id="1" name=""/>
+        <p:cNvGrpSpPr/>
+        <p:nvPr/>
+      </p:nvGrpSpPr>
+      <p:grpSpPr/>
+      <p:sp>
+        <p:nvSpPr>
+          <p:cNvPr id="2" name="标题 1"/>
+          <p:cNvSpPr>
+            <a:spLocks noGrp="1"/>
+          </p:cNvSpPr>
+          <p:nvPr>
+            <p:ph type="ctrTitle"/>
+          </p:nvPr>
+        </p:nvSpPr>
+        <p:spPr/>
+        <p:txBody>
+          <a:bodyPr/>
+          <a:p>
+            <a:endParaRPr lang="zh-CN" altLang="en-US"/>
+          </a:p>
+        </p:txBody>
+      </p:sp>
+      <p:sp>
+        <p:nvSpPr>
+          <p:cNvPr id="3" name="副标题 2"/>
+          <p:cNvSpPr>
+            <a:spLocks noGrp="1"/>
+          </p:cNvSpPr>
+          <p:nvPr>
+            <p:ph type="subTitle" idx="1"/>
+          </p:nvPr>
+        </p:nvSpPr>
+        <p:spPr/>
+        <p:txBody>
+          <a:bodyPr/>
+          <a:p>
+            <a:endParaRPr lang="zh-CN" altLang="en-US"/>
+          </a:p>
+        </p:txBody>
+      </p:sp>
     </p:spTree>
   </p:cSld>
   <p:clrMapOvr>
@@ -4902,28 +5014,531 @@
             <p:ph type="ctrTitle"/>
           </p:nvPr>
         </p:nvSpPr>
-        <p:spPr/>
-        <p:txBody>
-          <a:bodyPr/>
-          <a:p>
-            <a:endParaRPr lang="zh-CN" altLang="en-US"/>
-          </a:p>
-        </p:txBody>
-      </p:sp>
-      <p:sp>
-        <p:nvSpPr>
-          <p:cNvPr id="3" name="副标题 2"/>
-          <p:cNvSpPr>
-            <a:spLocks noGrp="1"/>
-          </p:cNvSpPr>
-          <p:nvPr>
-            <p:ph type="subTitle" idx="1"/>
-          </p:nvPr>
-        </p:nvSpPr>
-        <p:spPr/>
-        <p:txBody>
-          <a:bodyPr/>
-          <a:p>
+        <p:spPr>
+          <a:xfrm>
+            <a:off x="1524000" y="375285"/>
+            <a:ext cx="9144000" cy="470535"/>
+          </a:xfrm>
+        </p:spPr>
+        <p:txBody>
+          <a:bodyPr>
+            <a:normAutofit fontScale="90000"/>
+          </a:bodyPr>
+          <a:p>
+            <a:r>
+              <a:rPr lang="zh-CN" altLang="en-US" sz="2400"/>
+              <a:t>拉取</a:t>
+            </a:r>
+            <a:r>
+              <a:rPr lang="en-US" altLang="zh-CN" sz="2400"/>
+              <a:t>/</a:t>
+            </a:r>
+            <a:r>
+              <a:rPr lang="zh-CN" altLang="en-US" sz="2400"/>
+              <a:t>提交代码到远程库（开发流程</a:t>
+            </a:r>
+            <a:r>
+              <a:rPr lang="zh-CN" altLang="en-US" sz="2400"/>
+              <a:t>）</a:t>
+            </a:r>
+            <a:endParaRPr lang="zh-CN" altLang="en-US" sz="2400"/>
+          </a:p>
+        </p:txBody>
+      </p:sp>
+      <p:pic>
+        <p:nvPicPr>
+          <p:cNvPr id="4" name="图片 3"/>
+          <p:cNvPicPr>
+            <a:picLocks noChangeAspect="1"/>
+          </p:cNvPicPr>
+          <p:nvPr>
+            <p:custDataLst>
+              <p:tags r:id="rId1"/>
+            </p:custDataLst>
+          </p:nvPr>
+        </p:nvPicPr>
+        <p:blipFill>
+          <a:blip r:embed="rId2"/>
+          <a:stretch>
+            <a:fillRect/>
+          </a:stretch>
+        </p:blipFill>
+        <p:spPr>
+          <a:xfrm>
+            <a:off x="998220" y="2198370"/>
+            <a:ext cx="5210175" cy="4133850"/>
+          </a:xfrm>
+          <a:prstGeom prst="rect">
+            <a:avLst/>
+          </a:prstGeom>
+        </p:spPr>
+      </p:pic>
+      <p:pic>
+        <p:nvPicPr>
+          <p:cNvPr id="6" name="图片 5"/>
+          <p:cNvPicPr>
+            <a:picLocks noChangeAspect="1"/>
+          </p:cNvPicPr>
+          <p:nvPr/>
+        </p:nvPicPr>
+        <p:blipFill>
+          <a:blip r:embed="rId3"/>
+          <a:stretch>
+            <a:fillRect/>
+          </a:stretch>
+        </p:blipFill>
+        <p:spPr>
+          <a:xfrm>
+            <a:off x="6670040" y="845820"/>
+            <a:ext cx="4305300" cy="4343400"/>
+          </a:xfrm>
+          <a:prstGeom prst="rect">
+            <a:avLst/>
+          </a:prstGeom>
+        </p:spPr>
+      </p:pic>
+      <p:grpSp>
+        <p:nvGrpSpPr>
+          <p:cNvPr id="10" name="组合 9"/>
+          <p:cNvGrpSpPr/>
+          <p:nvPr/>
+        </p:nvGrpSpPr>
+        <p:grpSpPr>
+          <a:xfrm>
+            <a:off x="6854825" y="5019675"/>
+            <a:ext cx="5221605" cy="1780540"/>
+            <a:chOff x="10826" y="7995"/>
+            <a:chExt cx="8223" cy="2804"/>
+          </a:xfrm>
+        </p:grpSpPr>
+        <p:pic>
+          <p:nvPicPr>
+            <p:cNvPr id="7" name="图片 6"/>
+            <p:cNvPicPr>
+              <a:picLocks noChangeAspect="1"/>
+            </p:cNvPicPr>
+            <p:nvPr/>
+          </p:nvPicPr>
+          <p:blipFill>
+            <a:blip r:embed="rId4"/>
+            <a:stretch>
+              <a:fillRect/>
+            </a:stretch>
+          </p:blipFill>
+          <p:spPr>
+            <a:xfrm>
+              <a:off x="10826" y="7995"/>
+              <a:ext cx="5265" cy="2805"/>
+            </a:xfrm>
+            <a:prstGeom prst="rect">
+              <a:avLst/>
+            </a:prstGeom>
+          </p:spPr>
+        </p:pic>
+        <p:sp>
+          <p:nvSpPr>
+            <p:cNvPr id="8" name="文本框 7"/>
+            <p:cNvSpPr txBox="1"/>
+            <p:nvPr/>
+          </p:nvSpPr>
+          <p:spPr>
+            <a:xfrm>
+              <a:off x="16091" y="8343"/>
+              <a:ext cx="2958" cy="1598"/>
+            </a:xfrm>
+            <a:prstGeom prst="rect">
+              <a:avLst/>
+            </a:prstGeom>
+            <a:noFill/>
+          </p:spPr>
+          <p:txBody>
+            <a:bodyPr wrap="square" rtlCol="0">
+              <a:spAutoFit/>
+            </a:bodyPr>
+            <a:p>
+              <a:r>
+                <a:rPr lang="zh-CN" altLang="en-US" sz="1200">
+                  <a:solidFill>
+                    <a:srgbClr val="FF0000"/>
+                  </a:solidFill>
+                </a:rPr>
+                <a:t>注：</a:t>
+              </a:r>
+              <a:r>
+                <a:rPr lang="zh-CN" altLang="en-US" sz="1200"/>
+                <a:t>在合并到</a:t>
+              </a:r>
+              <a:r>
+                <a:rPr lang="en-US" altLang="zh-CN" sz="1200"/>
+                <a:t>master</a:t>
+              </a:r>
+              <a:r>
+                <a:rPr lang="zh-CN" altLang="en-US" sz="1200"/>
+                <a:t>分支之前，先在</a:t>
+              </a:r>
+              <a:r>
+                <a:rPr lang="en-US" altLang="zh-CN" sz="1200"/>
+                <a:t>dev</a:t>
+              </a:r>
+              <a:r>
+                <a:rPr lang="zh-CN" altLang="en-US" sz="1200"/>
+                <a:t>分支上提交到本地版本库，即：</a:t>
+              </a:r>
+              <a:endParaRPr lang="zh-CN" altLang="en-US" sz="1200"/>
+            </a:p>
+            <a:p>
+              <a:r>
+                <a:rPr lang="en-US" altLang="zh-CN" sz="1200"/>
+                <a:t>git  add .</a:t>
+              </a:r>
+              <a:endParaRPr lang="en-US" altLang="zh-CN" sz="1200"/>
+            </a:p>
+            <a:p>
+              <a:r>
+                <a:rPr lang="en-US" altLang="zh-CN" sz="1200"/>
+                <a:t>git commit -m “xxx”</a:t>
+              </a:r>
+              <a:endParaRPr lang="en-US" altLang="zh-CN" sz="1200"/>
+            </a:p>
+          </p:txBody>
+        </p:sp>
+        <p:sp>
+          <p:nvSpPr>
+            <p:cNvPr id="9" name="右箭头 8"/>
+            <p:cNvSpPr/>
+            <p:nvPr/>
+          </p:nvSpPr>
+          <p:spPr>
+            <a:xfrm>
+              <a:off x="14111" y="8644"/>
+              <a:ext cx="2085" cy="135"/>
+            </a:xfrm>
+            <a:prstGeom prst="rightArrow">
+              <a:avLst/>
+            </a:prstGeom>
+            <a:solidFill>
+              <a:srgbClr val="FF0000"/>
+            </a:solidFill>
+          </p:spPr>
+          <p:style>
+            <a:lnRef idx="2">
+              <a:schemeClr val="accent1">
+                <a:shade val="50000"/>
+              </a:schemeClr>
+            </a:lnRef>
+            <a:fillRef idx="1">
+              <a:schemeClr val="accent1"/>
+            </a:fillRef>
+            <a:effectRef idx="0">
+              <a:schemeClr val="accent1"/>
+            </a:effectRef>
+            <a:fontRef idx="minor">
+              <a:schemeClr val="lt1"/>
+            </a:fontRef>
+          </p:style>
+          <p:txBody>
+            <a:bodyPr rtlCol="0" anchor="ctr"/>
+            <a:p>
+              <a:pPr algn="ctr"/>
+              <a:endParaRPr lang="zh-CN" altLang="en-US"/>
+            </a:p>
+          </p:txBody>
+        </p:sp>
+      </p:grpSp>
+      <p:sp>
+        <p:nvSpPr>
+          <p:cNvPr id="100" name="文本框 99"/>
+          <p:cNvSpPr txBox="1"/>
+          <p:nvPr/>
+        </p:nvSpPr>
+        <p:spPr>
+          <a:xfrm>
+            <a:off x="1128395" y="910908"/>
+            <a:ext cx="5080000" cy="1222375"/>
+          </a:xfrm>
+          <a:prstGeom prst="rect">
+            <a:avLst/>
+          </a:prstGeom>
+          <a:noFill/>
+          <a:ln w="9525">
+            <a:noFill/>
+          </a:ln>
+        </p:spPr>
+        <p:txBody>
+          <a:bodyPr>
+            <a:spAutoFit/>
+          </a:bodyPr>
+          <a:p>
+            <a:pPr indent="0"/>
+            <a:r>
+              <a:rPr lang="en-US" sz="1050" b="0">
+                <a:solidFill>
+                  <a:srgbClr val="24292F"/>
+                </a:solidFill>
+                <a:latin typeface="Consolas" panose="020B0609020204030204" charset="0"/>
+                <a:ea typeface="宋体" panose="02010600030101010101" pitchFamily="2" charset="-122"/>
+              </a:rPr>
+              <a:t>16. git </a:t>
+            </a:r>
+            <a:r>
+              <a:rPr lang="en-US" sz="1050" b="0">
+                <a:latin typeface="Calibri" panose="020F0502020204030204" charset="0"/>
+                <a:ea typeface="宋体" panose="02010600030101010101" pitchFamily="2" charset="-122"/>
+                <a:cs typeface="Times New Roman" panose="02020603050405020304" charset="0"/>
+              </a:rPr>
+              <a:t>clone</a:t>
+            </a:r>
+            <a:r>
+              <a:rPr lang="en-US" sz="1050" b="0">
+                <a:solidFill>
+                  <a:srgbClr val="24292F"/>
+                </a:solidFill>
+                <a:latin typeface="Consolas" panose="020B0609020204030204" charset="0"/>
+                <a:ea typeface="宋体" panose="02010600030101010101" pitchFamily="2" charset="-122"/>
+              </a:rPr>
+              <a:t> </a:t>
+            </a:r>
+            <a:r>
+              <a:rPr lang="en-US" sz="1050" b="0" u="sng">
+                <a:solidFill>
+                  <a:srgbClr val="0000FF"/>
+                </a:solidFill>
+                <a:latin typeface="Consolas" panose="020B0609020204030204" charset="0"/>
+                <a:ea typeface="宋体" panose="02010600030101010101" pitchFamily="2" charset="-122"/>
+                <a:hlinkClick r:id="rId5"/>
+              </a:rPr>
+              <a:t>https://github.com/szu-lqt/codeStudy.git</a:t>
+            </a:r>
+            <a:r>
+              <a:rPr lang="en-US" sz="1050" b="0">
+                <a:solidFill>
+                  <a:srgbClr val="24292F"/>
+                </a:solidFill>
+                <a:latin typeface="Consolas" panose="020B0609020204030204" charset="0"/>
+                <a:ea typeface="宋体" panose="02010600030101010101" pitchFamily="2" charset="-122"/>
+                <a:cs typeface="Consolas" panose="020B0609020204030204" charset="0"/>
+              </a:rPr>
+              <a:t>  //</a:t>
+            </a:r>
+            <a:r>
+              <a:rPr lang="zh-CN" sz="1050" b="0">
+                <a:solidFill>
+                  <a:srgbClr val="24292F"/>
+                </a:solidFill>
+                <a:latin typeface="Consolas" panose="020B0609020204030204" charset="0"/>
+                <a:ea typeface="宋体" panose="02010600030101010101" pitchFamily="2" charset="-122"/>
+              </a:rPr>
+              <a:t>首次拉取代码到新的机器，新拉下来的代码已经包含代码库原有的分支，直接可以用</a:t>
+            </a:r>
+            <a:r>
+              <a:rPr lang="en-US" sz="1050" b="0">
+                <a:solidFill>
+                  <a:srgbClr val="24292F"/>
+                </a:solidFill>
+                <a:latin typeface="Consolas" panose="020B0609020204030204" charset="0"/>
+                <a:ea typeface="宋体" panose="02010600030101010101" pitchFamily="2" charset="-122"/>
+              </a:rPr>
+              <a:t>git checkout </a:t>
+            </a:r>
+            <a:r>
+              <a:rPr lang="zh-CN" sz="1050" b="0">
+                <a:solidFill>
+                  <a:srgbClr val="24292F"/>
+                </a:solidFill>
+                <a:latin typeface="Consolas" panose="020B0609020204030204" charset="0"/>
+                <a:ea typeface="宋体" panose="02010600030101010101" pitchFamily="2" charset="-122"/>
+              </a:rPr>
+              <a:t>分支名 来切换到其他分支</a:t>
+            </a:r>
+            <a:r>
+              <a:rPr lang="en-US" sz="1050" b="0">
+                <a:solidFill>
+                  <a:srgbClr val="24292F"/>
+                </a:solidFill>
+                <a:latin typeface="Consolas" panose="020B0609020204030204" charset="0"/>
+                <a:ea typeface="宋体" panose="02010600030101010101" pitchFamily="2" charset="-122"/>
+              </a:rPr>
+              <a:t>+17. git remote add origin</a:t>
+            </a:r>
+            <a:r>
+              <a:rPr lang="en-US" sz="1050" b="0">
+                <a:solidFill>
+                  <a:srgbClr val="24292F"/>
+                </a:solidFill>
+                <a:latin typeface="Consolas" panose="020B0609020204030204" charset="0"/>
+                <a:ea typeface="宋体" panose="02010600030101010101" pitchFamily="2" charset="-122"/>
+                <a:cs typeface="Consolas" panose="020B0609020204030204" charset="0"/>
+              </a:rPr>
+              <a:t> </a:t>
+            </a:r>
+            <a:r>
+              <a:rPr lang="zh-CN" sz="1050" b="0">
+                <a:solidFill>
+                  <a:srgbClr val="24292F"/>
+                </a:solidFill>
+                <a:latin typeface="Consolas" panose="020B0609020204030204" charset="0"/>
+                <a:ea typeface="宋体" panose="02010600030101010101" pitchFamily="2" charset="-122"/>
+              </a:rPr>
+              <a:t>远程仓库地址</a:t>
+            </a:r>
+            <a:r>
+              <a:rPr lang="en-US" sz="1050" b="0">
+                <a:solidFill>
+                  <a:srgbClr val="24292F"/>
+                </a:solidFill>
+                <a:latin typeface="Consolas" panose="020B0609020204030204" charset="0"/>
+                <a:ea typeface="宋体" panose="02010600030101010101" pitchFamily="2" charset="-122"/>
+                <a:cs typeface="Consolas" panose="020B0609020204030204" charset="0"/>
+              </a:rPr>
+              <a:t>  //</a:t>
+            </a:r>
+            <a:r>
+              <a:rPr lang="zh-CN" sz="1050" b="0">
+                <a:solidFill>
+                  <a:srgbClr val="24292F"/>
+                </a:solidFill>
+                <a:latin typeface="Consolas" panose="020B0609020204030204" charset="0"/>
+                <a:ea typeface="宋体" panose="02010600030101010101" pitchFamily="2" charset="-122"/>
+              </a:rPr>
+              <a:t>给远程仓库起别名为</a:t>
+            </a:r>
+            <a:r>
+              <a:rPr lang="en-US" sz="1050" b="0">
+                <a:solidFill>
+                  <a:srgbClr val="24292F"/>
+                </a:solidFill>
+                <a:latin typeface="Consolas" panose="020B0609020204030204" charset="0"/>
+                <a:ea typeface="宋体" panose="02010600030101010101" pitchFamily="2" charset="-122"/>
+              </a:rPr>
+              <a:t>origin</a:t>
+            </a:r>
+            <a:r>
+              <a:rPr lang="zh-CN" sz="1050" b="0">
+                <a:solidFill>
+                  <a:srgbClr val="24292F"/>
+                </a:solidFill>
+                <a:latin typeface="Consolas" panose="020B0609020204030204" charset="0"/>
+                <a:ea typeface="宋体" panose="02010600030101010101" pitchFamily="2" charset="-122"/>
+              </a:rPr>
+              <a:t>（首次提交时需要，后续不需要再起）</a:t>
+            </a:r>
+            <a:r>
+              <a:rPr lang="en-US" sz="1050" b="0">
+                <a:solidFill>
+                  <a:srgbClr val="24292F"/>
+                </a:solidFill>
+                <a:latin typeface="Consolas" panose="020B0609020204030204" charset="0"/>
+                <a:ea typeface="宋体" panose="02010600030101010101" pitchFamily="2" charset="-122"/>
+                <a:cs typeface="Consolas" panose="020B0609020204030204" charset="0"/>
+              </a:rPr>
+              <a:t> </a:t>
+            </a:r>
+            <a:r>
+              <a:rPr lang="en-US" sz="1050" b="0">
+                <a:solidFill>
+                  <a:srgbClr val="24292F"/>
+                </a:solidFill>
+                <a:latin typeface="Consolas" panose="020B0609020204030204" charset="0"/>
+                <a:ea typeface="宋体" panose="02010600030101010101" pitchFamily="2" charset="-122"/>
+              </a:rPr>
+              <a:t>+18. git push -u origin</a:t>
+            </a:r>
+            <a:r>
+              <a:rPr lang="en-US" sz="1050" b="0">
+                <a:solidFill>
+                  <a:srgbClr val="24292F"/>
+                </a:solidFill>
+                <a:latin typeface="Consolas" panose="020B0609020204030204" charset="0"/>
+                <a:ea typeface="宋体" panose="02010600030101010101" pitchFamily="2" charset="-122"/>
+                <a:cs typeface="Consolas" panose="020B0609020204030204" charset="0"/>
+              </a:rPr>
+              <a:t> </a:t>
+            </a:r>
+            <a:r>
+              <a:rPr lang="zh-CN" sz="1050" b="0">
+                <a:solidFill>
+                  <a:srgbClr val="24292F"/>
+                </a:solidFill>
+                <a:latin typeface="Consolas" panose="020B0609020204030204" charset="0"/>
+                <a:ea typeface="宋体" panose="02010600030101010101" pitchFamily="2" charset="-122"/>
+              </a:rPr>
+              <a:t>分支名</a:t>
+            </a:r>
+            <a:r>
+              <a:rPr lang="en-US" sz="1050" b="0">
+                <a:solidFill>
+                  <a:srgbClr val="24292F"/>
+                </a:solidFill>
+                <a:latin typeface="Consolas" panose="020B0609020204030204" charset="0"/>
+                <a:ea typeface="宋体" panose="02010600030101010101" pitchFamily="2" charset="-122"/>
+                <a:cs typeface="Consolas" panose="020B0609020204030204" charset="0"/>
+              </a:rPr>
+              <a:t>     //</a:t>
+            </a:r>
+            <a:r>
+              <a:rPr lang="zh-CN" sz="1050" b="0">
+                <a:solidFill>
+                  <a:srgbClr val="24292F"/>
+                </a:solidFill>
+                <a:latin typeface="Consolas" panose="020B0609020204030204" charset="0"/>
+                <a:ea typeface="宋体" panose="02010600030101010101" pitchFamily="2" charset="-122"/>
+              </a:rPr>
+              <a:t>将代码推送到远程仓库上</a:t>
+            </a:r>
+            <a:r>
+              <a:rPr lang="en-US" sz="1050" b="0">
+                <a:solidFill>
+                  <a:srgbClr val="24292F"/>
+                </a:solidFill>
+                <a:latin typeface="Consolas" panose="020B0609020204030204" charset="0"/>
+                <a:ea typeface="宋体" panose="02010600030101010101" pitchFamily="2" charset="-122"/>
+              </a:rPr>
+              <a:t>+19. git</a:t>
+            </a:r>
+            <a:r>
+              <a:rPr lang="en-US" sz="1050" b="0">
+                <a:solidFill>
+                  <a:srgbClr val="24292F"/>
+                </a:solidFill>
+                <a:latin typeface="Consolas" panose="020B0609020204030204" charset="0"/>
+                <a:ea typeface="宋体" panose="02010600030101010101" pitchFamily="2" charset="-122"/>
+                <a:cs typeface="Consolas" panose="020B0609020204030204" charset="0"/>
+              </a:rPr>
+              <a:t> pull origin </a:t>
+            </a:r>
+            <a:r>
+              <a:rPr lang="zh-CN" sz="1050" b="0">
+                <a:solidFill>
+                  <a:srgbClr val="24292F"/>
+                </a:solidFill>
+                <a:latin typeface="Consolas" panose="020B0609020204030204" charset="0"/>
+                <a:ea typeface="宋体" panose="02010600030101010101" pitchFamily="2" charset="-122"/>
+              </a:rPr>
+              <a:t>分支名    </a:t>
+            </a:r>
+            <a:r>
+              <a:rPr lang="en-US" sz="1050" b="0">
+                <a:solidFill>
+                  <a:srgbClr val="24292F"/>
+                </a:solidFill>
+                <a:latin typeface="Consolas" panose="020B0609020204030204" charset="0"/>
+                <a:ea typeface="宋体" panose="02010600030101010101" pitchFamily="2" charset="-122"/>
+              </a:rPr>
+              <a:t>//</a:t>
+            </a:r>
+            <a:r>
+              <a:rPr lang="zh-CN" sz="1050" b="0">
+                <a:solidFill>
+                  <a:srgbClr val="24292F"/>
+                </a:solidFill>
+                <a:latin typeface="Consolas" panose="020B0609020204030204" charset="0"/>
+                <a:ea typeface="宋体" panose="02010600030101010101" pitchFamily="2" charset="-122"/>
+              </a:rPr>
+              <a:t>向本地拉取远端指定分支的代码</a:t>
+            </a:r>
             <a:endParaRPr lang="zh-CN" altLang="en-US"/>
           </a:p>
         </p:txBody>
@@ -4990,9 +5605,123 @@
 </p:sld>
 </file>
 
+<file path=ppt/slides/slide8.xml><?xml version="1.0" encoding="utf-8"?>
+<p:sld xmlns:a="http://schemas.openxmlformats.org/drawingml/2006/main" xmlns:r="http://schemas.openxmlformats.org/officeDocument/2006/relationships" xmlns:p="http://schemas.openxmlformats.org/presentationml/2006/main">
+  <p:cSld>
+    <p:spTree>
+      <p:nvGrpSpPr>
+        <p:cNvPr id="1" name=""/>
+        <p:cNvGrpSpPr/>
+        <p:nvPr/>
+      </p:nvGrpSpPr>
+      <p:grpSpPr/>
+      <p:sp>
+        <p:nvSpPr>
+          <p:cNvPr id="2" name="标题 1"/>
+          <p:cNvSpPr>
+            <a:spLocks noGrp="1"/>
+          </p:cNvSpPr>
+          <p:nvPr>
+            <p:ph type="ctrTitle"/>
+          </p:nvPr>
+        </p:nvSpPr>
+        <p:spPr/>
+        <p:txBody>
+          <a:bodyPr/>
+          <a:p>
+            <a:endParaRPr lang="zh-CN" altLang="en-US"/>
+          </a:p>
+        </p:txBody>
+      </p:sp>
+      <p:sp>
+        <p:nvSpPr>
+          <p:cNvPr id="3" name="副标题 2"/>
+          <p:cNvSpPr>
+            <a:spLocks noGrp="1"/>
+          </p:cNvSpPr>
+          <p:nvPr>
+            <p:ph type="subTitle" idx="1"/>
+          </p:nvPr>
+        </p:nvSpPr>
+        <p:spPr/>
+        <p:txBody>
+          <a:bodyPr/>
+          <a:p>
+            <a:endParaRPr lang="zh-CN" altLang="en-US"/>
+          </a:p>
+        </p:txBody>
+      </p:sp>
+    </p:spTree>
+  </p:cSld>
+  <p:clrMapOvr>
+    <a:masterClrMapping/>
+  </p:clrMapOvr>
+</p:sld>
+</file>
+
+<file path=ppt/slides/slide9.xml><?xml version="1.0" encoding="utf-8"?>
+<p:sld xmlns:a="http://schemas.openxmlformats.org/drawingml/2006/main" xmlns:r="http://schemas.openxmlformats.org/officeDocument/2006/relationships" xmlns:p="http://schemas.openxmlformats.org/presentationml/2006/main">
+  <p:cSld>
+    <p:spTree>
+      <p:nvGrpSpPr>
+        <p:cNvPr id="1" name=""/>
+        <p:cNvGrpSpPr/>
+        <p:nvPr/>
+      </p:nvGrpSpPr>
+      <p:grpSpPr/>
+      <p:sp>
+        <p:nvSpPr>
+          <p:cNvPr id="2" name="标题 1"/>
+          <p:cNvSpPr>
+            <a:spLocks noGrp="1"/>
+          </p:cNvSpPr>
+          <p:nvPr>
+            <p:ph type="ctrTitle"/>
+          </p:nvPr>
+        </p:nvSpPr>
+        <p:spPr/>
+        <p:txBody>
+          <a:bodyPr/>
+          <a:p>
+            <a:endParaRPr lang="zh-CN" altLang="en-US"/>
+          </a:p>
+        </p:txBody>
+      </p:sp>
+      <p:sp>
+        <p:nvSpPr>
+          <p:cNvPr id="3" name="副标题 2"/>
+          <p:cNvSpPr>
+            <a:spLocks noGrp="1"/>
+          </p:cNvSpPr>
+          <p:nvPr>
+            <p:ph type="subTitle" idx="1"/>
+          </p:nvPr>
+        </p:nvSpPr>
+        <p:spPr/>
+        <p:txBody>
+          <a:bodyPr/>
+          <a:p>
+            <a:endParaRPr lang="zh-CN" altLang="en-US"/>
+          </a:p>
+        </p:txBody>
+      </p:sp>
+    </p:spTree>
+  </p:cSld>
+  <p:clrMapOvr>
+    <a:masterClrMapping/>
+  </p:clrMapOvr>
+</p:sld>
+</file>
+
 <file path=ppt/tags/tag1.xml><?xml version="1.0" encoding="utf-8"?>
 <p:tagLst xmlns:p="http://schemas.openxmlformats.org/presentationml/2006/main">
   <p:tag name="KSO_WM_UNIT_PLACING_PICTURE_USER_VIEWPORT" val="{&quot;height&quot;:4802,&quot;width&quot;:16560}"/>
+</p:tagLst>
+</file>
+
+<file path=ppt/tags/tag2.xml><?xml version="1.0" encoding="utf-8"?>
+<p:tagLst xmlns:p="http://schemas.openxmlformats.org/presentationml/2006/main">
+  <p:tag name="KSO_WM_UNIT_PLACING_PICTURE_USER_VIEWPORT" val="{&quot;height&quot;:6510,&quot;width&quot;:8205}"/>
 </p:tagLst>
 </file>
 

--- a/gitStudy/gitStudy.pptx
+++ b/gitStudy/gitStudy.pptx
@@ -11,11 +11,12 @@
     <p:sldId id="259" r:id="rId6"/>
     <p:sldId id="260" r:id="rId7"/>
     <p:sldId id="261" r:id="rId8"/>
-    <p:sldId id="263" r:id="rId9"/>
-    <p:sldId id="264" r:id="rId10"/>
-    <p:sldId id="265" r:id="rId11"/>
-    <p:sldId id="266" r:id="rId12"/>
-    <p:sldId id="262" r:id="rId13"/>
+    <p:sldId id="267" r:id="rId9"/>
+    <p:sldId id="263" r:id="rId10"/>
+    <p:sldId id="264" r:id="rId11"/>
+    <p:sldId id="265" r:id="rId12"/>
+    <p:sldId id="266" r:id="rId13"/>
+    <p:sldId id="262" r:id="rId14"/>
   </p:sldIdLst>
   <p:sldSz cx="12192000" cy="6858000"/>
   <p:notesSz cx="6858000" cy="9144000"/>
@@ -3042,6 +3043,60 @@
 </file>
 
 <file path=ppt/slides/slide11.xml><?xml version="1.0" encoding="utf-8"?>
+<p:sld xmlns:a="http://schemas.openxmlformats.org/drawingml/2006/main" xmlns:r="http://schemas.openxmlformats.org/officeDocument/2006/relationships" xmlns:p="http://schemas.openxmlformats.org/presentationml/2006/main">
+  <p:cSld>
+    <p:spTree>
+      <p:nvGrpSpPr>
+        <p:cNvPr id="1" name=""/>
+        <p:cNvGrpSpPr/>
+        <p:nvPr/>
+      </p:nvGrpSpPr>
+      <p:grpSpPr/>
+      <p:sp>
+        <p:nvSpPr>
+          <p:cNvPr id="2" name="标题 1"/>
+          <p:cNvSpPr>
+            <a:spLocks noGrp="1"/>
+          </p:cNvSpPr>
+          <p:nvPr>
+            <p:ph type="ctrTitle"/>
+          </p:nvPr>
+        </p:nvSpPr>
+        <p:spPr/>
+        <p:txBody>
+          <a:bodyPr/>
+          <a:p>
+            <a:endParaRPr lang="zh-CN" altLang="en-US"/>
+          </a:p>
+        </p:txBody>
+      </p:sp>
+      <p:sp>
+        <p:nvSpPr>
+          <p:cNvPr id="3" name="副标题 2"/>
+          <p:cNvSpPr>
+            <a:spLocks noGrp="1"/>
+          </p:cNvSpPr>
+          <p:nvPr>
+            <p:ph type="subTitle" idx="1"/>
+          </p:nvPr>
+        </p:nvSpPr>
+        <p:spPr/>
+        <p:txBody>
+          <a:bodyPr/>
+          <a:p>
+            <a:endParaRPr lang="zh-CN" altLang="en-US"/>
+          </a:p>
+        </p:txBody>
+      </p:sp>
+    </p:spTree>
+  </p:cSld>
+  <p:clrMapOvr>
+    <a:masterClrMapping/>
+  </p:clrMapOvr>
+</p:sld>
+</file>
+
+<file path=ppt/slides/slide12.xml><?xml version="1.0" encoding="utf-8"?>
 <p:sld xmlns:a="http://schemas.openxmlformats.org/drawingml/2006/main" xmlns:r="http://schemas.openxmlformats.org/officeDocument/2006/relationships" xmlns:p="http://schemas.openxmlformats.org/presentationml/2006/main">
   <p:cSld>
     <p:spTree>

--- a/gitStudy/gitStudy.pptx
+++ b/gitStudy/gitStudy.pptx
@@ -5626,32 +5626,1396 @@
             <p:ph type="ctrTitle"/>
           </p:nvPr>
         </p:nvSpPr>
-        <p:spPr/>
-        <p:txBody>
-          <a:bodyPr/>
-          <a:p>
-            <a:endParaRPr lang="zh-CN" altLang="en-US"/>
-          </a:p>
-        </p:txBody>
-      </p:sp>
-      <p:sp>
-        <p:nvSpPr>
-          <p:cNvPr id="3" name="副标题 2"/>
-          <p:cNvSpPr>
-            <a:spLocks noGrp="1"/>
-          </p:cNvSpPr>
-          <p:nvPr>
-            <p:ph type="subTitle" idx="1"/>
-          </p:nvPr>
-        </p:nvSpPr>
-        <p:spPr/>
-        <p:txBody>
-          <a:bodyPr/>
-          <a:p>
-            <a:endParaRPr lang="zh-CN" altLang="en-US"/>
-          </a:p>
-        </p:txBody>
-      </p:sp>
+        <p:spPr>
+          <a:xfrm>
+            <a:off x="1524000" y="163195"/>
+            <a:ext cx="9144000" cy="346710"/>
+          </a:xfrm>
+        </p:spPr>
+        <p:txBody>
+          <a:bodyPr>
+            <a:noAutofit/>
+          </a:bodyPr>
+          <a:p>
+            <a:r>
+              <a:rPr lang="zh-CN" altLang="en-US" sz="2000"/>
+              <a:t>命令实现</a:t>
+            </a:r>
+            <a:r>
+              <a:rPr lang="en-US" altLang="zh-CN" sz="2000"/>
+              <a:t>---</a:t>
+            </a:r>
+            <a:r>
+              <a:rPr lang="zh-CN" altLang="en-US" sz="2000"/>
+              <a:t>远程库</a:t>
+            </a:r>
+            <a:endParaRPr lang="zh-CN" altLang="en-US" sz="2000"/>
+          </a:p>
+        </p:txBody>
+      </p:sp>
+      <p:graphicFrame>
+        <p:nvGraphicFramePr>
+          <p:cNvPr id="5" name="表格 4"/>
+          <p:cNvGraphicFramePr/>
+          <p:nvPr>
+            <p:custDataLst>
+              <p:tags r:id="rId1"/>
+            </p:custDataLst>
+          </p:nvPr>
+        </p:nvGraphicFramePr>
+        <p:xfrm>
+          <a:off x="325120" y="490855"/>
+          <a:ext cx="11674475" cy="6330315"/>
+        </p:xfrm>
+        <a:graphic>
+          <a:graphicData uri="http://schemas.openxmlformats.org/drawingml/2006/table">
+            <a:tbl>
+              <a:tblPr firstRow="1" bandRow="1">
+                <a:tableStyleId>{5C22544A-7EE6-4342-B048-85BDC9FD1C3A}</a:tableStyleId>
+              </a:tblPr>
+              <a:tblGrid>
+                <a:gridCol w="1347470"/>
+                <a:gridCol w="1634490"/>
+                <a:gridCol w="3016885"/>
+                <a:gridCol w="2861310"/>
+                <a:gridCol w="2814320"/>
+              </a:tblGrid>
+              <a:tr h="446405">
+                <a:tc gridSpan="2">
+                  <a:txBody>
+                    <a:bodyPr/>
+                    <a:p>
+                      <a:pPr algn="ctr">
+                        <a:buNone/>
+                      </a:pPr>
+                      <a:r>
+                        <a:rPr lang="zh-CN" altLang="en-US"/>
+                        <a:t>工作区</a:t>
+                      </a:r>
+                      <a:endParaRPr lang="zh-CN" altLang="en-US"/>
+                    </a:p>
+                  </a:txBody>
+                  <a:tcPr/>
+                </a:tc>
+                <a:tc hMerge="1">
+                  <a:tcPr/>
+                </a:tc>
+                <a:tc>
+                  <a:txBody>
+                    <a:bodyPr/>
+                    <a:p>
+                      <a:pPr algn="ctr">
+                        <a:buNone/>
+                      </a:pPr>
+                      <a:r>
+                        <a:rPr lang="zh-CN" altLang="en-US"/>
+                        <a:t>暂存区</a:t>
+                      </a:r>
+                      <a:endParaRPr lang="zh-CN" altLang="en-US"/>
+                    </a:p>
+                  </a:txBody>
+                  <a:tcPr>
+                    <a:solidFill>
+                      <a:srgbClr val="00B050"/>
+                    </a:solidFill>
+                  </a:tcPr>
+                </a:tc>
+                <a:tc>
+                  <a:txBody>
+                    <a:bodyPr/>
+                    <a:p>
+                      <a:pPr algn="ctr">
+                        <a:buNone/>
+                      </a:pPr>
+                      <a:r>
+                        <a:rPr lang="zh-CN" altLang="en-US"/>
+                        <a:t>版本库（本地</a:t>
+                      </a:r>
+                      <a:r>
+                        <a:rPr lang="zh-CN" altLang="en-US"/>
+                        <a:t>）</a:t>
+                      </a:r>
+                      <a:endParaRPr lang="zh-CN" altLang="en-US"/>
+                    </a:p>
+                  </a:txBody>
+                  <a:tcPr/>
+                </a:tc>
+                <a:tc>
+                  <a:txBody>
+                    <a:bodyPr/>
+                    <a:p>
+                      <a:pPr algn="ctr">
+                        <a:buNone/>
+                      </a:pPr>
+                      <a:r>
+                        <a:rPr lang="zh-CN" altLang="en-US"/>
+                        <a:t>远端仓库</a:t>
+                      </a:r>
+                      <a:endParaRPr lang="zh-CN" altLang="en-US"/>
+                    </a:p>
+                  </a:txBody>
+                  <a:tcPr/>
+                </a:tc>
+              </a:tr>
+              <a:tr h="5883910">
+                <a:tc>
+                  <a:txBody>
+                    <a:bodyPr/>
+                    <a:p>
+                      <a:pPr algn="ctr">
+                        <a:buNone/>
+                      </a:pPr>
+                      <a:r>
+                        <a:rPr lang="en-US" altLang="zh-CN" sz="1200" b="1"/>
+                        <a:t>git</a:t>
+                      </a:r>
+                      <a:r>
+                        <a:rPr lang="zh-CN" altLang="en-US" sz="1200" b="1"/>
+                        <a:t>已管理</a:t>
+                      </a:r>
+                      <a:endParaRPr lang="zh-CN" altLang="en-US" sz="1200" b="1"/>
+                    </a:p>
+                  </a:txBody>
+                  <a:tcPr>
+                    <a:solidFill>
+                      <a:schemeClr val="bg1"/>
+                    </a:solidFill>
+                  </a:tcPr>
+                </a:tc>
+                <a:tc>
+                  <a:txBody>
+                    <a:bodyPr/>
+                    <a:p>
+                      <a:pPr algn="ctr">
+                        <a:buNone/>
+                      </a:pPr>
+                      <a:r>
+                        <a:rPr lang="zh-CN" altLang="en-US" sz="1200" b="1"/>
+                        <a:t>新文件或修改的文件</a:t>
+                      </a:r>
+                      <a:endParaRPr lang="zh-CN" altLang="en-US" sz="1200" b="1"/>
+                    </a:p>
+                  </a:txBody>
+                  <a:tcPr>
+                    <a:solidFill>
+                      <a:srgbClr val="FF0000"/>
+                    </a:solidFill>
+                  </a:tcPr>
+                </a:tc>
+                <a:tc>
+                  <a:txBody>
+                    <a:bodyPr/>
+                    <a:p>
+                      <a:pPr>
+                        <a:buNone/>
+                      </a:pPr>
+                      <a:endParaRPr lang="zh-CN" altLang="en-US"/>
+                    </a:p>
+                  </a:txBody>
+                  <a:tcPr>
+                    <a:solidFill>
+                      <a:srgbClr val="00B050"/>
+                    </a:solidFill>
+                  </a:tcPr>
+                </a:tc>
+                <a:tc>
+                  <a:txBody>
+                    <a:bodyPr/>
+                    <a:p>
+                      <a:pPr>
+                        <a:buNone/>
+                      </a:pPr>
+                      <a:endParaRPr lang="zh-CN" altLang="en-US"/>
+                    </a:p>
+                  </a:txBody>
+                  <a:tcPr>
+                    <a:solidFill>
+                      <a:schemeClr val="bg1"/>
+                    </a:solidFill>
+                  </a:tcPr>
+                </a:tc>
+                <a:tc>
+                  <a:txBody>
+                    <a:bodyPr/>
+                    <a:p>
+                      <a:pPr>
+                        <a:buNone/>
+                      </a:pPr>
+                      <a:endParaRPr lang="zh-CN" altLang="en-US"/>
+                    </a:p>
+                  </a:txBody>
+                  <a:tcPr/>
+                </a:tc>
+              </a:tr>
+            </a:tbl>
+          </a:graphicData>
+        </a:graphic>
+      </p:graphicFrame>
+      <p:grpSp>
+        <p:nvGrpSpPr>
+          <p:cNvPr id="9" name="组合 8"/>
+          <p:cNvGrpSpPr/>
+          <p:nvPr/>
+        </p:nvGrpSpPr>
+        <p:grpSpPr>
+          <a:xfrm>
+            <a:off x="1015365" y="1156335"/>
+            <a:ext cx="1427480" cy="488950"/>
+            <a:chOff x="1644" y="1821"/>
+            <a:chExt cx="2248" cy="770"/>
+          </a:xfrm>
+        </p:grpSpPr>
+        <p:sp>
+          <p:nvSpPr>
+            <p:cNvPr id="7" name="右箭头 6"/>
+            <p:cNvSpPr/>
+            <p:nvPr/>
+          </p:nvSpPr>
+          <p:spPr>
+            <a:xfrm>
+              <a:off x="1644" y="1821"/>
+              <a:ext cx="2249" cy="770"/>
+            </a:xfrm>
+            <a:prstGeom prst="rightArrow">
+              <a:avLst/>
+            </a:prstGeom>
+          </p:spPr>
+          <p:style>
+            <a:lnRef idx="2">
+              <a:schemeClr val="accent1">
+                <a:shade val="50000"/>
+              </a:schemeClr>
+            </a:lnRef>
+            <a:fillRef idx="1">
+              <a:schemeClr val="accent1"/>
+            </a:fillRef>
+            <a:effectRef idx="0">
+              <a:schemeClr val="accent1"/>
+            </a:effectRef>
+            <a:fontRef idx="minor">
+              <a:schemeClr val="lt1"/>
+            </a:fontRef>
+          </p:style>
+          <p:txBody>
+            <a:bodyPr rtlCol="0" anchor="ctr"/>
+            <a:p>
+              <a:pPr algn="ctr"/>
+              <a:endParaRPr lang="zh-CN" altLang="en-US"/>
+            </a:p>
+          </p:txBody>
+        </p:sp>
+        <p:sp>
+          <p:nvSpPr>
+            <p:cNvPr id="8" name="文本框 7"/>
+            <p:cNvSpPr txBox="1"/>
+            <p:nvPr/>
+          </p:nvSpPr>
+          <p:spPr>
+            <a:xfrm>
+              <a:off x="2029" y="2013"/>
+              <a:ext cx="1479" cy="386"/>
+            </a:xfrm>
+            <a:prstGeom prst="rect">
+              <a:avLst/>
+            </a:prstGeom>
+            <a:noFill/>
+          </p:spPr>
+          <p:txBody>
+            <a:bodyPr wrap="square" rtlCol="0">
+              <a:spAutoFit/>
+            </a:bodyPr>
+            <a:p>
+              <a:r>
+                <a:rPr lang="zh-CN" altLang="en-US" sz="1000"/>
+                <a:t>自动检测</a:t>
+              </a:r>
+              <a:endParaRPr lang="zh-CN" altLang="en-US" sz="1000"/>
+            </a:p>
+          </p:txBody>
+        </p:sp>
+      </p:grpSp>
+      <p:grpSp>
+        <p:nvGrpSpPr>
+          <p:cNvPr id="10" name="组合 9"/>
+          <p:cNvGrpSpPr/>
+          <p:nvPr/>
+        </p:nvGrpSpPr>
+        <p:grpSpPr>
+          <a:xfrm>
+            <a:off x="2822575" y="1156335"/>
+            <a:ext cx="1370965" cy="488950"/>
+            <a:chOff x="1644" y="1821"/>
+            <a:chExt cx="2249" cy="770"/>
+          </a:xfrm>
+        </p:grpSpPr>
+        <p:sp>
+          <p:nvSpPr>
+            <p:cNvPr id="11" name="右箭头 10"/>
+            <p:cNvSpPr/>
+            <p:nvPr/>
+          </p:nvSpPr>
+          <p:spPr>
+            <a:xfrm>
+              <a:off x="1644" y="1821"/>
+              <a:ext cx="2249" cy="770"/>
+            </a:xfrm>
+            <a:prstGeom prst="rightArrow">
+              <a:avLst/>
+            </a:prstGeom>
+          </p:spPr>
+          <p:style>
+            <a:lnRef idx="2">
+              <a:schemeClr val="accent1">
+                <a:shade val="50000"/>
+              </a:schemeClr>
+            </a:lnRef>
+            <a:fillRef idx="1">
+              <a:schemeClr val="accent1"/>
+            </a:fillRef>
+            <a:effectRef idx="0">
+              <a:schemeClr val="accent1"/>
+            </a:effectRef>
+            <a:fontRef idx="minor">
+              <a:schemeClr val="lt1"/>
+            </a:fontRef>
+          </p:style>
+          <p:txBody>
+            <a:bodyPr rtlCol="0" anchor="ctr"/>
+            <a:p>
+              <a:pPr algn="ctr"/>
+              <a:endParaRPr lang="zh-CN" altLang="en-US"/>
+            </a:p>
+          </p:txBody>
+        </p:sp>
+        <p:sp>
+          <p:nvSpPr>
+            <p:cNvPr id="12" name="文本框 11"/>
+            <p:cNvSpPr txBox="1"/>
+            <p:nvPr/>
+          </p:nvSpPr>
+          <p:spPr>
+            <a:xfrm>
+              <a:off x="2029" y="2013"/>
+              <a:ext cx="1479" cy="386"/>
+            </a:xfrm>
+            <a:prstGeom prst="rect">
+              <a:avLst/>
+            </a:prstGeom>
+            <a:noFill/>
+          </p:spPr>
+          <p:txBody>
+            <a:bodyPr wrap="square" rtlCol="0">
+              <a:spAutoFit/>
+            </a:bodyPr>
+            <a:p>
+              <a:pPr algn="ctr"/>
+              <a:r>
+                <a:rPr lang="en-US" altLang="zh-CN" sz="1000"/>
+                <a:t>git  add  .</a:t>
+              </a:r>
+              <a:endParaRPr lang="en-US" altLang="zh-CN" sz="1000"/>
+            </a:p>
+          </p:txBody>
+        </p:sp>
+      </p:grpSp>
+      <p:grpSp>
+        <p:nvGrpSpPr>
+          <p:cNvPr id="13" name="组合 12"/>
+          <p:cNvGrpSpPr/>
+          <p:nvPr/>
+        </p:nvGrpSpPr>
+        <p:grpSpPr>
+          <a:xfrm>
+            <a:off x="5409565" y="1156335"/>
+            <a:ext cx="1619970" cy="488950"/>
+            <a:chOff x="1644" y="1821"/>
+            <a:chExt cx="2249" cy="770"/>
+          </a:xfrm>
+        </p:grpSpPr>
+        <p:sp>
+          <p:nvSpPr>
+            <p:cNvPr id="14" name="右箭头 13"/>
+            <p:cNvSpPr/>
+            <p:nvPr/>
+          </p:nvSpPr>
+          <p:spPr>
+            <a:xfrm>
+              <a:off x="1644" y="1821"/>
+              <a:ext cx="2249" cy="770"/>
+            </a:xfrm>
+            <a:prstGeom prst="rightArrow">
+              <a:avLst/>
+            </a:prstGeom>
+          </p:spPr>
+          <p:style>
+            <a:lnRef idx="2">
+              <a:schemeClr val="accent1">
+                <a:shade val="50000"/>
+              </a:schemeClr>
+            </a:lnRef>
+            <a:fillRef idx="1">
+              <a:schemeClr val="accent1"/>
+            </a:fillRef>
+            <a:effectRef idx="0">
+              <a:schemeClr val="accent1"/>
+            </a:effectRef>
+            <a:fontRef idx="minor">
+              <a:schemeClr val="lt1"/>
+            </a:fontRef>
+          </p:style>
+          <p:txBody>
+            <a:bodyPr rtlCol="0" anchor="ctr"/>
+            <a:p>
+              <a:pPr algn="ctr"/>
+              <a:endParaRPr lang="zh-CN" altLang="en-US"/>
+            </a:p>
+          </p:txBody>
+        </p:sp>
+        <p:sp>
+          <p:nvSpPr>
+            <p:cNvPr id="15" name="文本框 14"/>
+            <p:cNvSpPr txBox="1"/>
+            <p:nvPr/>
+          </p:nvSpPr>
+          <p:spPr>
+            <a:xfrm>
+              <a:off x="1752" y="2013"/>
+              <a:ext cx="1756" cy="386"/>
+            </a:xfrm>
+            <a:prstGeom prst="rect">
+              <a:avLst/>
+            </a:prstGeom>
+            <a:noFill/>
+          </p:spPr>
+          <p:txBody>
+            <a:bodyPr wrap="square" rtlCol="0">
+              <a:spAutoFit/>
+            </a:bodyPr>
+            <a:p>
+              <a:pPr algn="ctr"/>
+              <a:r>
+                <a:rPr lang="en-US" altLang="zh-CN" sz="1000"/>
+                <a:t>git  commit  -m “xxx”</a:t>
+              </a:r>
+              <a:endParaRPr lang="en-US" altLang="zh-CN" sz="1000"/>
+            </a:p>
+          </p:txBody>
+        </p:sp>
+      </p:grpSp>
+      <p:grpSp>
+        <p:nvGrpSpPr>
+          <p:cNvPr id="16" name="组合 15"/>
+          <p:cNvGrpSpPr/>
+          <p:nvPr/>
+        </p:nvGrpSpPr>
+        <p:grpSpPr>
+          <a:xfrm>
+            <a:off x="8136890" y="1156335"/>
+            <a:ext cx="2712656" cy="488950"/>
+            <a:chOff x="1644" y="1821"/>
+            <a:chExt cx="2249" cy="770"/>
+          </a:xfrm>
+        </p:grpSpPr>
+        <p:sp>
+          <p:nvSpPr>
+            <p:cNvPr id="17" name="右箭头 16"/>
+            <p:cNvSpPr/>
+            <p:nvPr/>
+          </p:nvSpPr>
+          <p:spPr>
+            <a:xfrm>
+              <a:off x="1644" y="1821"/>
+              <a:ext cx="2249" cy="770"/>
+            </a:xfrm>
+            <a:prstGeom prst="rightArrow">
+              <a:avLst/>
+            </a:prstGeom>
+          </p:spPr>
+          <p:style>
+            <a:lnRef idx="2">
+              <a:schemeClr val="accent1">
+                <a:shade val="50000"/>
+              </a:schemeClr>
+            </a:lnRef>
+            <a:fillRef idx="1">
+              <a:schemeClr val="accent1"/>
+            </a:fillRef>
+            <a:effectRef idx="0">
+              <a:schemeClr val="accent1"/>
+            </a:effectRef>
+            <a:fontRef idx="minor">
+              <a:schemeClr val="lt1"/>
+            </a:fontRef>
+          </p:style>
+          <p:txBody>
+            <a:bodyPr rtlCol="0" anchor="ctr"/>
+            <a:p>
+              <a:pPr algn="ctr"/>
+              <a:endParaRPr lang="zh-CN" altLang="en-US"/>
+            </a:p>
+          </p:txBody>
+        </p:sp>
+        <p:sp>
+          <p:nvSpPr>
+            <p:cNvPr id="18" name="文本框 17"/>
+            <p:cNvSpPr txBox="1"/>
+            <p:nvPr/>
+          </p:nvSpPr>
+          <p:spPr>
+            <a:xfrm>
+              <a:off x="1918" y="2013"/>
+              <a:ext cx="1590" cy="386"/>
+            </a:xfrm>
+            <a:prstGeom prst="rect">
+              <a:avLst/>
+            </a:prstGeom>
+            <a:noFill/>
+          </p:spPr>
+          <p:txBody>
+            <a:bodyPr wrap="square" rtlCol="0">
+              <a:spAutoFit/>
+            </a:bodyPr>
+            <a:p>
+              <a:pPr algn="ctr"/>
+              <a:r>
+                <a:rPr lang="en-US" altLang="zh-CN" sz="1000"/>
+                <a:t>git  push  origin  </a:t>
+              </a:r>
+              <a:r>
+                <a:rPr lang="zh-CN" altLang="en-US" sz="1000"/>
+                <a:t>分支名</a:t>
+              </a:r>
+              <a:endParaRPr lang="zh-CN" altLang="en-US" sz="1000"/>
+            </a:p>
+          </p:txBody>
+        </p:sp>
+      </p:grpSp>
+      <p:grpSp>
+        <p:nvGrpSpPr>
+          <p:cNvPr id="25" name="组合 24"/>
+          <p:cNvGrpSpPr/>
+          <p:nvPr/>
+        </p:nvGrpSpPr>
+        <p:grpSpPr>
+          <a:xfrm>
+            <a:off x="8136890" y="2129155"/>
+            <a:ext cx="2372995" cy="488950"/>
+            <a:chOff x="1644" y="1821"/>
+            <a:chExt cx="2249" cy="770"/>
+          </a:xfrm>
+        </p:grpSpPr>
+        <p:sp>
+          <p:nvSpPr>
+            <p:cNvPr id="26" name="右箭头 25"/>
+            <p:cNvSpPr/>
+            <p:nvPr/>
+          </p:nvSpPr>
+          <p:spPr>
+            <a:xfrm>
+              <a:off x="1644" y="1821"/>
+              <a:ext cx="2249" cy="770"/>
+            </a:xfrm>
+            <a:prstGeom prst="rightArrow">
+              <a:avLst/>
+            </a:prstGeom>
+          </p:spPr>
+          <p:style>
+            <a:lnRef idx="2">
+              <a:schemeClr val="accent1">
+                <a:shade val="50000"/>
+              </a:schemeClr>
+            </a:lnRef>
+            <a:fillRef idx="1">
+              <a:schemeClr val="accent1"/>
+            </a:fillRef>
+            <a:effectRef idx="0">
+              <a:schemeClr val="accent1"/>
+            </a:effectRef>
+            <a:fontRef idx="minor">
+              <a:schemeClr val="lt1"/>
+            </a:fontRef>
+          </p:style>
+          <p:txBody>
+            <a:bodyPr rtlCol="0" anchor="ctr"/>
+            <a:p>
+              <a:pPr algn="ctr"/>
+              <a:endParaRPr lang="zh-CN" altLang="en-US"/>
+            </a:p>
+          </p:txBody>
+        </p:sp>
+        <p:sp>
+          <p:nvSpPr>
+            <p:cNvPr id="27" name="文本框 26"/>
+            <p:cNvSpPr txBox="1"/>
+            <p:nvPr/>
+          </p:nvSpPr>
+          <p:spPr>
+            <a:xfrm>
+              <a:off x="2029" y="2013"/>
+              <a:ext cx="1479" cy="386"/>
+            </a:xfrm>
+            <a:prstGeom prst="rect">
+              <a:avLst/>
+            </a:prstGeom>
+            <a:noFill/>
+          </p:spPr>
+          <p:txBody>
+            <a:bodyPr wrap="square" rtlCol="0">
+              <a:spAutoFit/>
+            </a:bodyPr>
+            <a:p>
+              <a:pPr algn="ctr"/>
+              <a:r>
+                <a:rPr lang="en-US" altLang="zh-CN" sz="1000"/>
+                <a:t>git  push  origin  </a:t>
+              </a:r>
+              <a:r>
+                <a:rPr lang="zh-CN" altLang="en-US" sz="1000"/>
+                <a:t>分支名</a:t>
+              </a:r>
+              <a:endParaRPr lang="zh-CN" altLang="en-US" sz="1000"/>
+            </a:p>
+          </p:txBody>
+        </p:sp>
+      </p:grpSp>
+      <p:grpSp>
+        <p:nvGrpSpPr>
+          <p:cNvPr id="33" name="组合 32"/>
+          <p:cNvGrpSpPr/>
+          <p:nvPr/>
+        </p:nvGrpSpPr>
+        <p:grpSpPr>
+          <a:xfrm>
+            <a:off x="8230235" y="1645285"/>
+            <a:ext cx="2049780" cy="483870"/>
+            <a:chOff x="12961" y="2591"/>
+            <a:chExt cx="3228" cy="762"/>
+          </a:xfrm>
+        </p:grpSpPr>
+        <p:sp>
+          <p:nvSpPr>
+            <p:cNvPr id="31" name="左箭头 30"/>
+            <p:cNvSpPr/>
+            <p:nvPr/>
+          </p:nvSpPr>
+          <p:spPr>
+            <a:xfrm>
+              <a:off x="12961" y="2591"/>
+              <a:ext cx="3228" cy="762"/>
+            </a:xfrm>
+            <a:prstGeom prst="leftArrow">
+              <a:avLst/>
+            </a:prstGeom>
+          </p:spPr>
+          <p:style>
+            <a:lnRef idx="2">
+              <a:schemeClr val="accent1">
+                <a:shade val="50000"/>
+              </a:schemeClr>
+            </a:lnRef>
+            <a:fillRef idx="1">
+              <a:schemeClr val="accent1"/>
+            </a:fillRef>
+            <a:effectRef idx="0">
+              <a:schemeClr val="accent1"/>
+            </a:effectRef>
+            <a:fontRef idx="minor">
+              <a:schemeClr val="lt1"/>
+            </a:fontRef>
+          </p:style>
+          <p:txBody>
+            <a:bodyPr rtlCol="0" anchor="ctr"/>
+            <a:p>
+              <a:pPr algn="ctr"/>
+              <a:endParaRPr lang="zh-CN" altLang="en-US"/>
+            </a:p>
+          </p:txBody>
+        </p:sp>
+        <p:sp>
+          <p:nvSpPr>
+            <p:cNvPr id="32" name="文本框 31"/>
+            <p:cNvSpPr txBox="1"/>
+            <p:nvPr/>
+          </p:nvSpPr>
+          <p:spPr>
+            <a:xfrm>
+              <a:off x="13493" y="2792"/>
+              <a:ext cx="2582" cy="386"/>
+            </a:xfrm>
+            <a:prstGeom prst="rect">
+              <a:avLst/>
+            </a:prstGeom>
+            <a:noFill/>
+          </p:spPr>
+          <p:txBody>
+            <a:bodyPr wrap="square" rtlCol="0">
+              <a:spAutoFit/>
+            </a:bodyPr>
+            <a:p>
+              <a:r>
+                <a:rPr lang="en-US" altLang="zh-CN" sz="1000"/>
+                <a:t>git fetch origin </a:t>
+              </a:r>
+              <a:r>
+                <a:rPr lang="zh-CN" altLang="en-US" sz="1000"/>
+                <a:t>分支名</a:t>
+              </a:r>
+              <a:endParaRPr lang="zh-CN" altLang="en-US" sz="1000"/>
+            </a:p>
+          </p:txBody>
+        </p:sp>
+      </p:grpSp>
+      <p:grpSp>
+        <p:nvGrpSpPr>
+          <p:cNvPr id="34" name="组合 33"/>
+          <p:cNvGrpSpPr/>
+          <p:nvPr/>
+        </p:nvGrpSpPr>
+        <p:grpSpPr>
+          <a:xfrm>
+            <a:off x="5560060" y="1645285"/>
+            <a:ext cx="2049780" cy="483870"/>
+            <a:chOff x="12961" y="2591"/>
+            <a:chExt cx="3228" cy="762"/>
+          </a:xfrm>
+        </p:grpSpPr>
+        <p:sp>
+          <p:nvSpPr>
+            <p:cNvPr id="35" name="左箭头 34"/>
+            <p:cNvSpPr/>
+            <p:nvPr/>
+          </p:nvSpPr>
+          <p:spPr>
+            <a:xfrm>
+              <a:off x="12961" y="2591"/>
+              <a:ext cx="3228" cy="762"/>
+            </a:xfrm>
+            <a:prstGeom prst="leftArrow">
+              <a:avLst/>
+            </a:prstGeom>
+          </p:spPr>
+          <p:style>
+            <a:lnRef idx="2">
+              <a:schemeClr val="accent1">
+                <a:shade val="50000"/>
+              </a:schemeClr>
+            </a:lnRef>
+            <a:fillRef idx="1">
+              <a:schemeClr val="accent1"/>
+            </a:fillRef>
+            <a:effectRef idx="0">
+              <a:schemeClr val="accent1"/>
+            </a:effectRef>
+            <a:fontRef idx="minor">
+              <a:schemeClr val="lt1"/>
+            </a:fontRef>
+          </p:style>
+          <p:txBody>
+            <a:bodyPr rtlCol="0" anchor="ctr"/>
+            <a:p>
+              <a:pPr algn="ctr"/>
+              <a:endParaRPr lang="zh-CN" altLang="en-US"/>
+            </a:p>
+          </p:txBody>
+        </p:sp>
+        <p:sp>
+          <p:nvSpPr>
+            <p:cNvPr id="36" name="文本框 35"/>
+            <p:cNvSpPr txBox="1"/>
+            <p:nvPr/>
+          </p:nvSpPr>
+          <p:spPr>
+            <a:xfrm>
+              <a:off x="13493" y="2792"/>
+              <a:ext cx="2582" cy="386"/>
+            </a:xfrm>
+            <a:prstGeom prst="rect">
+              <a:avLst/>
+            </a:prstGeom>
+            <a:noFill/>
+          </p:spPr>
+          <p:txBody>
+            <a:bodyPr wrap="square" rtlCol="0">
+              <a:spAutoFit/>
+            </a:bodyPr>
+            <a:p>
+              <a:r>
+                <a:rPr lang="en-US" altLang="zh-CN" sz="1000"/>
+                <a:t>git  reset  --soft  </a:t>
+              </a:r>
+              <a:r>
+                <a:rPr lang="zh-CN" altLang="en-US" sz="1000"/>
+                <a:t>版本号</a:t>
+              </a:r>
+              <a:endParaRPr lang="zh-CN" altLang="en-US" sz="1000"/>
+            </a:p>
+          </p:txBody>
+        </p:sp>
+      </p:grpSp>
+      <p:grpSp>
+        <p:nvGrpSpPr>
+          <p:cNvPr id="40" name="组合 39"/>
+          <p:cNvGrpSpPr/>
+          <p:nvPr/>
+        </p:nvGrpSpPr>
+        <p:grpSpPr>
+          <a:xfrm>
+            <a:off x="2484755" y="1645285"/>
+            <a:ext cx="2049780" cy="483870"/>
+            <a:chOff x="12961" y="2591"/>
+            <a:chExt cx="3228" cy="762"/>
+          </a:xfrm>
+        </p:grpSpPr>
+        <p:sp>
+          <p:nvSpPr>
+            <p:cNvPr id="41" name="左箭头 40"/>
+            <p:cNvSpPr/>
+            <p:nvPr/>
+          </p:nvSpPr>
+          <p:spPr>
+            <a:xfrm>
+              <a:off x="12961" y="2591"/>
+              <a:ext cx="3228" cy="762"/>
+            </a:xfrm>
+            <a:prstGeom prst="leftArrow">
+              <a:avLst/>
+            </a:prstGeom>
+          </p:spPr>
+          <p:style>
+            <a:lnRef idx="2">
+              <a:schemeClr val="accent1">
+                <a:shade val="50000"/>
+              </a:schemeClr>
+            </a:lnRef>
+            <a:fillRef idx="1">
+              <a:schemeClr val="accent1"/>
+            </a:fillRef>
+            <a:effectRef idx="0">
+              <a:schemeClr val="accent1"/>
+            </a:effectRef>
+            <a:fontRef idx="minor">
+              <a:schemeClr val="lt1"/>
+            </a:fontRef>
+          </p:style>
+          <p:txBody>
+            <a:bodyPr rtlCol="0" anchor="ctr"/>
+            <a:p>
+              <a:pPr algn="ctr"/>
+              <a:endParaRPr lang="zh-CN" altLang="en-US"/>
+            </a:p>
+          </p:txBody>
+        </p:sp>
+        <p:sp>
+          <p:nvSpPr>
+            <p:cNvPr id="42" name="文本框 41"/>
+            <p:cNvSpPr txBox="1"/>
+            <p:nvPr/>
+          </p:nvSpPr>
+          <p:spPr>
+            <a:xfrm>
+              <a:off x="13493" y="2792"/>
+              <a:ext cx="2582" cy="386"/>
+            </a:xfrm>
+            <a:prstGeom prst="rect">
+              <a:avLst/>
+            </a:prstGeom>
+            <a:noFill/>
+          </p:spPr>
+          <p:txBody>
+            <a:bodyPr wrap="square" rtlCol="0">
+              <a:spAutoFit/>
+            </a:bodyPr>
+            <a:p>
+              <a:r>
+                <a:rPr lang="en-US" altLang="zh-CN" sz="1000"/>
+                <a:t>git reset  HEAD  </a:t>
+              </a:r>
+              <a:r>
+                <a:rPr lang="zh-CN" altLang="en-US" sz="1000"/>
+                <a:t>文件名</a:t>
+              </a:r>
+              <a:r>
+                <a:rPr lang="en-US" altLang="zh-CN" sz="1000"/>
+                <a:t> </a:t>
+              </a:r>
+              <a:endParaRPr lang="zh-CN" altLang="en-US" sz="1000"/>
+            </a:p>
+          </p:txBody>
+        </p:sp>
+      </p:grpSp>
+      <p:grpSp>
+        <p:nvGrpSpPr>
+          <p:cNvPr id="46" name="组合 45"/>
+          <p:cNvGrpSpPr/>
+          <p:nvPr/>
+        </p:nvGrpSpPr>
+        <p:grpSpPr>
+          <a:xfrm>
+            <a:off x="2534920" y="2190115"/>
+            <a:ext cx="5014595" cy="483870"/>
+            <a:chOff x="12961" y="2591"/>
+            <a:chExt cx="3228" cy="762"/>
+          </a:xfrm>
+        </p:grpSpPr>
+        <p:sp>
+          <p:nvSpPr>
+            <p:cNvPr id="47" name="左箭头 46"/>
+            <p:cNvSpPr/>
+            <p:nvPr/>
+          </p:nvSpPr>
+          <p:spPr>
+            <a:xfrm>
+              <a:off x="12961" y="2591"/>
+              <a:ext cx="3228" cy="762"/>
+            </a:xfrm>
+            <a:prstGeom prst="leftArrow">
+              <a:avLst/>
+            </a:prstGeom>
+          </p:spPr>
+          <p:style>
+            <a:lnRef idx="2">
+              <a:schemeClr val="accent1">
+                <a:shade val="50000"/>
+              </a:schemeClr>
+            </a:lnRef>
+            <a:fillRef idx="1">
+              <a:schemeClr val="accent1"/>
+            </a:fillRef>
+            <a:effectRef idx="0">
+              <a:schemeClr val="accent1"/>
+            </a:effectRef>
+            <a:fontRef idx="minor">
+              <a:schemeClr val="lt1"/>
+            </a:fontRef>
+          </p:style>
+          <p:txBody>
+            <a:bodyPr rtlCol="0" anchor="ctr"/>
+            <a:p>
+              <a:pPr algn="ctr"/>
+              <a:endParaRPr lang="zh-CN" altLang="en-US"/>
+            </a:p>
+          </p:txBody>
+        </p:sp>
+        <p:sp>
+          <p:nvSpPr>
+            <p:cNvPr id="48" name="文本框 47"/>
+            <p:cNvSpPr txBox="1"/>
+            <p:nvPr/>
+          </p:nvSpPr>
+          <p:spPr>
+            <a:xfrm>
+              <a:off x="13272" y="2779"/>
+              <a:ext cx="2582" cy="386"/>
+            </a:xfrm>
+            <a:prstGeom prst="rect">
+              <a:avLst/>
+            </a:prstGeom>
+            <a:noFill/>
+          </p:spPr>
+          <p:txBody>
+            <a:bodyPr wrap="square" rtlCol="0">
+              <a:spAutoFit/>
+            </a:bodyPr>
+            <a:p>
+              <a:pPr algn="ctr"/>
+              <a:r>
+                <a:rPr lang="en-US" altLang="zh-CN" sz="1000"/>
+                <a:t>git reset  --mix  </a:t>
+              </a:r>
+              <a:r>
+                <a:rPr lang="zh-CN" altLang="en-US" sz="1000"/>
+                <a:t>版本号</a:t>
+              </a:r>
+              <a:endParaRPr lang="zh-CN" altLang="en-US" sz="1000"/>
+            </a:p>
+          </p:txBody>
+        </p:sp>
+      </p:grpSp>
+      <p:grpSp>
+        <p:nvGrpSpPr>
+          <p:cNvPr id="58" name="组合 57"/>
+          <p:cNvGrpSpPr/>
+          <p:nvPr/>
+        </p:nvGrpSpPr>
+        <p:grpSpPr>
+          <a:xfrm>
+            <a:off x="668655" y="1637030"/>
+            <a:ext cx="1653540" cy="483870"/>
+            <a:chOff x="12961" y="2591"/>
+            <a:chExt cx="3228" cy="762"/>
+          </a:xfrm>
+        </p:grpSpPr>
+        <p:sp>
+          <p:nvSpPr>
+            <p:cNvPr id="59" name="左箭头 58"/>
+            <p:cNvSpPr/>
+            <p:nvPr/>
+          </p:nvSpPr>
+          <p:spPr>
+            <a:xfrm>
+              <a:off x="12961" y="2591"/>
+              <a:ext cx="3228" cy="762"/>
+            </a:xfrm>
+            <a:prstGeom prst="leftArrow">
+              <a:avLst/>
+            </a:prstGeom>
+          </p:spPr>
+          <p:style>
+            <a:lnRef idx="2">
+              <a:schemeClr val="accent1">
+                <a:shade val="50000"/>
+              </a:schemeClr>
+            </a:lnRef>
+            <a:fillRef idx="1">
+              <a:schemeClr val="accent1"/>
+            </a:fillRef>
+            <a:effectRef idx="0">
+              <a:schemeClr val="accent1"/>
+            </a:effectRef>
+            <a:fontRef idx="minor">
+              <a:schemeClr val="lt1"/>
+            </a:fontRef>
+          </p:style>
+          <p:txBody>
+            <a:bodyPr rtlCol="0" anchor="ctr"/>
+            <a:p>
+              <a:pPr algn="ctr"/>
+              <a:endParaRPr lang="zh-CN" altLang="en-US"/>
+            </a:p>
+          </p:txBody>
+        </p:sp>
+        <p:sp>
+          <p:nvSpPr>
+            <p:cNvPr id="60" name="文本框 59"/>
+            <p:cNvSpPr txBox="1"/>
+            <p:nvPr/>
+          </p:nvSpPr>
+          <p:spPr>
+            <a:xfrm>
+              <a:off x="13493" y="2792"/>
+              <a:ext cx="2582" cy="386"/>
+            </a:xfrm>
+            <a:prstGeom prst="rect">
+              <a:avLst/>
+            </a:prstGeom>
+            <a:noFill/>
+          </p:spPr>
+          <p:txBody>
+            <a:bodyPr wrap="square" rtlCol="0">
+              <a:spAutoFit/>
+            </a:bodyPr>
+            <a:p>
+              <a:r>
+                <a:rPr lang="en-US" altLang="zh-CN" sz="1000"/>
+                <a:t>git checkout --</a:t>
+              </a:r>
+              <a:r>
+                <a:rPr lang="zh-CN" altLang="en-US" sz="1000"/>
+                <a:t>文件</a:t>
+              </a:r>
+              <a:r>
+                <a:rPr lang="zh-CN" altLang="en-US" sz="1000"/>
+                <a:t>名</a:t>
+              </a:r>
+              <a:endParaRPr lang="zh-CN" altLang="en-US" sz="1000"/>
+            </a:p>
+          </p:txBody>
+        </p:sp>
+      </p:grpSp>
+      <p:grpSp>
+        <p:nvGrpSpPr>
+          <p:cNvPr id="61" name="组合 60"/>
+          <p:cNvGrpSpPr/>
+          <p:nvPr/>
+        </p:nvGrpSpPr>
+        <p:grpSpPr>
+          <a:xfrm>
+            <a:off x="940435" y="2698750"/>
+            <a:ext cx="6648450" cy="483870"/>
+            <a:chOff x="12961" y="2591"/>
+            <a:chExt cx="3228" cy="762"/>
+          </a:xfrm>
+        </p:grpSpPr>
+        <p:sp>
+          <p:nvSpPr>
+            <p:cNvPr id="62" name="左箭头 61"/>
+            <p:cNvSpPr/>
+            <p:nvPr/>
+          </p:nvSpPr>
+          <p:spPr>
+            <a:xfrm>
+              <a:off x="12961" y="2591"/>
+              <a:ext cx="3228" cy="762"/>
+            </a:xfrm>
+            <a:prstGeom prst="leftArrow">
+              <a:avLst/>
+            </a:prstGeom>
+          </p:spPr>
+          <p:style>
+            <a:lnRef idx="2">
+              <a:schemeClr val="accent1">
+                <a:shade val="50000"/>
+              </a:schemeClr>
+            </a:lnRef>
+            <a:fillRef idx="1">
+              <a:schemeClr val="accent1"/>
+            </a:fillRef>
+            <a:effectRef idx="0">
+              <a:schemeClr val="accent1"/>
+            </a:effectRef>
+            <a:fontRef idx="minor">
+              <a:schemeClr val="lt1"/>
+            </a:fontRef>
+          </p:style>
+          <p:txBody>
+            <a:bodyPr rtlCol="0" anchor="ctr"/>
+            <a:p>
+              <a:pPr algn="ctr"/>
+              <a:endParaRPr lang="zh-CN" altLang="en-US"/>
+            </a:p>
+          </p:txBody>
+        </p:sp>
+        <p:sp>
+          <p:nvSpPr>
+            <p:cNvPr id="63" name="文本框 62"/>
+            <p:cNvSpPr txBox="1"/>
+            <p:nvPr/>
+          </p:nvSpPr>
+          <p:spPr>
+            <a:xfrm>
+              <a:off x="13272" y="2779"/>
+              <a:ext cx="2582" cy="386"/>
+            </a:xfrm>
+            <a:prstGeom prst="rect">
+              <a:avLst/>
+            </a:prstGeom>
+            <a:noFill/>
+          </p:spPr>
+          <p:txBody>
+            <a:bodyPr wrap="square" rtlCol="0">
+              <a:spAutoFit/>
+            </a:bodyPr>
+            <a:p>
+              <a:pPr algn="ctr"/>
+              <a:r>
+                <a:rPr lang="en-US" altLang="zh-CN" sz="1000"/>
+                <a:t>git reset  --hard</a:t>
+              </a:r>
+              <a:r>
+                <a:rPr lang="en-US" altLang="zh-CN" sz="1000"/>
+                <a:t>  </a:t>
+              </a:r>
+              <a:r>
+                <a:rPr lang="zh-CN" altLang="en-US" sz="1000"/>
+                <a:t>版本号</a:t>
+              </a:r>
+              <a:endParaRPr lang="zh-CN" altLang="en-US" sz="1000"/>
+            </a:p>
+          </p:txBody>
+        </p:sp>
+      </p:grpSp>
+      <p:grpSp>
+        <p:nvGrpSpPr>
+          <p:cNvPr id="64" name="组合 63"/>
+          <p:cNvGrpSpPr/>
+          <p:nvPr/>
+        </p:nvGrpSpPr>
+        <p:grpSpPr>
+          <a:xfrm>
+            <a:off x="967105" y="3187065"/>
+            <a:ext cx="6648450" cy="483870"/>
+            <a:chOff x="12961" y="2591"/>
+            <a:chExt cx="3228" cy="762"/>
+          </a:xfrm>
+        </p:grpSpPr>
+        <p:sp>
+          <p:nvSpPr>
+            <p:cNvPr id="65" name="左箭头 64"/>
+            <p:cNvSpPr/>
+            <p:nvPr/>
+          </p:nvSpPr>
+          <p:spPr>
+            <a:xfrm>
+              <a:off x="12961" y="2591"/>
+              <a:ext cx="3228" cy="762"/>
+            </a:xfrm>
+            <a:prstGeom prst="leftArrow">
+              <a:avLst/>
+            </a:prstGeom>
+          </p:spPr>
+          <p:style>
+            <a:lnRef idx="2">
+              <a:schemeClr val="accent1">
+                <a:shade val="50000"/>
+              </a:schemeClr>
+            </a:lnRef>
+            <a:fillRef idx="1">
+              <a:schemeClr val="accent1"/>
+            </a:fillRef>
+            <a:effectRef idx="0">
+              <a:schemeClr val="accent1"/>
+            </a:effectRef>
+            <a:fontRef idx="minor">
+              <a:schemeClr val="lt1"/>
+            </a:fontRef>
+          </p:style>
+          <p:txBody>
+            <a:bodyPr rtlCol="0" anchor="ctr"/>
+            <a:p>
+              <a:pPr algn="ctr"/>
+              <a:endParaRPr lang="zh-CN" altLang="en-US"/>
+            </a:p>
+          </p:txBody>
+        </p:sp>
+        <p:sp>
+          <p:nvSpPr>
+            <p:cNvPr id="66" name="文本框 65"/>
+            <p:cNvSpPr txBox="1"/>
+            <p:nvPr/>
+          </p:nvSpPr>
+          <p:spPr>
+            <a:xfrm>
+              <a:off x="13272" y="2779"/>
+              <a:ext cx="2582" cy="386"/>
+            </a:xfrm>
+            <a:prstGeom prst="rect">
+              <a:avLst/>
+            </a:prstGeom>
+            <a:noFill/>
+          </p:spPr>
+          <p:txBody>
+            <a:bodyPr wrap="square" rtlCol="0">
+              <a:spAutoFit/>
+            </a:bodyPr>
+            <a:p>
+              <a:pPr algn="ctr"/>
+              <a:r>
+                <a:rPr lang="en-US" altLang="zh-CN" sz="1000"/>
+                <a:t>git merge  origin/</a:t>
+              </a:r>
+              <a:r>
+                <a:rPr lang="zh-CN" altLang="en-US" sz="1000"/>
+                <a:t>分支名</a:t>
+              </a:r>
+              <a:r>
+                <a:rPr lang="en-US" altLang="zh-CN" sz="1000"/>
+                <a:t>  </a:t>
+              </a:r>
+              <a:r>
+                <a:rPr lang="zh-CN" altLang="en-US" sz="1000"/>
+                <a:t>或  </a:t>
+              </a:r>
+              <a:r>
+                <a:rPr lang="en-US" altLang="zh-CN" sz="1000">
+                  <a:sym typeface="+mn-ea"/>
+                </a:rPr>
+                <a:t>git  rebase origin/</a:t>
+              </a:r>
+              <a:r>
+                <a:rPr lang="zh-CN" altLang="en-US" sz="1000">
+                  <a:sym typeface="+mn-ea"/>
+                </a:rPr>
+                <a:t>分支名</a:t>
+              </a:r>
+              <a:endParaRPr lang="zh-CN" altLang="en-US" sz="1000">
+                <a:sym typeface="+mn-ea"/>
+              </a:endParaRPr>
+            </a:p>
+          </p:txBody>
+        </p:sp>
+      </p:grpSp>
+      <p:grpSp>
+        <p:nvGrpSpPr>
+          <p:cNvPr id="67" name="组合 66"/>
+          <p:cNvGrpSpPr/>
+          <p:nvPr/>
+        </p:nvGrpSpPr>
+        <p:grpSpPr>
+          <a:xfrm>
+            <a:off x="940435" y="3763010"/>
+            <a:ext cx="9728200" cy="483870"/>
+            <a:chOff x="12961" y="2591"/>
+            <a:chExt cx="3228" cy="762"/>
+          </a:xfrm>
+        </p:grpSpPr>
+        <p:sp>
+          <p:nvSpPr>
+            <p:cNvPr id="68" name="左箭头 67"/>
+            <p:cNvSpPr/>
+            <p:nvPr/>
+          </p:nvSpPr>
+          <p:spPr>
+            <a:xfrm>
+              <a:off x="12961" y="2591"/>
+              <a:ext cx="3228" cy="762"/>
+            </a:xfrm>
+            <a:prstGeom prst="leftArrow">
+              <a:avLst/>
+            </a:prstGeom>
+          </p:spPr>
+          <p:style>
+            <a:lnRef idx="2">
+              <a:schemeClr val="accent1">
+                <a:shade val="50000"/>
+              </a:schemeClr>
+            </a:lnRef>
+            <a:fillRef idx="1">
+              <a:schemeClr val="accent1"/>
+            </a:fillRef>
+            <a:effectRef idx="0">
+              <a:schemeClr val="accent1"/>
+            </a:effectRef>
+            <a:fontRef idx="minor">
+              <a:schemeClr val="lt1"/>
+            </a:fontRef>
+          </p:style>
+          <p:txBody>
+            <a:bodyPr rtlCol="0" anchor="ctr"/>
+            <a:p>
+              <a:pPr algn="ctr"/>
+              <a:endParaRPr lang="zh-CN" altLang="en-US"/>
+            </a:p>
+          </p:txBody>
+        </p:sp>
+        <p:sp>
+          <p:nvSpPr>
+            <p:cNvPr id="69" name="文本框 68"/>
+            <p:cNvSpPr txBox="1"/>
+            <p:nvPr/>
+          </p:nvSpPr>
+          <p:spPr>
+            <a:xfrm>
+              <a:off x="13272" y="2779"/>
+              <a:ext cx="2582" cy="386"/>
+            </a:xfrm>
+            <a:prstGeom prst="rect">
+              <a:avLst/>
+            </a:prstGeom>
+            <a:noFill/>
+          </p:spPr>
+          <p:txBody>
+            <a:bodyPr wrap="square" rtlCol="0">
+              <a:spAutoFit/>
+            </a:bodyPr>
+            <a:p>
+              <a:pPr algn="ctr"/>
+              <a:r>
+                <a:rPr lang="en-US" altLang="zh-CN" sz="1000"/>
+                <a:t>git </a:t>
+              </a:r>
+              <a:r>
+                <a:rPr lang="en-US" sz="1000"/>
+                <a:t>pull  origin  </a:t>
+              </a:r>
+              <a:r>
+                <a:rPr lang="zh-CN" altLang="en-US" sz="1000"/>
+                <a:t>分支名</a:t>
+              </a:r>
+              <a:endParaRPr lang="zh-CN" altLang="en-US" sz="1000"/>
+            </a:p>
+          </p:txBody>
+        </p:sp>
+      </p:grpSp>
     </p:spTree>
   </p:cSld>
   <p:clrMapOvr>
@@ -5777,6 +7141,14 @@
 <file path=ppt/tags/tag2.xml><?xml version="1.0" encoding="utf-8"?>
 <p:tagLst xmlns:p="http://schemas.openxmlformats.org/presentationml/2006/main">
   <p:tag name="KSO_WM_UNIT_PLACING_PICTURE_USER_VIEWPORT" val="{&quot;height&quot;:6510,&quot;width&quot;:8205}"/>
+</p:tagLst>
+</file>
+
+<file path=ppt/tags/tag3.xml><?xml version="1.0" encoding="utf-8"?>
+<p:tagLst xmlns:p="http://schemas.openxmlformats.org/presentationml/2006/main">
+  <p:tag name="KSO_WM_UNIT_TABLE_BEAUTIFY" val="smartTable{4eee5ad8-0fde-41ff-9efa-2ad985262994}"/>
+  <p:tag name="TABLE_ENDDRAG_ORIGIN_RECT" val="919*498"/>
+  <p:tag name="TABLE_ENDDRAG_RECT" val="25*38*919*498"/>
 </p:tagLst>
 </file>
 

--- a/gitStudy/gitStudy.pptx
+++ b/gitStudy/gitStudy.pptx
@@ -7044,32 +7044,47 @@
             <p:ph type="ctrTitle"/>
           </p:nvPr>
         </p:nvSpPr>
-        <p:spPr/>
+        <p:spPr>
+          <a:xfrm>
+            <a:off x="1524000" y="1122680"/>
+            <a:ext cx="9144000" cy="640080"/>
+          </a:xfrm>
+        </p:spPr>
         <p:txBody>
           <a:bodyPr/>
           <a:p>
-            <a:endParaRPr lang="zh-CN" altLang="en-US"/>
-          </a:p>
-        </p:txBody>
-      </p:sp>
-      <p:sp>
-        <p:nvSpPr>
-          <p:cNvPr id="3" name="副标题 2"/>
-          <p:cNvSpPr>
-            <a:spLocks noGrp="1"/>
-          </p:cNvSpPr>
-          <p:nvPr>
-            <p:ph type="subTitle" idx="1"/>
-          </p:nvPr>
-        </p:nvSpPr>
-        <p:spPr/>
-        <p:txBody>
-          <a:bodyPr/>
-          <a:p>
-            <a:endParaRPr lang="zh-CN" altLang="en-US"/>
-          </a:p>
-        </p:txBody>
-      </p:sp>
+            <a:r>
+              <a:rPr lang="zh-CN" altLang="en-US" sz="2800"/>
+              <a:t>合并时解决冲突</a:t>
+            </a:r>
+            <a:endParaRPr lang="zh-CN" altLang="en-US" sz="2800"/>
+          </a:p>
+        </p:txBody>
+      </p:sp>
+      <p:pic>
+        <p:nvPicPr>
+          <p:cNvPr id="4" name="图片 3"/>
+          <p:cNvPicPr>
+            <a:picLocks noChangeAspect="1"/>
+          </p:cNvPicPr>
+          <p:nvPr/>
+        </p:nvPicPr>
+        <p:blipFill>
+          <a:blip r:embed="rId1"/>
+          <a:stretch>
+            <a:fillRect/>
+          </a:stretch>
+        </p:blipFill>
+        <p:spPr>
+          <a:xfrm>
+            <a:off x="2901315" y="1871980"/>
+            <a:ext cx="7599680" cy="4248785"/>
+          </a:xfrm>
+          <a:prstGeom prst="rect">
+            <a:avLst/>
+          </a:prstGeom>
+        </p:spPr>
+      </p:pic>
     </p:spTree>
   </p:cSld>
   <p:clrMapOvr>

--- a/gitStudy/gitStudy.pptx
+++ b/gitStudy/gitStudy.pptx
@@ -7113,29 +7113,2308 @@
             <p:ph type="ctrTitle"/>
           </p:nvPr>
         </p:nvSpPr>
-        <p:spPr/>
-        <p:txBody>
-          <a:bodyPr/>
-          <a:p>
-            <a:endParaRPr lang="zh-CN" altLang="en-US"/>
-          </a:p>
-        </p:txBody>
-      </p:sp>
-      <p:sp>
-        <p:nvSpPr>
-          <p:cNvPr id="3" name="副标题 2"/>
-          <p:cNvSpPr>
-            <a:spLocks noGrp="1"/>
-          </p:cNvSpPr>
-          <p:nvPr>
-            <p:ph type="subTitle" idx="1"/>
-          </p:nvPr>
-        </p:nvSpPr>
-        <p:spPr/>
-        <p:txBody>
-          <a:bodyPr/>
-          <a:p>
-            <a:endParaRPr lang="zh-CN" altLang="en-US"/>
+        <p:spPr>
+          <a:xfrm>
+            <a:off x="1614170" y="234315"/>
+            <a:ext cx="9144000" cy="494665"/>
+          </a:xfrm>
+        </p:spPr>
+        <p:txBody>
+          <a:bodyPr>
+            <a:normAutofit fontScale="90000"/>
+          </a:bodyPr>
+          <a:p>
+            <a:r>
+              <a:rPr lang="zh-CN" altLang="en-US" sz="2800"/>
+              <a:t>多人协同开发</a:t>
+            </a:r>
+            <a:r>
+              <a:rPr lang="en-US" altLang="zh-CN" sz="2800"/>
+              <a:t>gitflow</a:t>
+            </a:r>
+            <a:r>
+              <a:rPr lang="zh-CN" altLang="en-US" sz="2800"/>
+              <a:t>工作流</a:t>
+            </a:r>
+            <a:endParaRPr lang="zh-CN" altLang="en-US" sz="2800"/>
+          </a:p>
+        </p:txBody>
+      </p:sp>
+      <p:sp>
+        <p:nvSpPr>
+          <p:cNvPr id="4" name="文本框 3"/>
+          <p:cNvSpPr txBox="1"/>
+          <p:nvPr/>
+        </p:nvSpPr>
+        <p:spPr>
+          <a:xfrm>
+            <a:off x="859790" y="1151255"/>
+            <a:ext cx="958215" cy="5354320"/>
+          </a:xfrm>
+          <a:prstGeom prst="rect">
+            <a:avLst/>
+          </a:prstGeom>
+          <a:noFill/>
+        </p:spPr>
+        <p:txBody>
+          <a:bodyPr wrap="square" rtlCol="0">
+            <a:spAutoFit/>
+          </a:bodyPr>
+          <a:p>
+            <a:r>
+              <a:rPr lang="zh-CN" altLang="en-US"/>
+              <a:t>分支</a:t>
+            </a:r>
+            <a:endParaRPr lang="en-US" altLang="zh-CN"/>
+          </a:p>
+          <a:p>
+            <a:r>
+              <a:rPr lang="en-US" altLang="zh-CN">
+                <a:sym typeface="+mn-ea"/>
+              </a:rPr>
+              <a:t>master</a:t>
+            </a:r>
+            <a:endParaRPr lang="en-US" altLang="zh-CN"/>
+          </a:p>
+          <a:p>
+            <a:endParaRPr lang="en-US" altLang="zh-CN"/>
+          </a:p>
+          <a:p>
+            <a:endParaRPr lang="en-US" altLang="zh-CN"/>
+          </a:p>
+          <a:p>
+            <a:r>
+              <a:rPr lang="en-US" altLang="zh-CN"/>
+              <a:t>release</a:t>
+            </a:r>
+            <a:endParaRPr lang="en-US" altLang="zh-CN"/>
+          </a:p>
+          <a:p>
+            <a:endParaRPr lang="en-US" altLang="zh-CN"/>
+          </a:p>
+          <a:p>
+            <a:endParaRPr lang="en-US" altLang="zh-CN"/>
+          </a:p>
+          <a:p>
+            <a:r>
+              <a:rPr lang="en-US" altLang="zh-CN"/>
+              <a:t>dev</a:t>
+            </a:r>
+            <a:endParaRPr lang="en-US" altLang="zh-CN"/>
+          </a:p>
+          <a:p>
+            <a:endParaRPr lang="en-US" altLang="zh-CN"/>
+          </a:p>
+          <a:p>
+            <a:endParaRPr lang="en-US" altLang="zh-CN"/>
+          </a:p>
+          <a:p>
+            <a:endParaRPr lang="en-US" altLang="zh-CN"/>
+          </a:p>
+          <a:p>
+            <a:endParaRPr lang="en-US" altLang="zh-CN"/>
+          </a:p>
+          <a:p>
+            <a:r>
+              <a:rPr lang="en-US" altLang="zh-CN"/>
+              <a:t>A</a:t>
+            </a:r>
+            <a:endParaRPr lang="en-US" altLang="zh-CN"/>
+          </a:p>
+          <a:p>
+            <a:endParaRPr lang="en-US" altLang="zh-CN"/>
+          </a:p>
+          <a:p>
+            <a:endParaRPr lang="en-US" altLang="zh-CN"/>
+          </a:p>
+          <a:p>
+            <a:endParaRPr lang="en-US" altLang="zh-CN"/>
+          </a:p>
+          <a:p>
+            <a:endParaRPr lang="en-US" altLang="zh-CN"/>
+          </a:p>
+          <a:p>
+            <a:r>
+              <a:rPr lang="en-US" altLang="zh-CN"/>
+              <a:t>B</a:t>
+            </a:r>
+            <a:endParaRPr lang="en-US" altLang="zh-CN"/>
+          </a:p>
+          <a:p>
+            <a:endParaRPr lang="en-US" altLang="zh-CN"/>
+          </a:p>
+        </p:txBody>
+      </p:sp>
+      <p:sp>
+        <p:nvSpPr>
+          <p:cNvPr id="19" name="左箭头 18"/>
+          <p:cNvSpPr/>
+          <p:nvPr/>
+        </p:nvSpPr>
+        <p:spPr>
+          <a:xfrm rot="3600000" flipV="1">
+            <a:off x="2062480" y="2367915"/>
+            <a:ext cx="1035050" cy="76200"/>
+          </a:xfrm>
+          <a:prstGeom prst="leftArrow">
+            <a:avLst/>
+          </a:prstGeom>
+        </p:spPr>
+        <p:style>
+          <a:lnRef idx="2">
+            <a:schemeClr val="accent1">
+              <a:shade val="50000"/>
+            </a:schemeClr>
+          </a:lnRef>
+          <a:fillRef idx="1">
+            <a:schemeClr val="accent1"/>
+          </a:fillRef>
+          <a:effectRef idx="0">
+            <a:schemeClr val="accent1"/>
+          </a:effectRef>
+          <a:fontRef idx="minor">
+            <a:schemeClr val="lt1"/>
+          </a:fontRef>
+        </p:style>
+        <p:txBody>
+          <a:bodyPr rtlCol="0" anchor="ctr"/>
+          <a:p>
+            <a:pPr algn="ctr"/>
+            <a:endParaRPr lang="zh-CN" altLang="en-US"/>
+          </a:p>
+        </p:txBody>
+      </p:sp>
+      <p:sp>
+        <p:nvSpPr>
+          <p:cNvPr id="33" name="左箭头 32"/>
+          <p:cNvSpPr/>
+          <p:nvPr/>
+        </p:nvSpPr>
+        <p:spPr>
+          <a:xfrm rot="3000000">
+            <a:off x="2985135" y="3801745"/>
+            <a:ext cx="1042035" cy="178435"/>
+          </a:xfrm>
+          <a:prstGeom prst="leftArrow">
+            <a:avLst/>
+          </a:prstGeom>
+        </p:spPr>
+        <p:style>
+          <a:lnRef idx="2">
+            <a:schemeClr val="accent1">
+              <a:shade val="50000"/>
+            </a:schemeClr>
+          </a:lnRef>
+          <a:fillRef idx="1">
+            <a:schemeClr val="accent1"/>
+          </a:fillRef>
+          <a:effectRef idx="0">
+            <a:schemeClr val="accent1"/>
+          </a:effectRef>
+          <a:fontRef idx="minor">
+            <a:schemeClr val="lt1"/>
+          </a:fontRef>
+        </p:style>
+        <p:txBody>
+          <a:bodyPr rtlCol="0" anchor="ctr"/>
+          <a:p>
+            <a:pPr algn="ctr"/>
+            <a:endParaRPr lang="zh-CN" altLang="en-US"/>
+          </a:p>
+        </p:txBody>
+      </p:sp>
+      <p:sp>
+        <p:nvSpPr>
+          <p:cNvPr id="52" name="左箭头 51"/>
+          <p:cNvSpPr/>
+          <p:nvPr/>
+        </p:nvSpPr>
+        <p:spPr>
+          <a:xfrm>
+            <a:off x="1653540" y="3209290"/>
+            <a:ext cx="770890" cy="76200"/>
+          </a:xfrm>
+          <a:prstGeom prst="leftArrow">
+            <a:avLst/>
+          </a:prstGeom>
+        </p:spPr>
+        <p:style>
+          <a:lnRef idx="2">
+            <a:schemeClr val="accent1">
+              <a:shade val="50000"/>
+            </a:schemeClr>
+          </a:lnRef>
+          <a:fillRef idx="1">
+            <a:schemeClr val="accent1"/>
+          </a:fillRef>
+          <a:effectRef idx="0">
+            <a:schemeClr val="accent1"/>
+          </a:effectRef>
+          <a:fontRef idx="minor">
+            <a:schemeClr val="lt1"/>
+          </a:fontRef>
+        </p:style>
+        <p:txBody>
+          <a:bodyPr rtlCol="0" anchor="ctr"/>
+          <a:p>
+            <a:pPr algn="ctr"/>
+            <a:endParaRPr lang="zh-CN" altLang="en-US"/>
+          </a:p>
+        </p:txBody>
+      </p:sp>
+      <p:sp>
+        <p:nvSpPr>
+          <p:cNvPr id="54" name="左箭头 53"/>
+          <p:cNvSpPr/>
+          <p:nvPr/>
+        </p:nvSpPr>
+        <p:spPr>
+          <a:xfrm rot="10800000">
+            <a:off x="1653540" y="1622425"/>
+            <a:ext cx="421640" cy="75565"/>
+          </a:xfrm>
+          <a:prstGeom prst="leftArrow">
+            <a:avLst/>
+          </a:prstGeom>
+        </p:spPr>
+        <p:style>
+          <a:lnRef idx="2">
+            <a:schemeClr val="accent1">
+              <a:shade val="50000"/>
+            </a:schemeClr>
+          </a:lnRef>
+          <a:fillRef idx="1">
+            <a:schemeClr val="accent1"/>
+          </a:fillRef>
+          <a:effectRef idx="0">
+            <a:schemeClr val="accent1"/>
+          </a:effectRef>
+          <a:fontRef idx="minor">
+            <a:schemeClr val="lt1"/>
+          </a:fontRef>
+        </p:style>
+        <p:txBody>
+          <a:bodyPr rtlCol="0" anchor="ctr"/>
+          <a:p>
+            <a:pPr algn="ctr"/>
+            <a:endParaRPr lang="zh-CN" altLang="en-US"/>
+          </a:p>
+        </p:txBody>
+      </p:sp>
+      <p:sp>
+        <p:nvSpPr>
+          <p:cNvPr id="55" name="圆角矩形 54"/>
+          <p:cNvSpPr/>
+          <p:nvPr/>
+        </p:nvSpPr>
+        <p:spPr>
+          <a:xfrm>
+            <a:off x="2075180" y="1383030"/>
+            <a:ext cx="536575" cy="555625"/>
+          </a:xfrm>
+          <a:prstGeom prst="roundRect">
+            <a:avLst/>
+          </a:prstGeom>
+        </p:spPr>
+        <p:style>
+          <a:lnRef idx="2">
+            <a:schemeClr val="accent1">
+              <a:shade val="50000"/>
+            </a:schemeClr>
+          </a:lnRef>
+          <a:fillRef idx="1">
+            <a:schemeClr val="accent1"/>
+          </a:fillRef>
+          <a:effectRef idx="0">
+            <a:schemeClr val="accent1"/>
+          </a:effectRef>
+          <a:fontRef idx="minor">
+            <a:schemeClr val="lt1"/>
+          </a:fontRef>
+        </p:style>
+        <p:txBody>
+          <a:bodyPr rtlCol="0" anchor="ctr"/>
+          <a:p>
+            <a:pPr algn="ctr"/>
+            <a:endParaRPr lang="zh-CN" altLang="en-US"/>
+          </a:p>
+        </p:txBody>
+      </p:sp>
+      <p:sp>
+        <p:nvSpPr>
+          <p:cNvPr id="56" name="圆角矩形 55"/>
+          <p:cNvSpPr/>
+          <p:nvPr/>
+        </p:nvSpPr>
+        <p:spPr>
+          <a:xfrm>
+            <a:off x="4784725" y="4385310"/>
+            <a:ext cx="536575" cy="555625"/>
+          </a:xfrm>
+          <a:prstGeom prst="roundRect">
+            <a:avLst/>
+          </a:prstGeom>
+        </p:spPr>
+        <p:style>
+          <a:lnRef idx="2">
+            <a:schemeClr val="accent1">
+              <a:shade val="50000"/>
+            </a:schemeClr>
+          </a:lnRef>
+          <a:fillRef idx="1">
+            <a:schemeClr val="accent1"/>
+          </a:fillRef>
+          <a:effectRef idx="0">
+            <a:schemeClr val="accent1"/>
+          </a:effectRef>
+          <a:fontRef idx="minor">
+            <a:schemeClr val="lt1"/>
+          </a:fontRef>
+        </p:style>
+        <p:txBody>
+          <a:bodyPr rtlCol="0" anchor="ctr"/>
+          <a:p>
+            <a:pPr algn="ctr"/>
+            <a:endParaRPr lang="zh-CN" altLang="en-US"/>
+          </a:p>
+        </p:txBody>
+      </p:sp>
+      <p:sp>
+        <p:nvSpPr>
+          <p:cNvPr id="57" name="文本框 56"/>
+          <p:cNvSpPr txBox="1"/>
+          <p:nvPr/>
+        </p:nvSpPr>
+        <p:spPr>
+          <a:xfrm>
+            <a:off x="2075180" y="1476375"/>
+            <a:ext cx="479425" cy="368300"/>
+          </a:xfrm>
+          <a:prstGeom prst="rect">
+            <a:avLst/>
+          </a:prstGeom>
+          <a:noFill/>
+        </p:spPr>
+        <p:txBody>
+          <a:bodyPr wrap="square" rtlCol="0">
+            <a:spAutoFit/>
+          </a:bodyPr>
+          <a:p>
+            <a:r>
+              <a:rPr lang="en-US" altLang="zh-CN"/>
+              <a:t>V1</a:t>
+            </a:r>
+            <a:endParaRPr lang="en-US" altLang="zh-CN"/>
+          </a:p>
+        </p:txBody>
+      </p:sp>
+      <p:sp>
+        <p:nvSpPr>
+          <p:cNvPr id="58" name="文本框 57"/>
+          <p:cNvSpPr txBox="1"/>
+          <p:nvPr/>
+        </p:nvSpPr>
+        <p:spPr>
+          <a:xfrm>
+            <a:off x="4201160" y="7947660"/>
+            <a:ext cx="479425" cy="368300"/>
+          </a:xfrm>
+          <a:prstGeom prst="rect">
+            <a:avLst/>
+          </a:prstGeom>
+          <a:noFill/>
+        </p:spPr>
+        <p:txBody>
+          <a:bodyPr wrap="square" rtlCol="0">
+            <a:spAutoFit/>
+          </a:bodyPr>
+          <a:p>
+            <a:r>
+              <a:rPr lang="en-US" altLang="zh-CN"/>
+              <a:t>V1</a:t>
+            </a:r>
+            <a:endParaRPr lang="en-US" altLang="zh-CN"/>
+          </a:p>
+        </p:txBody>
+      </p:sp>
+      <p:sp>
+        <p:nvSpPr>
+          <p:cNvPr id="59" name="圆角矩形 58"/>
+          <p:cNvSpPr/>
+          <p:nvPr/>
+        </p:nvSpPr>
+        <p:spPr>
+          <a:xfrm>
+            <a:off x="2611755" y="2969895"/>
+            <a:ext cx="536575" cy="555625"/>
+          </a:xfrm>
+          <a:prstGeom prst="roundRect">
+            <a:avLst/>
+          </a:prstGeom>
+        </p:spPr>
+        <p:style>
+          <a:lnRef idx="2">
+            <a:schemeClr val="accent1">
+              <a:shade val="50000"/>
+            </a:schemeClr>
+          </a:lnRef>
+          <a:fillRef idx="1">
+            <a:schemeClr val="accent1"/>
+          </a:fillRef>
+          <a:effectRef idx="0">
+            <a:schemeClr val="accent1"/>
+          </a:effectRef>
+          <a:fontRef idx="minor">
+            <a:schemeClr val="lt1"/>
+          </a:fontRef>
+        </p:style>
+        <p:txBody>
+          <a:bodyPr rtlCol="0" anchor="ctr"/>
+          <a:p>
+            <a:pPr algn="ctr"/>
+            <a:endParaRPr lang="zh-CN" altLang="en-US"/>
+          </a:p>
+        </p:txBody>
+      </p:sp>
+      <p:sp>
+        <p:nvSpPr>
+          <p:cNvPr id="60" name="圆角矩形 59"/>
+          <p:cNvSpPr/>
+          <p:nvPr/>
+        </p:nvSpPr>
+        <p:spPr>
+          <a:xfrm>
+            <a:off x="3453130" y="5673090"/>
+            <a:ext cx="536575" cy="555625"/>
+          </a:xfrm>
+          <a:prstGeom prst="roundRect">
+            <a:avLst/>
+          </a:prstGeom>
+        </p:spPr>
+        <p:style>
+          <a:lnRef idx="2">
+            <a:schemeClr val="accent1">
+              <a:shade val="50000"/>
+            </a:schemeClr>
+          </a:lnRef>
+          <a:fillRef idx="1">
+            <a:schemeClr val="accent1"/>
+          </a:fillRef>
+          <a:effectRef idx="0">
+            <a:schemeClr val="accent1"/>
+          </a:effectRef>
+          <a:fontRef idx="minor">
+            <a:schemeClr val="lt1"/>
+          </a:fontRef>
+        </p:style>
+        <p:txBody>
+          <a:bodyPr rtlCol="0" anchor="ctr"/>
+          <a:p>
+            <a:pPr algn="ctr"/>
+            <a:endParaRPr lang="zh-CN" altLang="en-US"/>
+          </a:p>
+        </p:txBody>
+      </p:sp>
+      <p:sp>
+        <p:nvSpPr>
+          <p:cNvPr id="61" name="圆角矩形 60"/>
+          <p:cNvSpPr/>
+          <p:nvPr/>
+        </p:nvSpPr>
+        <p:spPr>
+          <a:xfrm>
+            <a:off x="3664585" y="4385310"/>
+            <a:ext cx="536575" cy="555625"/>
+          </a:xfrm>
+          <a:prstGeom prst="roundRect">
+            <a:avLst/>
+          </a:prstGeom>
+        </p:spPr>
+        <p:style>
+          <a:lnRef idx="2">
+            <a:schemeClr val="accent1">
+              <a:shade val="50000"/>
+            </a:schemeClr>
+          </a:lnRef>
+          <a:fillRef idx="1">
+            <a:schemeClr val="accent1"/>
+          </a:fillRef>
+          <a:effectRef idx="0">
+            <a:schemeClr val="accent1"/>
+          </a:effectRef>
+          <a:fontRef idx="minor">
+            <a:schemeClr val="lt1"/>
+          </a:fontRef>
+        </p:style>
+        <p:txBody>
+          <a:bodyPr rtlCol="0" anchor="ctr"/>
+          <a:p>
+            <a:pPr algn="ctr"/>
+            <a:endParaRPr lang="zh-CN" altLang="en-US"/>
+          </a:p>
+        </p:txBody>
+      </p:sp>
+      <p:sp>
+        <p:nvSpPr>
+          <p:cNvPr id="62" name="左箭头 61"/>
+          <p:cNvSpPr/>
+          <p:nvPr/>
+        </p:nvSpPr>
+        <p:spPr>
+          <a:xfrm>
+            <a:off x="4258945" y="4625340"/>
+            <a:ext cx="421640" cy="75565"/>
+          </a:xfrm>
+          <a:prstGeom prst="leftArrow">
+            <a:avLst/>
+          </a:prstGeom>
+        </p:spPr>
+        <p:style>
+          <a:lnRef idx="2">
+            <a:schemeClr val="accent1">
+              <a:shade val="50000"/>
+            </a:schemeClr>
+          </a:lnRef>
+          <a:fillRef idx="1">
+            <a:schemeClr val="accent1"/>
+          </a:fillRef>
+          <a:effectRef idx="0">
+            <a:schemeClr val="accent1"/>
+          </a:effectRef>
+          <a:fontRef idx="minor">
+            <a:schemeClr val="lt1"/>
+          </a:fontRef>
+        </p:style>
+        <p:txBody>
+          <a:bodyPr rtlCol="0" anchor="ctr"/>
+          <a:p>
+            <a:pPr algn="ctr"/>
+            <a:endParaRPr lang="zh-CN" altLang="en-US"/>
+          </a:p>
+        </p:txBody>
+      </p:sp>
+      <p:sp>
+        <p:nvSpPr>
+          <p:cNvPr id="63" name="左箭头 62"/>
+          <p:cNvSpPr/>
+          <p:nvPr/>
+        </p:nvSpPr>
+        <p:spPr>
+          <a:xfrm rot="4080000">
+            <a:off x="2136140" y="4478655"/>
+            <a:ext cx="2110105" cy="167640"/>
+          </a:xfrm>
+          <a:prstGeom prst="leftArrow">
+            <a:avLst/>
+          </a:prstGeom>
+        </p:spPr>
+        <p:style>
+          <a:lnRef idx="2">
+            <a:schemeClr val="accent1">
+              <a:shade val="50000"/>
+            </a:schemeClr>
+          </a:lnRef>
+          <a:fillRef idx="1">
+            <a:schemeClr val="accent1"/>
+          </a:fillRef>
+          <a:effectRef idx="0">
+            <a:schemeClr val="accent1"/>
+          </a:effectRef>
+          <a:fontRef idx="minor">
+            <a:schemeClr val="lt1"/>
+          </a:fontRef>
+        </p:style>
+        <p:txBody>
+          <a:bodyPr rtlCol="0" anchor="ctr"/>
+          <a:p>
+            <a:pPr algn="ctr"/>
+            <a:endParaRPr lang="zh-CN" altLang="en-US"/>
+          </a:p>
+        </p:txBody>
+      </p:sp>
+      <p:sp>
+        <p:nvSpPr>
+          <p:cNvPr id="64" name="左箭头 63"/>
+          <p:cNvSpPr/>
+          <p:nvPr/>
+        </p:nvSpPr>
+        <p:spPr>
+          <a:xfrm rot="2700000">
+            <a:off x="8467725" y="2805430"/>
+            <a:ext cx="254000" cy="131445"/>
+          </a:xfrm>
+          <a:prstGeom prst="leftArrow">
+            <a:avLst/>
+          </a:prstGeom>
+        </p:spPr>
+        <p:style>
+          <a:lnRef idx="2">
+            <a:schemeClr val="accent1">
+              <a:shade val="50000"/>
+            </a:schemeClr>
+          </a:lnRef>
+          <a:fillRef idx="1">
+            <a:schemeClr val="accent1"/>
+          </a:fillRef>
+          <a:effectRef idx="0">
+            <a:schemeClr val="accent1"/>
+          </a:effectRef>
+          <a:fontRef idx="minor">
+            <a:schemeClr val="lt1"/>
+          </a:fontRef>
+        </p:style>
+        <p:txBody>
+          <a:bodyPr rtlCol="0" anchor="ctr"/>
+          <a:p>
+            <a:pPr algn="ctr"/>
+            <a:endParaRPr lang="zh-CN" altLang="en-US"/>
+          </a:p>
+        </p:txBody>
+      </p:sp>
+      <p:sp>
+        <p:nvSpPr>
+          <p:cNvPr id="65" name="圆角矩形 64"/>
+          <p:cNvSpPr/>
+          <p:nvPr/>
+        </p:nvSpPr>
+        <p:spPr>
+          <a:xfrm>
+            <a:off x="7388860" y="2127885"/>
+            <a:ext cx="536575" cy="555625"/>
+          </a:xfrm>
+          <a:prstGeom prst="roundRect">
+            <a:avLst/>
+          </a:prstGeom>
+        </p:spPr>
+        <p:style>
+          <a:lnRef idx="2">
+            <a:schemeClr val="accent1">
+              <a:shade val="50000"/>
+            </a:schemeClr>
+          </a:lnRef>
+          <a:fillRef idx="1">
+            <a:schemeClr val="accent1"/>
+          </a:fillRef>
+          <a:effectRef idx="0">
+            <a:schemeClr val="accent1"/>
+          </a:effectRef>
+          <a:fontRef idx="minor">
+            <a:schemeClr val="lt1"/>
+          </a:fontRef>
+        </p:style>
+        <p:txBody>
+          <a:bodyPr rtlCol="0" anchor="ctr"/>
+          <a:p>
+            <a:pPr algn="ctr"/>
+            <a:endParaRPr lang="zh-CN" altLang="en-US"/>
+          </a:p>
+        </p:txBody>
+      </p:sp>
+      <p:sp>
+        <p:nvSpPr>
+          <p:cNvPr id="66" name="圆角矩形 65"/>
+          <p:cNvSpPr/>
+          <p:nvPr/>
+        </p:nvSpPr>
+        <p:spPr>
+          <a:xfrm>
+            <a:off x="5827395" y="4347845"/>
+            <a:ext cx="536575" cy="555625"/>
+          </a:xfrm>
+          <a:prstGeom prst="roundRect">
+            <a:avLst/>
+          </a:prstGeom>
+        </p:spPr>
+        <p:style>
+          <a:lnRef idx="2">
+            <a:schemeClr val="accent1">
+              <a:shade val="50000"/>
+            </a:schemeClr>
+          </a:lnRef>
+          <a:fillRef idx="1">
+            <a:schemeClr val="accent1"/>
+          </a:fillRef>
+          <a:effectRef idx="0">
+            <a:schemeClr val="accent1"/>
+          </a:effectRef>
+          <a:fontRef idx="minor">
+            <a:schemeClr val="lt1"/>
+          </a:fontRef>
+        </p:style>
+        <p:txBody>
+          <a:bodyPr rtlCol="0" anchor="ctr"/>
+          <a:p>
+            <a:pPr algn="ctr"/>
+            <a:endParaRPr lang="zh-CN" altLang="en-US"/>
+          </a:p>
+        </p:txBody>
+      </p:sp>
+      <p:sp>
+        <p:nvSpPr>
+          <p:cNvPr id="67" name="圆角矩形 66"/>
+          <p:cNvSpPr/>
+          <p:nvPr/>
+        </p:nvSpPr>
+        <p:spPr>
+          <a:xfrm>
+            <a:off x="6713855" y="2969260"/>
+            <a:ext cx="536575" cy="555625"/>
+          </a:xfrm>
+          <a:prstGeom prst="roundRect">
+            <a:avLst/>
+          </a:prstGeom>
+        </p:spPr>
+        <p:style>
+          <a:lnRef idx="2">
+            <a:schemeClr val="accent1">
+              <a:shade val="50000"/>
+            </a:schemeClr>
+          </a:lnRef>
+          <a:fillRef idx="1">
+            <a:schemeClr val="accent1"/>
+          </a:fillRef>
+          <a:effectRef idx="0">
+            <a:schemeClr val="accent1"/>
+          </a:effectRef>
+          <a:fontRef idx="minor">
+            <a:schemeClr val="lt1"/>
+          </a:fontRef>
+        </p:style>
+        <p:txBody>
+          <a:bodyPr rtlCol="0" anchor="ctr"/>
+          <a:p>
+            <a:pPr algn="ctr"/>
+            <a:endParaRPr lang="zh-CN" altLang="en-US"/>
+          </a:p>
+        </p:txBody>
+      </p:sp>
+      <p:sp>
+        <p:nvSpPr>
+          <p:cNvPr id="68" name="圆角矩形 67"/>
+          <p:cNvSpPr/>
+          <p:nvPr/>
+        </p:nvSpPr>
+        <p:spPr>
+          <a:xfrm>
+            <a:off x="5682615" y="5673090"/>
+            <a:ext cx="536575" cy="555625"/>
+          </a:xfrm>
+          <a:prstGeom prst="roundRect">
+            <a:avLst/>
+          </a:prstGeom>
+        </p:spPr>
+        <p:style>
+          <a:lnRef idx="2">
+            <a:schemeClr val="accent1">
+              <a:shade val="50000"/>
+            </a:schemeClr>
+          </a:lnRef>
+          <a:fillRef idx="1">
+            <a:schemeClr val="accent1"/>
+          </a:fillRef>
+          <a:effectRef idx="0">
+            <a:schemeClr val="accent1"/>
+          </a:effectRef>
+          <a:fontRef idx="minor">
+            <a:schemeClr val="lt1"/>
+          </a:fontRef>
+        </p:style>
+        <p:txBody>
+          <a:bodyPr rtlCol="0" anchor="ctr"/>
+          <a:p>
+            <a:pPr algn="ctr"/>
+            <a:endParaRPr lang="zh-CN" altLang="en-US"/>
+          </a:p>
+        </p:txBody>
+      </p:sp>
+      <p:sp>
+        <p:nvSpPr>
+          <p:cNvPr id="69" name="圆角矩形 68"/>
+          <p:cNvSpPr/>
+          <p:nvPr/>
+        </p:nvSpPr>
+        <p:spPr>
+          <a:xfrm>
+            <a:off x="4623435" y="5673725"/>
+            <a:ext cx="536575" cy="555625"/>
+          </a:xfrm>
+          <a:prstGeom prst="roundRect">
+            <a:avLst/>
+          </a:prstGeom>
+        </p:spPr>
+        <p:style>
+          <a:lnRef idx="2">
+            <a:schemeClr val="accent1">
+              <a:shade val="50000"/>
+            </a:schemeClr>
+          </a:lnRef>
+          <a:fillRef idx="1">
+            <a:schemeClr val="accent1"/>
+          </a:fillRef>
+          <a:effectRef idx="0">
+            <a:schemeClr val="accent1"/>
+          </a:effectRef>
+          <a:fontRef idx="minor">
+            <a:schemeClr val="lt1"/>
+          </a:fontRef>
+        </p:style>
+        <p:txBody>
+          <a:bodyPr rtlCol="0" anchor="ctr"/>
+          <a:p>
+            <a:pPr algn="ctr"/>
+            <a:endParaRPr lang="zh-CN" altLang="en-US"/>
+          </a:p>
+        </p:txBody>
+      </p:sp>
+      <p:sp>
+        <p:nvSpPr>
+          <p:cNvPr id="70" name="左箭头 69"/>
+          <p:cNvSpPr/>
+          <p:nvPr/>
+        </p:nvSpPr>
+        <p:spPr>
+          <a:xfrm>
+            <a:off x="3239770" y="3209290"/>
+            <a:ext cx="3474085" cy="76200"/>
+          </a:xfrm>
+          <a:prstGeom prst="leftArrow">
+            <a:avLst/>
+          </a:prstGeom>
+        </p:spPr>
+        <p:style>
+          <a:lnRef idx="2">
+            <a:schemeClr val="accent1">
+              <a:shade val="50000"/>
+            </a:schemeClr>
+          </a:lnRef>
+          <a:fillRef idx="1">
+            <a:schemeClr val="accent1"/>
+          </a:fillRef>
+          <a:effectRef idx="0">
+            <a:schemeClr val="accent1"/>
+          </a:effectRef>
+          <a:fontRef idx="minor">
+            <a:schemeClr val="lt1"/>
+          </a:fontRef>
+        </p:style>
+        <p:txBody>
+          <a:bodyPr rtlCol="0" anchor="ctr"/>
+          <a:p>
+            <a:pPr algn="ctr"/>
+            <a:endParaRPr lang="zh-CN" altLang="en-US"/>
+          </a:p>
+        </p:txBody>
+      </p:sp>
+      <p:sp>
+        <p:nvSpPr>
+          <p:cNvPr id="71" name="左箭头 70"/>
+          <p:cNvSpPr/>
+          <p:nvPr/>
+        </p:nvSpPr>
+        <p:spPr>
+          <a:xfrm>
+            <a:off x="5321300" y="4639310"/>
+            <a:ext cx="421640" cy="75565"/>
+          </a:xfrm>
+          <a:prstGeom prst="leftArrow">
+            <a:avLst/>
+          </a:prstGeom>
+        </p:spPr>
+        <p:style>
+          <a:lnRef idx="2">
+            <a:schemeClr val="accent1">
+              <a:shade val="50000"/>
+            </a:schemeClr>
+          </a:lnRef>
+          <a:fillRef idx="1">
+            <a:schemeClr val="accent1"/>
+          </a:fillRef>
+          <a:effectRef idx="0">
+            <a:schemeClr val="accent1"/>
+          </a:effectRef>
+          <a:fontRef idx="minor">
+            <a:schemeClr val="lt1"/>
+          </a:fontRef>
+        </p:style>
+        <p:txBody>
+          <a:bodyPr rtlCol="0" anchor="ctr"/>
+          <a:p>
+            <a:pPr algn="ctr"/>
+            <a:endParaRPr lang="zh-CN" altLang="en-US"/>
+          </a:p>
+        </p:txBody>
+      </p:sp>
+      <p:sp>
+        <p:nvSpPr>
+          <p:cNvPr id="72" name="左箭头 71"/>
+          <p:cNvSpPr/>
+          <p:nvPr/>
+        </p:nvSpPr>
+        <p:spPr>
+          <a:xfrm>
+            <a:off x="5231765" y="5913120"/>
+            <a:ext cx="421640" cy="75565"/>
+          </a:xfrm>
+          <a:prstGeom prst="leftArrow">
+            <a:avLst/>
+          </a:prstGeom>
+        </p:spPr>
+        <p:style>
+          <a:lnRef idx="2">
+            <a:schemeClr val="accent1">
+              <a:shade val="50000"/>
+            </a:schemeClr>
+          </a:lnRef>
+          <a:fillRef idx="1">
+            <a:schemeClr val="accent1"/>
+          </a:fillRef>
+          <a:effectRef idx="0">
+            <a:schemeClr val="accent1"/>
+          </a:effectRef>
+          <a:fontRef idx="minor">
+            <a:schemeClr val="lt1"/>
+          </a:fontRef>
+        </p:style>
+        <p:txBody>
+          <a:bodyPr rtlCol="0" anchor="ctr"/>
+          <a:p>
+            <a:pPr algn="ctr"/>
+            <a:endParaRPr lang="zh-CN" altLang="en-US"/>
+          </a:p>
+        </p:txBody>
+      </p:sp>
+      <p:sp>
+        <p:nvSpPr>
+          <p:cNvPr id="73" name="左箭头 72"/>
+          <p:cNvSpPr/>
+          <p:nvPr/>
+        </p:nvSpPr>
+        <p:spPr>
+          <a:xfrm>
+            <a:off x="4091305" y="5913120"/>
+            <a:ext cx="421640" cy="76200"/>
+          </a:xfrm>
+          <a:prstGeom prst="leftArrow">
+            <a:avLst/>
+          </a:prstGeom>
+        </p:spPr>
+        <p:style>
+          <a:lnRef idx="2">
+            <a:schemeClr val="accent1">
+              <a:shade val="50000"/>
+            </a:schemeClr>
+          </a:lnRef>
+          <a:fillRef idx="1">
+            <a:schemeClr val="accent1"/>
+          </a:fillRef>
+          <a:effectRef idx="0">
+            <a:schemeClr val="accent1"/>
+          </a:effectRef>
+          <a:fontRef idx="minor">
+            <a:schemeClr val="lt1"/>
+          </a:fontRef>
+        </p:style>
+        <p:txBody>
+          <a:bodyPr rtlCol="0" anchor="ctr"/>
+          <a:p>
+            <a:pPr algn="ctr"/>
+            <a:endParaRPr lang="zh-CN" altLang="en-US"/>
+          </a:p>
+        </p:txBody>
+      </p:sp>
+      <p:sp>
+        <p:nvSpPr>
+          <p:cNvPr id="74" name="左箭头 73"/>
+          <p:cNvSpPr/>
+          <p:nvPr/>
+        </p:nvSpPr>
+        <p:spPr>
+          <a:xfrm>
+            <a:off x="2669540" y="1603375"/>
+            <a:ext cx="5694045" cy="94615"/>
+          </a:xfrm>
+          <a:prstGeom prst="leftArrow">
+            <a:avLst/>
+          </a:prstGeom>
+        </p:spPr>
+        <p:style>
+          <a:lnRef idx="2">
+            <a:schemeClr val="accent1">
+              <a:shade val="50000"/>
+            </a:schemeClr>
+          </a:lnRef>
+          <a:fillRef idx="1">
+            <a:schemeClr val="accent1"/>
+          </a:fillRef>
+          <a:effectRef idx="0">
+            <a:schemeClr val="accent1"/>
+          </a:effectRef>
+          <a:fontRef idx="minor">
+            <a:schemeClr val="lt1"/>
+          </a:fontRef>
+        </p:style>
+        <p:txBody>
+          <a:bodyPr rtlCol="0" anchor="ctr"/>
+          <a:p>
+            <a:pPr algn="ctr"/>
+            <a:endParaRPr lang="zh-CN" altLang="en-US"/>
+          </a:p>
+        </p:txBody>
+      </p:sp>
+      <p:sp>
+        <p:nvSpPr>
+          <p:cNvPr id="75" name="左箭头 74"/>
+          <p:cNvSpPr/>
+          <p:nvPr/>
+        </p:nvSpPr>
+        <p:spPr>
+          <a:xfrm>
+            <a:off x="7925435" y="2306955"/>
+            <a:ext cx="224790" cy="113665"/>
+          </a:xfrm>
+          <a:prstGeom prst="leftArrow">
+            <a:avLst/>
+          </a:prstGeom>
+        </p:spPr>
+        <p:style>
+          <a:lnRef idx="2">
+            <a:schemeClr val="accent1">
+              <a:shade val="50000"/>
+            </a:schemeClr>
+          </a:lnRef>
+          <a:fillRef idx="1">
+            <a:schemeClr val="accent1"/>
+          </a:fillRef>
+          <a:effectRef idx="0">
+            <a:schemeClr val="accent1"/>
+          </a:effectRef>
+          <a:fontRef idx="minor">
+            <a:schemeClr val="lt1"/>
+          </a:fontRef>
+        </p:style>
+        <p:txBody>
+          <a:bodyPr rtlCol="0" anchor="ctr"/>
+          <a:p>
+            <a:pPr algn="ctr"/>
+            <a:endParaRPr lang="zh-CN" altLang="en-US"/>
+          </a:p>
+        </p:txBody>
+      </p:sp>
+      <p:sp>
+        <p:nvSpPr>
+          <p:cNvPr id="76" name="左箭头 75"/>
+          <p:cNvSpPr/>
+          <p:nvPr/>
+        </p:nvSpPr>
+        <p:spPr>
+          <a:xfrm rot="18360000">
+            <a:off x="6988175" y="2675890"/>
+            <a:ext cx="421640" cy="75565"/>
+          </a:xfrm>
+          <a:prstGeom prst="leftArrow">
+            <a:avLst/>
+          </a:prstGeom>
+        </p:spPr>
+        <p:style>
+          <a:lnRef idx="2">
+            <a:schemeClr val="accent1">
+              <a:shade val="50000"/>
+            </a:schemeClr>
+          </a:lnRef>
+          <a:fillRef idx="1">
+            <a:schemeClr val="accent1"/>
+          </a:fillRef>
+          <a:effectRef idx="0">
+            <a:schemeClr val="accent1"/>
+          </a:effectRef>
+          <a:fontRef idx="minor">
+            <a:schemeClr val="lt1"/>
+          </a:fontRef>
+        </p:style>
+        <p:txBody>
+          <a:bodyPr rtlCol="0" anchor="ctr"/>
+          <a:p>
+            <a:pPr algn="ctr"/>
+            <a:endParaRPr lang="zh-CN" altLang="en-US"/>
+          </a:p>
+        </p:txBody>
+      </p:sp>
+      <p:sp>
+        <p:nvSpPr>
+          <p:cNvPr id="77" name="左箭头 76"/>
+          <p:cNvSpPr/>
+          <p:nvPr/>
+        </p:nvSpPr>
+        <p:spPr>
+          <a:xfrm rot="18240000">
+            <a:off x="6115050" y="3898265"/>
+            <a:ext cx="869950" cy="113665"/>
+          </a:xfrm>
+          <a:prstGeom prst="leftArrow">
+            <a:avLst/>
+          </a:prstGeom>
+        </p:spPr>
+        <p:style>
+          <a:lnRef idx="2">
+            <a:schemeClr val="accent1">
+              <a:shade val="50000"/>
+            </a:schemeClr>
+          </a:lnRef>
+          <a:fillRef idx="1">
+            <a:schemeClr val="accent1"/>
+          </a:fillRef>
+          <a:effectRef idx="0">
+            <a:schemeClr val="accent1"/>
+          </a:effectRef>
+          <a:fontRef idx="minor">
+            <a:schemeClr val="lt1"/>
+          </a:fontRef>
+        </p:style>
+        <p:txBody>
+          <a:bodyPr rtlCol="0" anchor="ctr"/>
+          <a:p>
+            <a:pPr algn="ctr"/>
+            <a:endParaRPr lang="zh-CN" altLang="en-US"/>
+          </a:p>
+        </p:txBody>
+      </p:sp>
+      <p:sp>
+        <p:nvSpPr>
+          <p:cNvPr id="78" name="文本框 77"/>
+          <p:cNvSpPr txBox="1"/>
+          <p:nvPr/>
+        </p:nvSpPr>
+        <p:spPr>
+          <a:xfrm>
+            <a:off x="5979160" y="3771265"/>
+            <a:ext cx="1409700" cy="368300"/>
+          </a:xfrm>
+          <a:prstGeom prst="rect">
+            <a:avLst/>
+          </a:prstGeom>
+          <a:noFill/>
+        </p:spPr>
+        <p:txBody>
+          <a:bodyPr wrap="square" rtlCol="0">
+            <a:spAutoFit/>
+          </a:bodyPr>
+          <a:p>
+            <a:r>
+              <a:rPr lang="en-US" altLang="zh-CN"/>
+              <a:t>code  review</a:t>
+            </a:r>
+            <a:endParaRPr lang="en-US" altLang="zh-CN"/>
+          </a:p>
+        </p:txBody>
+      </p:sp>
+      <p:sp>
+        <p:nvSpPr>
+          <p:cNvPr id="79" name="文本框 78"/>
+          <p:cNvSpPr txBox="1"/>
+          <p:nvPr/>
+        </p:nvSpPr>
+        <p:spPr>
+          <a:xfrm>
+            <a:off x="1651000" y="2221865"/>
+            <a:ext cx="6274435" cy="368300"/>
+          </a:xfrm>
+          <a:prstGeom prst="rect">
+            <a:avLst/>
+          </a:prstGeom>
+          <a:noFill/>
+        </p:spPr>
+        <p:txBody>
+          <a:bodyPr wrap="square" rtlCol="0">
+            <a:spAutoFit/>
+          </a:bodyPr>
+          <a:p>
+            <a:r>
+              <a:rPr lang="en-US" altLang="zh-CN"/>
+              <a:t>---------------------------------------------------------------------------------</a:t>
+            </a:r>
+            <a:endParaRPr lang="en-US" altLang="zh-CN"/>
+          </a:p>
+        </p:txBody>
+      </p:sp>
+      <p:sp>
+        <p:nvSpPr>
+          <p:cNvPr id="80" name="文本框 79"/>
+          <p:cNvSpPr txBox="1"/>
+          <p:nvPr/>
+        </p:nvSpPr>
+        <p:spPr>
+          <a:xfrm>
+            <a:off x="6739255" y="1938655"/>
+            <a:ext cx="902970" cy="368300"/>
+          </a:xfrm>
+          <a:prstGeom prst="rect">
+            <a:avLst/>
+          </a:prstGeom>
+          <a:noFill/>
+        </p:spPr>
+        <p:txBody>
+          <a:bodyPr wrap="square" rtlCol="0">
+            <a:spAutoFit/>
+          </a:bodyPr>
+          <a:p>
+            <a:r>
+              <a:rPr lang="zh-CN" altLang="en-US"/>
+              <a:t>测试</a:t>
+            </a:r>
+            <a:endParaRPr lang="zh-CN" altLang="en-US"/>
+          </a:p>
+        </p:txBody>
+      </p:sp>
+      <p:sp>
+        <p:nvSpPr>
+          <p:cNvPr id="81" name="圆角矩形 80"/>
+          <p:cNvSpPr/>
+          <p:nvPr/>
+        </p:nvSpPr>
+        <p:spPr>
+          <a:xfrm>
+            <a:off x="10911205" y="1383030"/>
+            <a:ext cx="536575" cy="555625"/>
+          </a:xfrm>
+          <a:prstGeom prst="roundRect">
+            <a:avLst/>
+          </a:prstGeom>
+        </p:spPr>
+        <p:style>
+          <a:lnRef idx="2">
+            <a:schemeClr val="accent1">
+              <a:shade val="50000"/>
+            </a:schemeClr>
+          </a:lnRef>
+          <a:fillRef idx="1">
+            <a:schemeClr val="accent1"/>
+          </a:fillRef>
+          <a:effectRef idx="0">
+            <a:schemeClr val="accent1"/>
+          </a:effectRef>
+          <a:fontRef idx="minor">
+            <a:schemeClr val="lt1"/>
+          </a:fontRef>
+        </p:style>
+        <p:txBody>
+          <a:bodyPr rtlCol="0" anchor="ctr"/>
+          <a:p>
+            <a:pPr algn="ctr"/>
+            <a:endParaRPr lang="zh-CN" altLang="en-US"/>
+          </a:p>
+        </p:txBody>
+      </p:sp>
+      <p:sp>
+        <p:nvSpPr>
+          <p:cNvPr id="82" name="圆角矩形 81"/>
+          <p:cNvSpPr/>
+          <p:nvPr/>
+        </p:nvSpPr>
+        <p:spPr>
+          <a:xfrm>
+            <a:off x="8376285" y="1383030"/>
+            <a:ext cx="536575" cy="555625"/>
+          </a:xfrm>
+          <a:prstGeom prst="roundRect">
+            <a:avLst/>
+          </a:prstGeom>
+        </p:spPr>
+        <p:style>
+          <a:lnRef idx="2">
+            <a:schemeClr val="accent1">
+              <a:shade val="50000"/>
+            </a:schemeClr>
+          </a:lnRef>
+          <a:fillRef idx="1">
+            <a:schemeClr val="accent1"/>
+          </a:fillRef>
+          <a:effectRef idx="0">
+            <a:schemeClr val="accent1"/>
+          </a:effectRef>
+          <a:fontRef idx="minor">
+            <a:schemeClr val="lt1"/>
+          </a:fontRef>
+        </p:style>
+        <p:txBody>
+          <a:bodyPr rtlCol="0" anchor="ctr"/>
+          <a:p>
+            <a:pPr algn="ctr"/>
+            <a:endParaRPr lang="zh-CN" altLang="en-US"/>
+          </a:p>
+        </p:txBody>
+      </p:sp>
+      <p:sp>
+        <p:nvSpPr>
+          <p:cNvPr id="83" name="圆角矩形 82"/>
+          <p:cNvSpPr/>
+          <p:nvPr/>
+        </p:nvSpPr>
+        <p:spPr>
+          <a:xfrm>
+            <a:off x="8255635" y="2128520"/>
+            <a:ext cx="536575" cy="555625"/>
+          </a:xfrm>
+          <a:prstGeom prst="roundRect">
+            <a:avLst/>
+          </a:prstGeom>
+        </p:spPr>
+        <p:style>
+          <a:lnRef idx="2">
+            <a:schemeClr val="accent1">
+              <a:shade val="50000"/>
+            </a:schemeClr>
+          </a:lnRef>
+          <a:fillRef idx="1">
+            <a:schemeClr val="accent1"/>
+          </a:fillRef>
+          <a:effectRef idx="0">
+            <a:schemeClr val="accent1"/>
+          </a:effectRef>
+          <a:fontRef idx="minor">
+            <a:schemeClr val="lt1"/>
+          </a:fontRef>
+        </p:style>
+        <p:txBody>
+          <a:bodyPr rtlCol="0" anchor="ctr"/>
+          <a:p>
+            <a:pPr algn="ctr"/>
+            <a:endParaRPr lang="zh-CN" altLang="en-US"/>
+          </a:p>
+        </p:txBody>
+      </p:sp>
+      <p:sp>
+        <p:nvSpPr>
+          <p:cNvPr id="84" name="圆角矩形 83"/>
+          <p:cNvSpPr/>
+          <p:nvPr/>
+        </p:nvSpPr>
+        <p:spPr>
+          <a:xfrm>
+            <a:off x="8458200" y="3007360"/>
+            <a:ext cx="536575" cy="555625"/>
+          </a:xfrm>
+          <a:prstGeom prst="roundRect">
+            <a:avLst/>
+          </a:prstGeom>
+        </p:spPr>
+        <p:style>
+          <a:lnRef idx="2">
+            <a:schemeClr val="accent1">
+              <a:shade val="50000"/>
+            </a:schemeClr>
+          </a:lnRef>
+          <a:fillRef idx="1">
+            <a:schemeClr val="accent1"/>
+          </a:fillRef>
+          <a:effectRef idx="0">
+            <a:schemeClr val="accent1"/>
+          </a:effectRef>
+          <a:fontRef idx="minor">
+            <a:schemeClr val="lt1"/>
+          </a:fontRef>
+        </p:style>
+        <p:txBody>
+          <a:bodyPr rtlCol="0" anchor="ctr"/>
+          <a:p>
+            <a:pPr algn="ctr"/>
+            <a:endParaRPr lang="zh-CN" altLang="en-US"/>
+          </a:p>
+        </p:txBody>
+      </p:sp>
+      <p:sp>
+        <p:nvSpPr>
+          <p:cNvPr id="85" name="圆角矩形 84"/>
+          <p:cNvSpPr/>
+          <p:nvPr/>
+        </p:nvSpPr>
+        <p:spPr>
+          <a:xfrm>
+            <a:off x="9516110" y="2997200"/>
+            <a:ext cx="536575" cy="555625"/>
+          </a:xfrm>
+          <a:prstGeom prst="roundRect">
+            <a:avLst/>
+          </a:prstGeom>
+        </p:spPr>
+        <p:style>
+          <a:lnRef idx="2">
+            <a:schemeClr val="accent1">
+              <a:shade val="50000"/>
+            </a:schemeClr>
+          </a:lnRef>
+          <a:fillRef idx="1">
+            <a:schemeClr val="accent1"/>
+          </a:fillRef>
+          <a:effectRef idx="0">
+            <a:schemeClr val="accent1"/>
+          </a:effectRef>
+          <a:fontRef idx="minor">
+            <a:schemeClr val="lt1"/>
+          </a:fontRef>
+        </p:style>
+        <p:txBody>
+          <a:bodyPr rtlCol="0" anchor="ctr"/>
+          <a:p>
+            <a:pPr algn="ctr"/>
+            <a:endParaRPr lang="zh-CN" altLang="en-US"/>
+          </a:p>
+        </p:txBody>
+      </p:sp>
+      <p:sp>
+        <p:nvSpPr>
+          <p:cNvPr id="86" name="文本框 85"/>
+          <p:cNvSpPr txBox="1"/>
+          <p:nvPr/>
+        </p:nvSpPr>
+        <p:spPr>
+          <a:xfrm>
+            <a:off x="7801610" y="1938655"/>
+            <a:ext cx="710565" cy="368300"/>
+          </a:xfrm>
+          <a:prstGeom prst="rect">
+            <a:avLst/>
+          </a:prstGeom>
+          <a:noFill/>
+        </p:spPr>
+        <p:txBody>
+          <a:bodyPr wrap="square" rtlCol="0">
+            <a:spAutoFit/>
+          </a:bodyPr>
+          <a:p>
+            <a:r>
+              <a:rPr lang="en-US" altLang="zh-CN"/>
+              <a:t>bug</a:t>
+            </a:r>
+            <a:endParaRPr lang="en-US" altLang="zh-CN"/>
+          </a:p>
+        </p:txBody>
+      </p:sp>
+      <p:sp>
+        <p:nvSpPr>
+          <p:cNvPr id="87" name="左箭头 86"/>
+          <p:cNvSpPr/>
+          <p:nvPr/>
+        </p:nvSpPr>
+        <p:spPr>
+          <a:xfrm>
+            <a:off x="9121775" y="3209925"/>
+            <a:ext cx="270510" cy="76200"/>
+          </a:xfrm>
+          <a:prstGeom prst="leftArrow">
+            <a:avLst/>
+          </a:prstGeom>
+        </p:spPr>
+        <p:style>
+          <a:lnRef idx="2">
+            <a:schemeClr val="accent1">
+              <a:shade val="50000"/>
+            </a:schemeClr>
+          </a:lnRef>
+          <a:fillRef idx="1">
+            <a:schemeClr val="accent1"/>
+          </a:fillRef>
+          <a:effectRef idx="0">
+            <a:schemeClr val="accent1"/>
+          </a:effectRef>
+          <a:fontRef idx="minor">
+            <a:schemeClr val="lt1"/>
+          </a:fontRef>
+        </p:style>
+        <p:txBody>
+          <a:bodyPr rtlCol="0" anchor="ctr"/>
+          <a:p>
+            <a:pPr algn="ctr"/>
+            <a:endParaRPr lang="zh-CN" altLang="en-US"/>
+          </a:p>
+        </p:txBody>
+      </p:sp>
+      <p:sp>
+        <p:nvSpPr>
+          <p:cNvPr id="88" name="左箭头 87"/>
+          <p:cNvSpPr/>
+          <p:nvPr/>
+        </p:nvSpPr>
+        <p:spPr>
+          <a:xfrm rot="17160000">
+            <a:off x="8343265" y="1971040"/>
+            <a:ext cx="207645" cy="76200"/>
+          </a:xfrm>
+          <a:prstGeom prst="leftArrow">
+            <a:avLst/>
+          </a:prstGeom>
+        </p:spPr>
+        <p:style>
+          <a:lnRef idx="2">
+            <a:schemeClr val="accent1">
+              <a:shade val="50000"/>
+            </a:schemeClr>
+          </a:lnRef>
+          <a:fillRef idx="1">
+            <a:schemeClr val="accent1"/>
+          </a:fillRef>
+          <a:effectRef idx="0">
+            <a:schemeClr val="accent1"/>
+          </a:effectRef>
+          <a:fontRef idx="minor">
+            <a:schemeClr val="lt1"/>
+          </a:fontRef>
+        </p:style>
+        <p:txBody>
+          <a:bodyPr rtlCol="0" anchor="ctr"/>
+          <a:p>
+            <a:pPr algn="ctr"/>
+            <a:endParaRPr lang="zh-CN" altLang="en-US"/>
+          </a:p>
+        </p:txBody>
+      </p:sp>
+      <p:sp>
+        <p:nvSpPr>
+          <p:cNvPr id="89" name="左箭头 88"/>
+          <p:cNvSpPr/>
+          <p:nvPr/>
+        </p:nvSpPr>
+        <p:spPr>
+          <a:xfrm>
+            <a:off x="7353935" y="3208655"/>
+            <a:ext cx="1009015" cy="76200"/>
+          </a:xfrm>
+          <a:prstGeom prst="leftArrow">
+            <a:avLst/>
+          </a:prstGeom>
+        </p:spPr>
+        <p:style>
+          <a:lnRef idx="2">
+            <a:schemeClr val="accent1">
+              <a:shade val="50000"/>
+            </a:schemeClr>
+          </a:lnRef>
+          <a:fillRef idx="1">
+            <a:schemeClr val="accent1"/>
+          </a:fillRef>
+          <a:effectRef idx="0">
+            <a:schemeClr val="accent1"/>
+          </a:effectRef>
+          <a:fontRef idx="minor">
+            <a:schemeClr val="lt1"/>
+          </a:fontRef>
+        </p:style>
+        <p:txBody>
+          <a:bodyPr rtlCol="0" anchor="ctr"/>
+          <a:p>
+            <a:pPr algn="ctr"/>
+            <a:endParaRPr lang="zh-CN" altLang="en-US"/>
+          </a:p>
+        </p:txBody>
+      </p:sp>
+      <p:sp>
+        <p:nvSpPr>
+          <p:cNvPr id="90" name="左箭头 89"/>
+          <p:cNvSpPr/>
+          <p:nvPr/>
+        </p:nvSpPr>
+        <p:spPr>
+          <a:xfrm rot="19560000">
+            <a:off x="5945505" y="4613275"/>
+            <a:ext cx="3893185" cy="108585"/>
+          </a:xfrm>
+          <a:prstGeom prst="leftArrow">
+            <a:avLst/>
+          </a:prstGeom>
+        </p:spPr>
+        <p:style>
+          <a:lnRef idx="2">
+            <a:schemeClr val="accent1">
+              <a:shade val="50000"/>
+            </a:schemeClr>
+          </a:lnRef>
+          <a:fillRef idx="1">
+            <a:schemeClr val="accent1"/>
+          </a:fillRef>
+          <a:effectRef idx="0">
+            <a:schemeClr val="accent1"/>
+          </a:effectRef>
+          <a:fontRef idx="minor">
+            <a:schemeClr val="lt1"/>
+          </a:fontRef>
+        </p:style>
+        <p:txBody>
+          <a:bodyPr rtlCol="0" anchor="ctr"/>
+          <a:p>
+            <a:pPr algn="ctr"/>
+            <a:endParaRPr lang="zh-CN" altLang="en-US"/>
+          </a:p>
+        </p:txBody>
+      </p:sp>
+      <p:sp>
+        <p:nvSpPr>
+          <p:cNvPr id="91" name="文本框 90"/>
+          <p:cNvSpPr txBox="1"/>
+          <p:nvPr/>
+        </p:nvSpPr>
+        <p:spPr>
+          <a:xfrm>
+            <a:off x="8433435" y="1466215"/>
+            <a:ext cx="479425" cy="368300"/>
+          </a:xfrm>
+          <a:prstGeom prst="rect">
+            <a:avLst/>
+          </a:prstGeom>
+          <a:noFill/>
+        </p:spPr>
+        <p:txBody>
+          <a:bodyPr wrap="square" rtlCol="0">
+            <a:spAutoFit/>
+          </a:bodyPr>
+          <a:p>
+            <a:r>
+              <a:rPr lang="en-US" altLang="zh-CN"/>
+              <a:t>V2</a:t>
+            </a:r>
+            <a:endParaRPr lang="en-US" altLang="zh-CN"/>
+          </a:p>
+        </p:txBody>
+      </p:sp>
+      <p:sp>
+        <p:nvSpPr>
+          <p:cNvPr id="92" name="圆角矩形 91"/>
+          <p:cNvSpPr/>
+          <p:nvPr/>
+        </p:nvSpPr>
+        <p:spPr>
+          <a:xfrm>
+            <a:off x="10589260" y="2085975"/>
+            <a:ext cx="536575" cy="555625"/>
+          </a:xfrm>
+          <a:prstGeom prst="roundRect">
+            <a:avLst/>
+          </a:prstGeom>
+        </p:spPr>
+        <p:style>
+          <a:lnRef idx="2">
+            <a:schemeClr val="accent1">
+              <a:shade val="50000"/>
+            </a:schemeClr>
+          </a:lnRef>
+          <a:fillRef idx="1">
+            <a:schemeClr val="accent1"/>
+          </a:fillRef>
+          <a:effectRef idx="0">
+            <a:schemeClr val="accent1"/>
+          </a:effectRef>
+          <a:fontRef idx="minor">
+            <a:schemeClr val="lt1"/>
+          </a:fontRef>
+        </p:style>
+        <p:txBody>
+          <a:bodyPr rtlCol="0" anchor="ctr"/>
+          <a:p>
+            <a:pPr algn="ctr"/>
+            <a:endParaRPr lang="zh-CN" altLang="en-US"/>
+          </a:p>
+        </p:txBody>
+      </p:sp>
+      <p:sp>
+        <p:nvSpPr>
+          <p:cNvPr id="93" name="圆角矩形 92"/>
+          <p:cNvSpPr/>
+          <p:nvPr/>
+        </p:nvSpPr>
+        <p:spPr>
+          <a:xfrm>
+            <a:off x="9657715" y="2127885"/>
+            <a:ext cx="536575" cy="555625"/>
+          </a:xfrm>
+          <a:prstGeom prst="roundRect">
+            <a:avLst/>
+          </a:prstGeom>
+        </p:spPr>
+        <p:style>
+          <a:lnRef idx="2">
+            <a:schemeClr val="accent1">
+              <a:shade val="50000"/>
+            </a:schemeClr>
+          </a:lnRef>
+          <a:fillRef idx="1">
+            <a:schemeClr val="accent1"/>
+          </a:fillRef>
+          <a:effectRef idx="0">
+            <a:schemeClr val="accent1"/>
+          </a:effectRef>
+          <a:fontRef idx="minor">
+            <a:schemeClr val="lt1"/>
+          </a:fontRef>
+        </p:style>
+        <p:txBody>
+          <a:bodyPr rtlCol="0" anchor="ctr"/>
+          <a:p>
+            <a:pPr algn="ctr"/>
+            <a:endParaRPr lang="zh-CN" altLang="en-US"/>
+          </a:p>
+        </p:txBody>
+      </p:sp>
+      <p:sp>
+        <p:nvSpPr>
+          <p:cNvPr id="94" name="左箭头 93"/>
+          <p:cNvSpPr/>
+          <p:nvPr/>
+        </p:nvSpPr>
+        <p:spPr>
+          <a:xfrm>
+            <a:off x="8994775" y="1612265"/>
+            <a:ext cx="1820545" cy="76200"/>
+          </a:xfrm>
+          <a:prstGeom prst="leftArrow">
+            <a:avLst/>
+          </a:prstGeom>
+        </p:spPr>
+        <p:style>
+          <a:lnRef idx="2">
+            <a:schemeClr val="accent1">
+              <a:shade val="50000"/>
+            </a:schemeClr>
+          </a:lnRef>
+          <a:fillRef idx="1">
+            <a:schemeClr val="accent1"/>
+          </a:fillRef>
+          <a:effectRef idx="0">
+            <a:schemeClr val="accent1"/>
+          </a:effectRef>
+          <a:fontRef idx="minor">
+            <a:schemeClr val="lt1"/>
+          </a:fontRef>
+        </p:style>
+        <p:txBody>
+          <a:bodyPr rtlCol="0" anchor="ctr"/>
+          <a:p>
+            <a:pPr algn="ctr"/>
+            <a:endParaRPr lang="zh-CN" altLang="en-US"/>
+          </a:p>
+        </p:txBody>
+      </p:sp>
+      <p:sp>
+        <p:nvSpPr>
+          <p:cNvPr id="96" name="文本框 95"/>
+          <p:cNvSpPr txBox="1"/>
+          <p:nvPr/>
+        </p:nvSpPr>
+        <p:spPr>
+          <a:xfrm>
+            <a:off x="7215505" y="4441190"/>
+            <a:ext cx="1409700" cy="368300"/>
+          </a:xfrm>
+          <a:prstGeom prst="rect">
+            <a:avLst/>
+          </a:prstGeom>
+          <a:noFill/>
+        </p:spPr>
+        <p:txBody>
+          <a:bodyPr wrap="square" rtlCol="0">
+            <a:spAutoFit/>
+          </a:bodyPr>
+          <a:p>
+            <a:r>
+              <a:rPr lang="en-US" altLang="zh-CN"/>
+              <a:t>code  review</a:t>
+            </a:r>
+            <a:endParaRPr lang="en-US" altLang="zh-CN"/>
+          </a:p>
+        </p:txBody>
+      </p:sp>
+      <p:sp>
+        <p:nvSpPr>
+          <p:cNvPr id="97" name="左箭头 96"/>
+          <p:cNvSpPr/>
+          <p:nvPr/>
+        </p:nvSpPr>
+        <p:spPr>
+          <a:xfrm rot="18360000">
+            <a:off x="9601200" y="2766695"/>
+            <a:ext cx="421640" cy="75565"/>
+          </a:xfrm>
+          <a:prstGeom prst="leftArrow">
+            <a:avLst/>
+          </a:prstGeom>
+        </p:spPr>
+        <p:style>
+          <a:lnRef idx="2">
+            <a:schemeClr val="accent1">
+              <a:shade val="50000"/>
+            </a:schemeClr>
+          </a:lnRef>
+          <a:fillRef idx="1">
+            <a:schemeClr val="accent1"/>
+          </a:fillRef>
+          <a:effectRef idx="0">
+            <a:schemeClr val="accent1"/>
+          </a:effectRef>
+          <a:fontRef idx="minor">
+            <a:schemeClr val="lt1"/>
+          </a:fontRef>
+        </p:style>
+        <p:txBody>
+          <a:bodyPr rtlCol="0" anchor="ctr"/>
+          <a:p>
+            <a:pPr algn="ctr"/>
+            <a:endParaRPr lang="zh-CN" altLang="en-US"/>
+          </a:p>
+        </p:txBody>
+      </p:sp>
+      <p:sp>
+        <p:nvSpPr>
+          <p:cNvPr id="98" name="文本框 97"/>
+          <p:cNvSpPr txBox="1"/>
+          <p:nvPr/>
+        </p:nvSpPr>
+        <p:spPr>
+          <a:xfrm>
+            <a:off x="9063990" y="2179955"/>
+            <a:ext cx="902970" cy="368300"/>
+          </a:xfrm>
+          <a:prstGeom prst="rect">
+            <a:avLst/>
+          </a:prstGeom>
+          <a:noFill/>
+        </p:spPr>
+        <p:txBody>
+          <a:bodyPr wrap="square" rtlCol="0">
+            <a:spAutoFit/>
+          </a:bodyPr>
+          <a:p>
+            <a:r>
+              <a:rPr lang="zh-CN" altLang="en-US"/>
+              <a:t>测试</a:t>
+            </a:r>
+            <a:endParaRPr lang="zh-CN" altLang="en-US"/>
+          </a:p>
+        </p:txBody>
+      </p:sp>
+      <p:sp>
+        <p:nvSpPr>
+          <p:cNvPr id="99" name="文本框 98"/>
+          <p:cNvSpPr txBox="1"/>
+          <p:nvPr/>
+        </p:nvSpPr>
+        <p:spPr>
+          <a:xfrm>
+            <a:off x="10052685" y="1938655"/>
+            <a:ext cx="710565" cy="368300"/>
+          </a:xfrm>
+          <a:prstGeom prst="rect">
+            <a:avLst/>
+          </a:prstGeom>
+          <a:noFill/>
+        </p:spPr>
+        <p:txBody>
+          <a:bodyPr wrap="square" rtlCol="0">
+            <a:spAutoFit/>
+          </a:bodyPr>
+          <a:p>
+            <a:r>
+              <a:rPr lang="en-US" altLang="zh-CN"/>
+              <a:t>bug</a:t>
+            </a:r>
+            <a:endParaRPr lang="en-US" altLang="zh-CN"/>
+          </a:p>
+        </p:txBody>
+      </p:sp>
+      <p:sp>
+        <p:nvSpPr>
+          <p:cNvPr id="100" name="左箭头 99"/>
+          <p:cNvSpPr/>
+          <p:nvPr/>
+        </p:nvSpPr>
+        <p:spPr>
+          <a:xfrm>
+            <a:off x="10295890" y="2349500"/>
+            <a:ext cx="224790" cy="113665"/>
+          </a:xfrm>
+          <a:prstGeom prst="leftArrow">
+            <a:avLst/>
+          </a:prstGeom>
+        </p:spPr>
+        <p:style>
+          <a:lnRef idx="2">
+            <a:schemeClr val="accent1">
+              <a:shade val="50000"/>
+            </a:schemeClr>
+          </a:lnRef>
+          <a:fillRef idx="1">
+            <a:schemeClr val="accent1"/>
+          </a:fillRef>
+          <a:effectRef idx="0">
+            <a:schemeClr val="accent1"/>
+          </a:effectRef>
+          <a:fontRef idx="minor">
+            <a:schemeClr val="lt1"/>
+          </a:fontRef>
+        </p:style>
+        <p:txBody>
+          <a:bodyPr rtlCol="0" anchor="ctr"/>
+          <a:p>
+            <a:pPr algn="ctr"/>
+            <a:endParaRPr lang="zh-CN" altLang="en-US"/>
+          </a:p>
+        </p:txBody>
+      </p:sp>
+      <p:sp>
+        <p:nvSpPr>
+          <p:cNvPr id="101" name="圆角矩形 100"/>
+          <p:cNvSpPr/>
+          <p:nvPr/>
+        </p:nvSpPr>
+        <p:spPr>
+          <a:xfrm>
+            <a:off x="10939780" y="3007360"/>
+            <a:ext cx="536575" cy="555625"/>
+          </a:xfrm>
+          <a:prstGeom prst="roundRect">
+            <a:avLst/>
+          </a:prstGeom>
+        </p:spPr>
+        <p:style>
+          <a:lnRef idx="2">
+            <a:schemeClr val="accent1">
+              <a:shade val="50000"/>
+            </a:schemeClr>
+          </a:lnRef>
+          <a:fillRef idx="1">
+            <a:schemeClr val="accent1"/>
+          </a:fillRef>
+          <a:effectRef idx="0">
+            <a:schemeClr val="accent1"/>
+          </a:effectRef>
+          <a:fontRef idx="minor">
+            <a:schemeClr val="lt1"/>
+          </a:fontRef>
+        </p:style>
+        <p:txBody>
+          <a:bodyPr rtlCol="0" anchor="ctr"/>
+          <a:p>
+            <a:pPr algn="ctr"/>
+            <a:endParaRPr lang="zh-CN" altLang="en-US"/>
+          </a:p>
+        </p:txBody>
+      </p:sp>
+      <p:sp>
+        <p:nvSpPr>
+          <p:cNvPr id="102" name="左箭头 101"/>
+          <p:cNvSpPr/>
+          <p:nvPr/>
+        </p:nvSpPr>
+        <p:spPr>
+          <a:xfrm>
+            <a:off x="10194290" y="3208655"/>
+            <a:ext cx="733425" cy="76200"/>
+          </a:xfrm>
+          <a:prstGeom prst="leftArrow">
+            <a:avLst/>
+          </a:prstGeom>
+        </p:spPr>
+        <p:style>
+          <a:lnRef idx="2">
+            <a:schemeClr val="accent1">
+              <a:shade val="50000"/>
+            </a:schemeClr>
+          </a:lnRef>
+          <a:fillRef idx="1">
+            <a:schemeClr val="accent1"/>
+          </a:fillRef>
+          <a:effectRef idx="0">
+            <a:schemeClr val="accent1"/>
+          </a:effectRef>
+          <a:fontRef idx="minor">
+            <a:schemeClr val="lt1"/>
+          </a:fontRef>
+        </p:style>
+        <p:txBody>
+          <a:bodyPr rtlCol="0" anchor="ctr"/>
+          <a:p>
+            <a:pPr algn="ctr"/>
+            <a:endParaRPr lang="zh-CN" altLang="en-US"/>
+          </a:p>
+        </p:txBody>
+      </p:sp>
+      <p:sp>
+        <p:nvSpPr>
+          <p:cNvPr id="103" name="文本框 102"/>
+          <p:cNvSpPr txBox="1"/>
+          <p:nvPr/>
+        </p:nvSpPr>
+        <p:spPr>
+          <a:xfrm>
+            <a:off x="10968355" y="1466850"/>
+            <a:ext cx="479425" cy="368300"/>
+          </a:xfrm>
+          <a:prstGeom prst="rect">
+            <a:avLst/>
+          </a:prstGeom>
+          <a:noFill/>
+        </p:spPr>
+        <p:txBody>
+          <a:bodyPr wrap="square" rtlCol="0">
+            <a:spAutoFit/>
+          </a:bodyPr>
+          <a:p>
+            <a:r>
+              <a:rPr lang="en-US" altLang="zh-CN"/>
+              <a:t>V3</a:t>
+            </a:r>
+            <a:endParaRPr lang="en-US" altLang="zh-CN"/>
+          </a:p>
+        </p:txBody>
+      </p:sp>
+      <p:sp>
+        <p:nvSpPr>
+          <p:cNvPr id="104" name="左箭头 103"/>
+          <p:cNvSpPr/>
+          <p:nvPr/>
+        </p:nvSpPr>
+        <p:spPr>
+          <a:xfrm rot="17160000">
+            <a:off x="10719435" y="1906905"/>
+            <a:ext cx="207645" cy="76200"/>
+          </a:xfrm>
+          <a:prstGeom prst="leftArrow">
+            <a:avLst/>
+          </a:prstGeom>
+        </p:spPr>
+        <p:style>
+          <a:lnRef idx="2">
+            <a:schemeClr val="accent1">
+              <a:shade val="50000"/>
+            </a:schemeClr>
+          </a:lnRef>
+          <a:fillRef idx="1">
+            <a:schemeClr val="accent1"/>
+          </a:fillRef>
+          <a:effectRef idx="0">
+            <a:schemeClr val="accent1"/>
+          </a:effectRef>
+          <a:fontRef idx="minor">
+            <a:schemeClr val="lt1"/>
+          </a:fontRef>
+        </p:style>
+        <p:txBody>
+          <a:bodyPr rtlCol="0" anchor="ctr"/>
+          <a:p>
+            <a:pPr algn="ctr"/>
+            <a:endParaRPr lang="zh-CN" altLang="en-US"/>
+          </a:p>
+        </p:txBody>
+      </p:sp>
+      <p:sp>
+        <p:nvSpPr>
+          <p:cNvPr id="105" name="左箭头 104"/>
+          <p:cNvSpPr/>
+          <p:nvPr/>
+        </p:nvSpPr>
+        <p:spPr>
+          <a:xfrm rot="2700000">
+            <a:off x="10897870" y="2754630"/>
+            <a:ext cx="254000" cy="131445"/>
+          </a:xfrm>
+          <a:prstGeom prst="leftArrow">
+            <a:avLst/>
+          </a:prstGeom>
+        </p:spPr>
+        <p:style>
+          <a:lnRef idx="2">
+            <a:schemeClr val="accent1">
+              <a:shade val="50000"/>
+            </a:schemeClr>
+          </a:lnRef>
+          <a:fillRef idx="1">
+            <a:schemeClr val="accent1"/>
+          </a:fillRef>
+          <a:effectRef idx="0">
+            <a:schemeClr val="accent1"/>
+          </a:effectRef>
+          <a:fontRef idx="minor">
+            <a:schemeClr val="lt1"/>
+          </a:fontRef>
+        </p:style>
+        <p:txBody>
+          <a:bodyPr rtlCol="0" anchor="ctr"/>
+          <a:p>
+            <a:pPr algn="ctr"/>
+            <a:endParaRPr lang="zh-CN" altLang="en-US"/>
+          </a:p>
+        </p:txBody>
+      </p:sp>
+      <p:sp>
+        <p:nvSpPr>
+          <p:cNvPr id="106" name="文本框 105"/>
+          <p:cNvSpPr txBox="1"/>
+          <p:nvPr/>
+        </p:nvSpPr>
+        <p:spPr>
+          <a:xfrm>
+            <a:off x="305435" y="4809490"/>
+            <a:ext cx="2694940" cy="922020"/>
+          </a:xfrm>
+          <a:prstGeom prst="rect">
+            <a:avLst/>
+          </a:prstGeom>
+          <a:noFill/>
+        </p:spPr>
+        <p:txBody>
+          <a:bodyPr wrap="square" rtlCol="0">
+            <a:spAutoFit/>
+          </a:bodyPr>
+          <a:p>
+            <a:r>
+              <a:rPr lang="en-US" altLang="zh-CN">
+                <a:solidFill>
+                  <a:srgbClr val="FF0000"/>
+                </a:solidFill>
+                <a:sym typeface="+mn-ea"/>
+              </a:rPr>
+              <a:t>A</a:t>
+            </a:r>
+            <a:r>
+              <a:rPr lang="zh-CN" altLang="en-US">
+                <a:solidFill>
+                  <a:srgbClr val="FF0000"/>
+                </a:solidFill>
+                <a:sym typeface="+mn-ea"/>
+              </a:rPr>
+              <a:t>功能对应的分支</a:t>
+            </a:r>
+            <a:r>
+              <a:rPr lang="en-US" altLang="zh-CN">
+                <a:solidFill>
+                  <a:srgbClr val="FF0000"/>
+                </a:solidFill>
+                <a:sym typeface="+mn-ea"/>
+              </a:rPr>
+              <a:t>A</a:t>
+            </a:r>
+            <a:r>
+              <a:rPr lang="zh-CN" altLang="en-US">
+                <a:solidFill>
+                  <a:srgbClr val="FF0000"/>
+                </a:solidFill>
+                <a:sym typeface="+mn-ea"/>
+              </a:rPr>
+              <a:t>，可由</a:t>
+            </a:r>
+            <a:r>
+              <a:rPr lang="en-US" altLang="zh-CN">
+                <a:solidFill>
+                  <a:srgbClr val="FF0000"/>
+                </a:solidFill>
+                <a:sym typeface="+mn-ea"/>
+              </a:rPr>
+              <a:t>A</a:t>
+            </a:r>
+            <a:r>
+              <a:rPr lang="zh-CN" altLang="en-US">
+                <a:solidFill>
+                  <a:srgbClr val="FF0000"/>
+                </a:solidFill>
+                <a:sym typeface="+mn-ea"/>
+              </a:rPr>
+              <a:t>员工拉出，功能合入后可删除，</a:t>
+            </a:r>
+            <a:r>
+              <a:rPr lang="zh-CN" altLang="en-US">
+                <a:solidFill>
+                  <a:srgbClr val="FF0000"/>
+                </a:solidFill>
+                <a:sym typeface="+mn-ea"/>
+              </a:rPr>
+              <a:t>分支</a:t>
+            </a:r>
+            <a:r>
+              <a:rPr lang="en-US" altLang="zh-CN">
+                <a:solidFill>
+                  <a:srgbClr val="FF0000"/>
+                </a:solidFill>
+                <a:sym typeface="+mn-ea"/>
+              </a:rPr>
+              <a:t>B</a:t>
+            </a:r>
+            <a:r>
+              <a:rPr lang="zh-CN" altLang="en-US">
+                <a:solidFill>
+                  <a:srgbClr val="FF0000"/>
+                </a:solidFill>
+                <a:sym typeface="+mn-ea"/>
+              </a:rPr>
+              <a:t>一样</a:t>
+            </a:r>
+            <a:endParaRPr lang="zh-CN" altLang="en-US">
+              <a:solidFill>
+                <a:srgbClr val="FF0000"/>
+              </a:solidFill>
+              <a:sym typeface="+mn-ea"/>
+            </a:endParaRPr>
+          </a:p>
+        </p:txBody>
+      </p:sp>
+      <p:sp>
+        <p:nvSpPr>
+          <p:cNvPr id="107" name="文本框 106"/>
+          <p:cNvSpPr txBox="1"/>
+          <p:nvPr/>
+        </p:nvSpPr>
+        <p:spPr>
+          <a:xfrm>
+            <a:off x="7925435" y="5067300"/>
+            <a:ext cx="3097530" cy="1198880"/>
+          </a:xfrm>
+          <a:prstGeom prst="rect">
+            <a:avLst/>
+          </a:prstGeom>
+          <a:noFill/>
+        </p:spPr>
+        <p:txBody>
+          <a:bodyPr wrap="square" rtlCol="0">
+            <a:spAutoFit/>
+          </a:bodyPr>
+          <a:p>
+            <a:r>
+              <a:rPr lang="zh-CN" altLang="en-US">
+                <a:solidFill>
+                  <a:srgbClr val="FF0000"/>
+                </a:solidFill>
+                <a:sym typeface="+mn-ea"/>
+              </a:rPr>
+              <a:t>开发过程中出现的</a:t>
+            </a:r>
+            <a:r>
+              <a:rPr lang="en-US" altLang="zh-CN">
+                <a:solidFill>
+                  <a:srgbClr val="FF0000"/>
+                </a:solidFill>
+                <a:sym typeface="+mn-ea"/>
+              </a:rPr>
+              <a:t>bug</a:t>
+            </a:r>
+            <a:r>
+              <a:rPr lang="zh-CN" altLang="en-US">
+                <a:solidFill>
+                  <a:srgbClr val="FF0000"/>
+                </a:solidFill>
+                <a:sym typeface="+mn-ea"/>
+              </a:rPr>
+              <a:t>可以单独拉出新的分支，解决后合入到原分支即可（参考分支章节的内容</a:t>
+            </a:r>
+            <a:r>
+              <a:rPr lang="zh-CN" altLang="en-US">
+                <a:solidFill>
+                  <a:srgbClr val="FF0000"/>
+                </a:solidFill>
+                <a:sym typeface="+mn-ea"/>
+              </a:rPr>
+              <a:t>）</a:t>
+            </a:r>
+            <a:endParaRPr lang="zh-CN" altLang="en-US">
+              <a:solidFill>
+                <a:srgbClr val="FF0000"/>
+              </a:solidFill>
+              <a:sym typeface="+mn-ea"/>
+            </a:endParaRPr>
           </a:p>
         </p:txBody>
       </p:sp>

--- a/gitStudy/gitStudy.pptx
+++ b/gitStudy/gitStudy.pptx
@@ -17,6 +17,8 @@
     <p:sldId id="265" r:id="rId12"/>
     <p:sldId id="266" r:id="rId13"/>
     <p:sldId id="262" r:id="rId14"/>
+    <p:sldId id="273" r:id="rId15"/>
+    <p:sldId id="274" r:id="rId16"/>
   </p:sldIdLst>
   <p:sldSz cx="12192000" cy="6858000"/>
   <p:notesSz cx="6858000" cy="9144000"/>
@@ -3008,28 +3010,101 @@
             <p:ph type="ctrTitle"/>
           </p:nvPr>
         </p:nvSpPr>
-        <p:spPr/>
-        <p:txBody>
-          <a:bodyPr/>
-          <a:p>
-            <a:endParaRPr lang="zh-CN" altLang="en-US"/>
-          </a:p>
-        </p:txBody>
-      </p:sp>
-      <p:sp>
-        <p:nvSpPr>
-          <p:cNvPr id="3" name="副标题 2"/>
-          <p:cNvSpPr>
-            <a:spLocks noGrp="1"/>
-          </p:cNvSpPr>
-          <p:nvPr>
-            <p:ph type="subTitle" idx="1"/>
-          </p:nvPr>
-        </p:nvSpPr>
-        <p:spPr/>
-        <p:txBody>
-          <a:bodyPr/>
-          <a:p>
+        <p:spPr>
+          <a:xfrm>
+            <a:off x="1524000" y="1122680"/>
+            <a:ext cx="9144000" cy="424815"/>
+          </a:xfrm>
+        </p:spPr>
+        <p:txBody>
+          <a:bodyPr>
+            <a:normAutofit fontScale="90000"/>
+          </a:bodyPr>
+          <a:p>
+            <a:r>
+              <a:rPr lang="zh-CN" altLang="en-US" sz="2800"/>
+              <a:t>给开源软件贡献代码</a:t>
+            </a:r>
+            <a:endParaRPr lang="zh-CN" altLang="en-US" sz="2800"/>
+          </a:p>
+        </p:txBody>
+      </p:sp>
+      <p:sp>
+        <p:nvSpPr>
+          <p:cNvPr id="4" name="文本框 3"/>
+          <p:cNvSpPr txBox="1"/>
+          <p:nvPr/>
+        </p:nvSpPr>
+        <p:spPr>
+          <a:xfrm>
+            <a:off x="654685" y="2273935"/>
+            <a:ext cx="8197215" cy="1753235"/>
+          </a:xfrm>
+          <a:prstGeom prst="rect">
+            <a:avLst/>
+          </a:prstGeom>
+          <a:noFill/>
+        </p:spPr>
+        <p:txBody>
+          <a:bodyPr wrap="square" rtlCol="0">
+            <a:spAutoFit/>
+          </a:bodyPr>
+          <a:p>
+            <a:r>
+              <a:rPr lang="en-US" altLang="zh-CN"/>
+              <a:t>1.fork</a:t>
+            </a:r>
+            <a:r>
+              <a:rPr lang="zh-CN" altLang="en-US"/>
+              <a:t>原代码：</a:t>
+            </a:r>
+            <a:endParaRPr lang="zh-CN" altLang="en-US"/>
+          </a:p>
+          <a:p>
+            <a:r>
+              <a:rPr lang="zh-CN" altLang="en-US"/>
+              <a:t>    将别人源代码拷贝到我自己的远程仓库；</a:t>
+            </a:r>
+            <a:endParaRPr lang="zh-CN" altLang="en-US"/>
+          </a:p>
+          <a:p>
+            <a:endParaRPr lang="zh-CN" altLang="en-US"/>
+          </a:p>
+          <a:p>
+            <a:r>
+              <a:rPr lang="en-US" altLang="zh-CN"/>
+              <a:t>2.</a:t>
+            </a:r>
+            <a:r>
+              <a:rPr lang="zh-CN" altLang="en-US"/>
+              <a:t>拉取代码到本地，修改代码后再提交到自己的远程</a:t>
+            </a:r>
+            <a:r>
+              <a:rPr lang="zh-CN" altLang="en-US"/>
+              <a:t>仓库；</a:t>
+            </a:r>
+            <a:endParaRPr lang="zh-CN" altLang="en-US"/>
+          </a:p>
+          <a:p>
+            <a:endParaRPr lang="zh-CN" altLang="en-US"/>
+          </a:p>
+          <a:p>
+            <a:r>
+              <a:rPr lang="en-US" altLang="zh-CN"/>
+              <a:t>3.</a:t>
+            </a:r>
+            <a:r>
+              <a:rPr lang="zh-CN" altLang="en-US"/>
+              <a:t>给源代码的作者提交代码修改的申请（</a:t>
+            </a:r>
+            <a:r>
+              <a:rPr lang="en-US" altLang="zh-CN"/>
+              <a:t>pull request</a:t>
+            </a:r>
+            <a:r>
+              <a:rPr lang="zh-CN" altLang="en-US"/>
+              <a:t>）</a:t>
+            </a:r>
             <a:endParaRPr lang="zh-CN" altLang="en-US"/>
           </a:p>
         </p:txBody>
@@ -3062,29 +3137,454 @@
             <p:ph type="ctrTitle"/>
           </p:nvPr>
         </p:nvSpPr>
-        <p:spPr/>
+        <p:spPr>
+          <a:xfrm>
+            <a:off x="1524000" y="1122680"/>
+            <a:ext cx="9144000" cy="541655"/>
+          </a:xfrm>
+        </p:spPr>
         <p:txBody>
           <a:bodyPr/>
           <a:p>
-            <a:endParaRPr lang="zh-CN" altLang="en-US"/>
-          </a:p>
-        </p:txBody>
-      </p:sp>
-      <p:sp>
-        <p:nvSpPr>
-          <p:cNvPr id="3" name="副标题 2"/>
-          <p:cNvSpPr>
-            <a:spLocks noGrp="1"/>
-          </p:cNvSpPr>
-          <p:nvPr>
-            <p:ph type="subTitle" idx="1"/>
-          </p:nvPr>
-        </p:nvSpPr>
-        <p:spPr/>
-        <p:txBody>
-          <a:bodyPr/>
-          <a:p>
-            <a:endParaRPr lang="zh-CN" altLang="en-US"/>
+            <a:r>
+              <a:rPr lang="en-US" altLang="zh-CN" sz="2800"/>
+              <a:t>git</a:t>
+            </a:r>
+            <a:r>
+              <a:rPr lang="zh-CN" altLang="en-US" sz="2800"/>
+              <a:t>配置文件</a:t>
+            </a:r>
+            <a:endParaRPr lang="zh-CN" altLang="en-US" sz="2800"/>
+          </a:p>
+        </p:txBody>
+      </p:sp>
+      <p:sp>
+        <p:nvSpPr>
+          <p:cNvPr id="4" name="文本框 3"/>
+          <p:cNvSpPr txBox="1"/>
+          <p:nvPr/>
+        </p:nvSpPr>
+        <p:spPr>
+          <a:xfrm>
+            <a:off x="1708785" y="1859280"/>
+            <a:ext cx="9481185" cy="4799965"/>
+          </a:xfrm>
+          <a:prstGeom prst="rect">
+            <a:avLst/>
+          </a:prstGeom>
+          <a:noFill/>
+        </p:spPr>
+        <p:txBody>
+          <a:bodyPr wrap="square" rtlCol="0" anchor="t">
+            <a:spAutoFit/>
+          </a:bodyPr>
+          <a:p>
+            <a:r>
+              <a:rPr lang="en-US" altLang="zh-CN">
+                <a:sym typeface="+mn-ea"/>
+              </a:rPr>
+              <a:t>1. </a:t>
+            </a:r>
+            <a:r>
+              <a:rPr lang="zh-CN" altLang="en-US">
+                <a:sym typeface="+mn-ea"/>
+              </a:rPr>
+              <a:t>项目配置文件（项目</a:t>
+            </a:r>
+            <a:r>
+              <a:rPr lang="en-US" altLang="zh-CN">
+                <a:sym typeface="+mn-ea"/>
+              </a:rPr>
+              <a:t>/</a:t>
+            </a:r>
+            <a:r>
+              <a:rPr lang="en-US" altLang="zh-CN">
+                <a:sym typeface="+mn-ea"/>
+              </a:rPr>
+              <a:t>.git/config</a:t>
+            </a:r>
+            <a:r>
+              <a:rPr lang="zh-CN" altLang="en-US">
+                <a:sym typeface="+mn-ea"/>
+              </a:rPr>
+              <a:t>）</a:t>
+            </a:r>
+            <a:endParaRPr lang="zh-CN" altLang="en-US">
+              <a:sym typeface="+mn-ea"/>
+            </a:endParaRPr>
+          </a:p>
+          <a:p>
+            <a:r>
+              <a:rPr lang="en-US" altLang="zh-CN">
+                <a:sym typeface="+mn-ea"/>
+              </a:rPr>
+              <a:t>	</a:t>
+            </a:r>
+            <a:r>
+              <a:rPr lang="zh-CN" altLang="en-US">
+                <a:sym typeface="+mn-ea"/>
+              </a:rPr>
+              <a:t>git config --</a:t>
+            </a:r>
+            <a:r>
+              <a:rPr lang="en-US" altLang="zh-CN">
+                <a:sym typeface="+mn-ea"/>
+              </a:rPr>
+              <a:t>local </a:t>
+            </a:r>
+            <a:r>
+              <a:rPr lang="zh-CN" altLang="en-US">
+                <a:sym typeface="+mn-ea"/>
+              </a:rPr>
+              <a:t>user.name “liqingteng”</a:t>
+            </a:r>
+            <a:endParaRPr lang="zh-CN" altLang="en-US"/>
+          </a:p>
+          <a:p>
+            <a:r>
+              <a:rPr lang="en-US" altLang="zh-CN">
+                <a:sym typeface="+mn-ea"/>
+              </a:rPr>
+              <a:t>	</a:t>
+            </a:r>
+            <a:r>
+              <a:rPr lang="zh-CN" altLang="en-US">
+                <a:sym typeface="+mn-ea"/>
+              </a:rPr>
+              <a:t>git config --</a:t>
+            </a:r>
+            <a:r>
+              <a:rPr lang="en-US" altLang="zh-CN">
+                <a:sym typeface="+mn-ea"/>
+              </a:rPr>
+              <a:t>local </a:t>
+            </a:r>
+            <a:r>
+              <a:rPr lang="zh-CN" altLang="en-US">
+                <a:sym typeface="+mn-ea"/>
+              </a:rPr>
+              <a:t>user.email “li.qingteng@zte.com.cn”</a:t>
+            </a:r>
+            <a:endParaRPr lang="zh-CN" altLang="en-US">
+              <a:sym typeface="+mn-ea"/>
+            </a:endParaRPr>
+          </a:p>
+          <a:p>
+            <a:endParaRPr lang="zh-CN" altLang="en-US"/>
+          </a:p>
+          <a:p>
+            <a:r>
+              <a:rPr lang="en-US" altLang="zh-CN"/>
+              <a:t>2.</a:t>
+            </a:r>
+            <a:r>
+              <a:rPr lang="zh-CN" altLang="en-US"/>
+              <a:t>全局配置文件（</a:t>
+            </a:r>
+            <a:r>
+              <a:rPr lang="en-US" altLang="zh-CN"/>
+              <a:t>~/.gitconfig</a:t>
+            </a:r>
+            <a:r>
+              <a:rPr lang="zh-CN" altLang="en-US"/>
+              <a:t>）</a:t>
+            </a:r>
+            <a:endParaRPr lang="zh-CN" altLang="en-US"/>
+          </a:p>
+          <a:p>
+            <a:r>
+              <a:rPr lang="en-US" altLang="zh-CN">
+                <a:sym typeface="+mn-ea"/>
+              </a:rPr>
+              <a:t>	</a:t>
+            </a:r>
+            <a:r>
+              <a:rPr lang="zh-CN" altLang="en-US">
+                <a:sym typeface="+mn-ea"/>
+              </a:rPr>
+              <a:t>git config --global user.name “liqingteng”</a:t>
+            </a:r>
+            <a:endParaRPr lang="zh-CN" altLang="en-US"/>
+          </a:p>
+          <a:p>
+            <a:r>
+              <a:rPr lang="en-US" altLang="zh-CN">
+                <a:sym typeface="+mn-ea"/>
+              </a:rPr>
+              <a:t>	</a:t>
+            </a:r>
+            <a:r>
+              <a:rPr lang="zh-CN" altLang="en-US">
+                <a:sym typeface="+mn-ea"/>
+              </a:rPr>
+              <a:t>git config --global user.email “li.qingteng@zte.com.cn”</a:t>
+            </a:r>
+            <a:endParaRPr lang="zh-CN" altLang="en-US"/>
+          </a:p>
+          <a:p>
+            <a:endParaRPr lang="zh-CN" altLang="en-US"/>
+          </a:p>
+          <a:p>
+            <a:r>
+              <a:rPr lang="en-US" altLang="zh-CN"/>
+              <a:t>3.</a:t>
+            </a:r>
+            <a:r>
+              <a:rPr lang="zh-CN" altLang="en-US"/>
+              <a:t>系统配置文件（</a:t>
+            </a:r>
+            <a:r>
+              <a:rPr lang="en-US" altLang="zh-CN"/>
+              <a:t>/etc</a:t>
+            </a:r>
+            <a:r>
+              <a:rPr lang="en-US" altLang="zh-CN">
+                <a:sym typeface="+mn-ea"/>
+              </a:rPr>
+              <a:t>/.gitconfig</a:t>
+            </a:r>
+            <a:r>
+              <a:rPr lang="zh-CN" altLang="en-US"/>
+              <a:t>）  </a:t>
+            </a:r>
+            <a:r>
+              <a:rPr lang="zh-CN" altLang="en-US">
+                <a:solidFill>
+                  <a:srgbClr val="FF0000"/>
+                </a:solidFill>
+              </a:rPr>
+              <a:t> 注意需要</a:t>
+            </a:r>
+            <a:r>
+              <a:rPr lang="en-US" altLang="zh-CN">
+                <a:solidFill>
+                  <a:srgbClr val="FF0000"/>
+                </a:solidFill>
+              </a:rPr>
+              <a:t>root</a:t>
+            </a:r>
+            <a:r>
+              <a:rPr lang="zh-CN" altLang="en-US">
+                <a:solidFill>
+                  <a:srgbClr val="FF0000"/>
+                </a:solidFill>
+              </a:rPr>
+              <a:t>权限</a:t>
+            </a:r>
+            <a:endParaRPr lang="zh-CN" altLang="en-US">
+              <a:solidFill>
+                <a:srgbClr val="FF0000"/>
+              </a:solidFill>
+            </a:endParaRPr>
+          </a:p>
+          <a:p>
+            <a:r>
+              <a:rPr lang="en-US" altLang="zh-CN">
+                <a:sym typeface="+mn-ea"/>
+              </a:rPr>
+              <a:t>	</a:t>
+            </a:r>
+            <a:r>
+              <a:rPr lang="zh-CN" altLang="en-US">
+                <a:sym typeface="+mn-ea"/>
+              </a:rPr>
+              <a:t>git config --</a:t>
+            </a:r>
+            <a:r>
+              <a:rPr lang="en-US" altLang="zh-CN">
+                <a:sym typeface="+mn-ea"/>
+              </a:rPr>
+              <a:t>system </a:t>
+            </a:r>
+            <a:r>
+              <a:rPr lang="zh-CN" altLang="en-US">
+                <a:sym typeface="+mn-ea"/>
+              </a:rPr>
+              <a:t>user.name “liqingteng”</a:t>
+            </a:r>
+            <a:endParaRPr lang="zh-CN" altLang="en-US"/>
+          </a:p>
+          <a:p>
+            <a:r>
+              <a:rPr lang="en-US" altLang="zh-CN">
+                <a:sym typeface="+mn-ea"/>
+              </a:rPr>
+              <a:t>	</a:t>
+            </a:r>
+            <a:r>
+              <a:rPr lang="zh-CN" altLang="en-US">
+                <a:sym typeface="+mn-ea"/>
+              </a:rPr>
+              <a:t>git config --</a:t>
+            </a:r>
+            <a:r>
+              <a:rPr lang="en-US" altLang="zh-CN">
+                <a:sym typeface="+mn-ea"/>
+              </a:rPr>
+              <a:t>system </a:t>
+            </a:r>
+            <a:r>
+              <a:rPr lang="zh-CN" altLang="en-US">
+                <a:sym typeface="+mn-ea"/>
+              </a:rPr>
+              <a:t>user.email “li.qingteng@zte.com.cn”</a:t>
+            </a:r>
+            <a:endParaRPr lang="zh-CN" altLang="en-US">
+              <a:sym typeface="+mn-ea"/>
+            </a:endParaRPr>
+          </a:p>
+          <a:p>
+            <a:endParaRPr lang="zh-CN" altLang="en-US">
+              <a:sym typeface="+mn-ea"/>
+            </a:endParaRPr>
+          </a:p>
+          <a:p>
+            <a:r>
+              <a:rPr lang="en-US" altLang="zh-CN">
+                <a:sym typeface="+mn-ea"/>
+              </a:rPr>
+              <a:t>git</a:t>
+            </a:r>
+            <a:r>
+              <a:rPr lang="zh-CN" altLang="en-US">
+                <a:sym typeface="+mn-ea"/>
+              </a:rPr>
+              <a:t>搜索配置文件的顺序按照上述的</a:t>
+            </a:r>
+            <a:r>
+              <a:rPr lang="en-US" altLang="zh-CN">
+                <a:sym typeface="+mn-ea"/>
+              </a:rPr>
+              <a:t>1-2-3</a:t>
+            </a:r>
+            <a:r>
+              <a:rPr lang="zh-CN" altLang="en-US">
+                <a:sym typeface="+mn-ea"/>
+              </a:rPr>
+              <a:t>去寻找。</a:t>
+            </a:r>
+            <a:endParaRPr lang="zh-CN" altLang="en-US">
+              <a:sym typeface="+mn-ea"/>
+            </a:endParaRPr>
+          </a:p>
+          <a:p>
+            <a:endParaRPr lang="zh-CN" altLang="en-US">
+              <a:sym typeface="+mn-ea"/>
+            </a:endParaRPr>
+          </a:p>
+          <a:p>
+            <a:r>
+              <a:rPr lang="zh-CN" altLang="en-US">
+                <a:sym typeface="+mn-ea"/>
+              </a:rPr>
+              <a:t>应用场景：</a:t>
+            </a:r>
+            <a:endParaRPr lang="zh-CN" altLang="en-US">
+              <a:sym typeface="+mn-ea"/>
+            </a:endParaRPr>
+          </a:p>
+          <a:p>
+            <a:r>
+              <a:rPr lang="en-US" altLang="zh-CN">
+                <a:sym typeface="+mn-ea"/>
+              </a:rPr>
+              <a:t>	</a:t>
+            </a:r>
+            <a:r>
+              <a:rPr lang="zh-CN" altLang="en-US">
+                <a:sym typeface="+mn-ea"/>
+              </a:rPr>
+              <a:t>初始使用</a:t>
+            </a:r>
+            <a:r>
+              <a:rPr lang="en-US" altLang="zh-CN">
+                <a:sym typeface="+mn-ea"/>
+              </a:rPr>
+              <a:t>git</a:t>
+            </a:r>
+            <a:r>
+              <a:rPr lang="zh-CN" altLang="en-US">
+                <a:sym typeface="+mn-ea"/>
+              </a:rPr>
+              <a:t>时配置，冲突解决时安装检测工具配置</a:t>
+            </a:r>
+            <a:r>
+              <a:rPr lang="zh-CN" altLang="en-US">
+                <a:sym typeface="+mn-ea"/>
+              </a:rPr>
+              <a:t>，</a:t>
+            </a:r>
+            <a:endParaRPr lang="zh-CN" altLang="en-US"/>
+          </a:p>
+          <a:p>
+            <a:r>
+              <a:rPr lang="en-US">
+                <a:solidFill>
+                  <a:srgbClr val="24292F"/>
+                </a:solidFill>
+                <a:latin typeface="Consolas" panose="020B0609020204030204" charset="0"/>
+                <a:ea typeface="宋体" panose="02010600030101010101" pitchFamily="2" charset="-122"/>
+                <a:sym typeface="+mn-ea"/>
+              </a:rPr>
+              <a:t>git remote add origin</a:t>
+            </a:r>
+            <a:r>
+              <a:rPr lang="en-US">
+                <a:solidFill>
+                  <a:srgbClr val="24292F"/>
+                </a:solidFill>
+                <a:latin typeface="Consolas" panose="020B0609020204030204" charset="0"/>
+                <a:ea typeface="宋体" panose="02010600030101010101" pitchFamily="2" charset="-122"/>
+                <a:cs typeface="Consolas" panose="020B0609020204030204" charset="0"/>
+                <a:sym typeface="+mn-ea"/>
+              </a:rPr>
+              <a:t> </a:t>
+            </a:r>
+            <a:r>
+              <a:rPr lang="zh-CN" altLang="en-US">
+                <a:solidFill>
+                  <a:srgbClr val="24292F"/>
+                </a:solidFill>
+                <a:latin typeface="Consolas" panose="020B0609020204030204" charset="0"/>
+                <a:ea typeface="宋体" panose="02010600030101010101" pitchFamily="2" charset="-122"/>
+                <a:cs typeface="Consolas" panose="020B0609020204030204" charset="0"/>
+                <a:sym typeface="+mn-ea"/>
+              </a:rPr>
+              <a:t>地址  默认添加在项目本地的配置文件中（</a:t>
+            </a:r>
+            <a:r>
+              <a:rPr lang="en-US" altLang="zh-CN">
+                <a:solidFill>
+                  <a:srgbClr val="24292F"/>
+                </a:solidFill>
+                <a:latin typeface="Consolas" panose="020B0609020204030204" charset="0"/>
+                <a:ea typeface="宋体" panose="02010600030101010101" pitchFamily="2" charset="-122"/>
+                <a:cs typeface="Consolas" panose="020B0609020204030204" charset="0"/>
+                <a:sym typeface="+mn-ea"/>
+              </a:rPr>
+              <a:t>--local</a:t>
+            </a:r>
+            <a:r>
+              <a:rPr lang="zh-CN" altLang="en-US">
+                <a:solidFill>
+                  <a:srgbClr val="24292F"/>
+                </a:solidFill>
+                <a:latin typeface="Consolas" panose="020B0609020204030204" charset="0"/>
+                <a:ea typeface="宋体" panose="02010600030101010101" pitchFamily="2" charset="-122"/>
+                <a:cs typeface="Consolas" panose="020B0609020204030204" charset="0"/>
+                <a:sym typeface="+mn-ea"/>
+              </a:rPr>
+              <a:t>）</a:t>
+            </a:r>
+            <a:endParaRPr lang="zh-CN" altLang="en-US">
+              <a:solidFill>
+                <a:srgbClr val="24292F"/>
+              </a:solidFill>
+              <a:latin typeface="Consolas" panose="020B0609020204030204" charset="0"/>
+              <a:ea typeface="宋体" panose="02010600030101010101" pitchFamily="2" charset="-122"/>
+              <a:cs typeface="Consolas" panose="020B0609020204030204" charset="0"/>
+              <a:sym typeface="+mn-ea"/>
+            </a:endParaRPr>
           </a:p>
         </p:txBody>
       </p:sp>
@@ -3116,28 +3616,784 @@
             <p:ph type="ctrTitle"/>
           </p:nvPr>
         </p:nvSpPr>
-        <p:spPr/>
+        <p:spPr>
+          <a:xfrm>
+            <a:off x="1524000" y="1122680"/>
+            <a:ext cx="9144000" cy="641985"/>
+          </a:xfrm>
+        </p:spPr>
         <p:txBody>
           <a:bodyPr/>
           <a:p>
-            <a:endParaRPr lang="zh-CN" altLang="en-US"/>
-          </a:p>
-        </p:txBody>
-      </p:sp>
-      <p:sp>
-        <p:nvSpPr>
-          <p:cNvPr id="3" name="副标题 2"/>
+            <a:r>
+              <a:rPr lang="zh-CN" altLang="en-US" sz="2800"/>
+              <a:t>免密登录</a:t>
+            </a:r>
+            <a:endParaRPr lang="zh-CN" altLang="en-US" sz="2800"/>
+          </a:p>
+        </p:txBody>
+      </p:sp>
+      <p:sp>
+        <p:nvSpPr>
+          <p:cNvPr id="4" name="文本框 3"/>
+          <p:cNvSpPr txBox="1"/>
+          <p:nvPr/>
+        </p:nvSpPr>
+        <p:spPr>
+          <a:xfrm>
+            <a:off x="1448435" y="1999615"/>
+            <a:ext cx="10102215" cy="4523105"/>
+          </a:xfrm>
+          <a:prstGeom prst="rect">
+            <a:avLst/>
+          </a:prstGeom>
+          <a:noFill/>
+        </p:spPr>
+        <p:txBody>
+          <a:bodyPr wrap="square" rtlCol="0">
+            <a:spAutoFit/>
+          </a:bodyPr>
+          <a:p>
+            <a:r>
+              <a:rPr lang="en-US" altLang="zh-CN"/>
+              <a:t>1.URL</a:t>
+            </a:r>
+            <a:r>
+              <a:rPr lang="zh-CN" altLang="en-US"/>
+              <a:t>中体现：</a:t>
+            </a:r>
+            <a:endParaRPr lang="zh-CN" altLang="en-US"/>
+          </a:p>
+          <a:p>
+            <a:r>
+              <a:rPr lang="en-US" altLang="zh-CN"/>
+              <a:t>	</a:t>
+            </a:r>
+            <a:r>
+              <a:rPr lang="zh-CN" altLang="en-US"/>
+              <a:t>原地址：</a:t>
+            </a:r>
+            <a:r>
+              <a:rPr lang="en-US" u="sng">
+                <a:solidFill>
+                  <a:srgbClr val="0000FF"/>
+                </a:solidFill>
+                <a:latin typeface="Consolas" panose="020B0609020204030204" charset="0"/>
+                <a:ea typeface="宋体" panose="02010600030101010101" pitchFamily="2" charset="-122"/>
+                <a:sym typeface="+mn-ea"/>
+                <a:hlinkClick r:id="rId1"/>
+              </a:rPr>
+              <a:t>https://github.com/szu-lqt/codeStudy.git</a:t>
+            </a:r>
+            <a:endParaRPr lang="en-US" u="sng">
+              <a:solidFill>
+                <a:srgbClr val="0000FF"/>
+              </a:solidFill>
+              <a:latin typeface="Consolas" panose="020B0609020204030204" charset="0"/>
+              <a:ea typeface="宋体" panose="02010600030101010101" pitchFamily="2" charset="-122"/>
+              <a:sym typeface="+mn-ea"/>
+              <a:hlinkClick r:id="rId1"/>
+            </a:endParaRPr>
+          </a:p>
+          <a:p>
+            <a:r>
+              <a:rPr lang="en-US" altLang="zh-CN"/>
+              <a:t>	</a:t>
+            </a:r>
+            <a:r>
+              <a:rPr lang="zh-CN" altLang="en-US"/>
+              <a:t>新地址：</a:t>
+            </a:r>
+            <a:r>
+              <a:rPr lang="en-US" u="sng">
+                <a:solidFill>
+                  <a:srgbClr val="0000FF"/>
+                </a:solidFill>
+                <a:latin typeface="Consolas" panose="020B0609020204030204" charset="0"/>
+                <a:ea typeface="宋体" panose="02010600030101010101" pitchFamily="2" charset="-122"/>
+                <a:sym typeface="+mn-ea"/>
+                <a:hlinkClick r:id="rId1"/>
+              </a:rPr>
+              <a:t>https://</a:t>
+            </a:r>
+            <a:r>
+              <a:rPr lang="zh-CN" altLang="en-US" u="sng">
+                <a:solidFill>
+                  <a:srgbClr val="0000FF"/>
+                </a:solidFill>
+                <a:latin typeface="Consolas" panose="020B0609020204030204" charset="0"/>
+                <a:ea typeface="宋体" panose="02010600030101010101" pitchFamily="2" charset="-122"/>
+                <a:sym typeface="+mn-ea"/>
+                <a:hlinkClick r:id="rId1"/>
+              </a:rPr>
+              <a:t>用户名</a:t>
+            </a:r>
+            <a:r>
+              <a:rPr lang="en-US" altLang="zh-CN" u="sng">
+                <a:solidFill>
+                  <a:srgbClr val="0000FF"/>
+                </a:solidFill>
+                <a:latin typeface="Consolas" panose="020B0609020204030204" charset="0"/>
+                <a:ea typeface="宋体" panose="02010600030101010101" pitchFamily="2" charset="-122"/>
+                <a:sym typeface="+mn-ea"/>
+                <a:hlinkClick r:id="rId1"/>
+              </a:rPr>
+              <a:t>:</a:t>
+            </a:r>
+            <a:r>
+              <a:rPr lang="zh-CN" altLang="en-US" u="sng">
+                <a:solidFill>
+                  <a:srgbClr val="0000FF"/>
+                </a:solidFill>
+                <a:latin typeface="Consolas" panose="020B0609020204030204" charset="0"/>
+                <a:ea typeface="宋体" panose="02010600030101010101" pitchFamily="2" charset="-122"/>
+                <a:sym typeface="+mn-ea"/>
+                <a:hlinkClick r:id="rId1"/>
+              </a:rPr>
+              <a:t>密码</a:t>
+            </a:r>
+            <a:r>
+              <a:rPr lang="en-US" altLang="zh-CN" u="sng">
+                <a:solidFill>
+                  <a:srgbClr val="0000FF"/>
+                </a:solidFill>
+                <a:latin typeface="Consolas" panose="020B0609020204030204" charset="0"/>
+                <a:ea typeface="宋体" panose="02010600030101010101" pitchFamily="2" charset="-122"/>
+                <a:sym typeface="+mn-ea"/>
+                <a:hlinkClick r:id="rId1"/>
+              </a:rPr>
+              <a:t>@</a:t>
+            </a:r>
+            <a:r>
+              <a:rPr lang="en-US" u="sng">
+                <a:solidFill>
+                  <a:srgbClr val="0000FF"/>
+                </a:solidFill>
+                <a:latin typeface="Consolas" panose="020B0609020204030204" charset="0"/>
+                <a:ea typeface="宋体" panose="02010600030101010101" pitchFamily="2" charset="-122"/>
+                <a:sym typeface="+mn-ea"/>
+                <a:hlinkClick r:id="rId1"/>
+              </a:rPr>
+              <a:t>github.com/szu-lqt/codeStudy.git</a:t>
+            </a:r>
+            <a:endParaRPr lang="en-US" u="sng">
+              <a:solidFill>
+                <a:srgbClr val="0000FF"/>
+              </a:solidFill>
+              <a:latin typeface="Consolas" panose="020B0609020204030204" charset="0"/>
+              <a:ea typeface="宋体" panose="02010600030101010101" pitchFamily="2" charset="-122"/>
+              <a:sym typeface="+mn-ea"/>
+              <a:hlinkClick r:id="rId1"/>
+            </a:endParaRPr>
+          </a:p>
+          <a:p>
+            <a:r>
+              <a:rPr lang="en-US">
+                <a:solidFill>
+                  <a:srgbClr val="24292F"/>
+                </a:solidFill>
+                <a:latin typeface="Consolas" panose="020B0609020204030204" charset="0"/>
+                <a:ea typeface="宋体" panose="02010600030101010101" pitchFamily="2" charset="-122"/>
+                <a:sym typeface="+mn-ea"/>
+              </a:rPr>
+              <a:t>       git remote add origin</a:t>
+            </a:r>
+            <a:r>
+              <a:rPr lang="en-US">
+                <a:solidFill>
+                  <a:srgbClr val="24292F"/>
+                </a:solidFill>
+                <a:latin typeface="Consolas" panose="020B0609020204030204" charset="0"/>
+                <a:ea typeface="宋体" panose="02010600030101010101" pitchFamily="2" charset="-122"/>
+                <a:cs typeface="Consolas" panose="020B0609020204030204" charset="0"/>
+                <a:sym typeface="+mn-ea"/>
+              </a:rPr>
+              <a:t> </a:t>
+            </a:r>
+            <a:r>
+              <a:rPr lang="en-US" u="sng">
+                <a:solidFill>
+                  <a:srgbClr val="0000FF"/>
+                </a:solidFill>
+                <a:latin typeface="Consolas" panose="020B0609020204030204" charset="0"/>
+                <a:ea typeface="宋体" panose="02010600030101010101" pitchFamily="2" charset="-122"/>
+                <a:sym typeface="+mn-ea"/>
+                <a:hlinkClick r:id="rId1"/>
+              </a:rPr>
+              <a:t>https://</a:t>
+            </a:r>
+            <a:r>
+              <a:rPr lang="zh-CN" altLang="en-US" u="sng">
+                <a:solidFill>
+                  <a:srgbClr val="0000FF"/>
+                </a:solidFill>
+                <a:latin typeface="Consolas" panose="020B0609020204030204" charset="0"/>
+                <a:ea typeface="宋体" panose="02010600030101010101" pitchFamily="2" charset="-122"/>
+                <a:sym typeface="+mn-ea"/>
+                <a:hlinkClick r:id="rId1"/>
+              </a:rPr>
+              <a:t>用户名</a:t>
+            </a:r>
+            <a:r>
+              <a:rPr lang="en-US" altLang="zh-CN" u="sng">
+                <a:solidFill>
+                  <a:srgbClr val="0000FF"/>
+                </a:solidFill>
+                <a:latin typeface="Consolas" panose="020B0609020204030204" charset="0"/>
+                <a:ea typeface="宋体" panose="02010600030101010101" pitchFamily="2" charset="-122"/>
+                <a:sym typeface="+mn-ea"/>
+                <a:hlinkClick r:id="rId1"/>
+              </a:rPr>
+              <a:t>:</a:t>
+            </a:r>
+            <a:r>
+              <a:rPr lang="zh-CN" altLang="en-US" u="sng">
+                <a:solidFill>
+                  <a:srgbClr val="0000FF"/>
+                </a:solidFill>
+                <a:latin typeface="Consolas" panose="020B0609020204030204" charset="0"/>
+                <a:ea typeface="宋体" panose="02010600030101010101" pitchFamily="2" charset="-122"/>
+                <a:sym typeface="+mn-ea"/>
+                <a:hlinkClick r:id="rId1"/>
+              </a:rPr>
+              <a:t>密码</a:t>
+            </a:r>
+            <a:r>
+              <a:rPr lang="en-US" altLang="zh-CN" u="sng">
+                <a:solidFill>
+                  <a:srgbClr val="0000FF"/>
+                </a:solidFill>
+                <a:latin typeface="Consolas" panose="020B0609020204030204" charset="0"/>
+                <a:ea typeface="宋体" panose="02010600030101010101" pitchFamily="2" charset="-122"/>
+                <a:sym typeface="+mn-ea"/>
+                <a:hlinkClick r:id="rId1"/>
+              </a:rPr>
+              <a:t>@</a:t>
+            </a:r>
+            <a:r>
+              <a:rPr lang="en-US" u="sng">
+                <a:solidFill>
+                  <a:srgbClr val="0000FF"/>
+                </a:solidFill>
+                <a:latin typeface="Consolas" panose="020B0609020204030204" charset="0"/>
+                <a:ea typeface="宋体" panose="02010600030101010101" pitchFamily="2" charset="-122"/>
+                <a:sym typeface="+mn-ea"/>
+                <a:hlinkClick r:id="rId1"/>
+              </a:rPr>
+              <a:t>github.com/szu-lqt/codeStudy.git</a:t>
+            </a:r>
+            <a:endParaRPr lang="en-US" u="sng">
+              <a:solidFill>
+                <a:srgbClr val="0000FF"/>
+              </a:solidFill>
+              <a:latin typeface="Consolas" panose="020B0609020204030204" charset="0"/>
+              <a:ea typeface="宋体" panose="02010600030101010101" pitchFamily="2" charset="-122"/>
+              <a:sym typeface="+mn-ea"/>
+              <a:hlinkClick r:id="rId1"/>
+            </a:endParaRPr>
+          </a:p>
+          <a:p>
+            <a:r>
+              <a:rPr lang="en-US" altLang="zh-CN"/>
+              <a:t>                 git push origin master</a:t>
+            </a:r>
+            <a:endParaRPr lang="en-US" altLang="zh-CN"/>
+          </a:p>
+          <a:p>
+            <a:endParaRPr lang="en-US" altLang="zh-CN"/>
+          </a:p>
+          <a:p>
+            <a:r>
+              <a:rPr lang="en-US" altLang="zh-CN"/>
+              <a:t>2.SSH</a:t>
+            </a:r>
+            <a:r>
+              <a:rPr lang="zh-CN" altLang="en-US"/>
+              <a:t>实现</a:t>
+            </a:r>
+            <a:endParaRPr lang="zh-CN" altLang="en-US"/>
+          </a:p>
+          <a:p>
+            <a:r>
+              <a:rPr lang="zh-CN" altLang="en-US"/>
+              <a:t> </a:t>
+            </a:r>
+            <a:r>
+              <a:rPr lang="en-US" altLang="zh-CN"/>
+              <a:t>	1</a:t>
+            </a:r>
+            <a:r>
+              <a:rPr lang="zh-CN" altLang="en-US"/>
+              <a:t>）生成公钥和私钥（默认放在</a:t>
+            </a:r>
+            <a:r>
+              <a:rPr lang="en-US" altLang="zh-CN"/>
+              <a:t>~/.ssh</a:t>
+            </a:r>
+            <a:r>
+              <a:rPr lang="zh-CN" altLang="en-US"/>
+              <a:t>目录下：</a:t>
+            </a:r>
+            <a:r>
+              <a:rPr lang="en-US" altLang="zh-CN"/>
+              <a:t>id_rsa.pub</a:t>
+            </a:r>
+            <a:r>
+              <a:rPr lang="zh-CN" altLang="en-US"/>
+              <a:t>公钥，</a:t>
+            </a:r>
+            <a:r>
+              <a:rPr lang="en-US" altLang="zh-CN"/>
+              <a:t>id_rsa</a:t>
+            </a:r>
+            <a:r>
+              <a:rPr lang="zh-CN" altLang="en-US"/>
+              <a:t>私钥</a:t>
+            </a:r>
+            <a:r>
+              <a:rPr lang="zh-CN" altLang="en-US"/>
+              <a:t>）：</a:t>
+            </a:r>
+            <a:endParaRPr lang="zh-CN" altLang="en-US"/>
+          </a:p>
+          <a:p>
+            <a:r>
+              <a:rPr lang="en-US" altLang="zh-CN"/>
+              <a:t>	   ssh-keygen -r rsa</a:t>
+            </a:r>
+            <a:endParaRPr lang="en-US" altLang="zh-CN"/>
+          </a:p>
+          <a:p>
+            <a:r>
+              <a:rPr lang="en-US" altLang="zh-CN"/>
+              <a:t>	2)</a:t>
+            </a:r>
+            <a:r>
+              <a:rPr lang="zh-CN" altLang="en-US"/>
+              <a:t>拷贝公钥的内容，并设置到</a:t>
+            </a:r>
+            <a:r>
+              <a:rPr lang="en-US" altLang="zh-CN"/>
+              <a:t>GitHub</a:t>
+            </a:r>
+            <a:r>
+              <a:rPr lang="zh-CN" altLang="en-US"/>
+              <a:t>中；</a:t>
+            </a:r>
+            <a:endParaRPr lang="zh-CN" altLang="en-US"/>
+          </a:p>
+          <a:p>
+            <a:r>
+              <a:rPr lang="en-US" altLang="zh-CN"/>
+              <a:t>	3</a:t>
+            </a:r>
+            <a:r>
+              <a:rPr lang="zh-CN" altLang="en-US"/>
+              <a:t>）在</a:t>
+            </a:r>
+            <a:r>
+              <a:rPr lang="en-US" altLang="zh-CN"/>
+              <a:t>git</a:t>
+            </a:r>
+            <a:r>
+              <a:rPr lang="zh-CN" altLang="en-US"/>
+              <a:t>本地中配置</a:t>
+            </a:r>
+            <a:r>
+              <a:rPr lang="en-US" altLang="zh-CN"/>
+              <a:t>ssh</a:t>
+            </a:r>
+            <a:r>
+              <a:rPr lang="zh-CN" altLang="en-US"/>
+              <a:t>地址</a:t>
+            </a:r>
+            <a:endParaRPr lang="zh-CN" altLang="en-US"/>
+          </a:p>
+          <a:p>
+            <a:r>
+              <a:rPr lang="en-US" altLang="zh-CN"/>
+              <a:t>	</a:t>
+            </a:r>
+            <a:r>
+              <a:rPr lang="en-US">
+                <a:solidFill>
+                  <a:srgbClr val="24292F"/>
+                </a:solidFill>
+                <a:latin typeface="Consolas" panose="020B0609020204030204" charset="0"/>
+                <a:ea typeface="宋体" panose="02010600030101010101" pitchFamily="2" charset="-122"/>
+                <a:sym typeface="+mn-ea"/>
+              </a:rPr>
+              <a:t>git remote add origin</a:t>
+            </a:r>
+            <a:r>
+              <a:rPr lang="en-US">
+                <a:solidFill>
+                  <a:srgbClr val="24292F"/>
+                </a:solidFill>
+                <a:latin typeface="Consolas" panose="020B0609020204030204" charset="0"/>
+                <a:ea typeface="宋体" panose="02010600030101010101" pitchFamily="2" charset="-122"/>
+                <a:cs typeface="Consolas" panose="020B0609020204030204" charset="0"/>
+                <a:sym typeface="+mn-ea"/>
+              </a:rPr>
+              <a:t> </a:t>
+            </a:r>
+            <a:r>
+              <a:rPr lang="en-US" u="sng">
+                <a:solidFill>
+                  <a:srgbClr val="0000FF"/>
+                </a:solidFill>
+                <a:latin typeface="Consolas" panose="020B0609020204030204" charset="0"/>
+                <a:ea typeface="宋体" panose="02010600030101010101" pitchFamily="2" charset="-122"/>
+                <a:sym typeface="+mn-ea"/>
+                <a:hlinkClick r:id="rId1"/>
+              </a:rPr>
+              <a:t>git</a:t>
+            </a:r>
+            <a:r>
+              <a:rPr lang="en-US" altLang="zh-CN" u="sng">
+                <a:solidFill>
+                  <a:srgbClr val="0000FF"/>
+                </a:solidFill>
+                <a:latin typeface="Consolas" panose="020B0609020204030204" charset="0"/>
+                <a:ea typeface="宋体" panose="02010600030101010101" pitchFamily="2" charset="-122"/>
+                <a:sym typeface="+mn-ea"/>
+                <a:hlinkClick r:id="rId1"/>
+              </a:rPr>
+              <a:t>@</a:t>
+            </a:r>
+            <a:r>
+              <a:rPr lang="en-US" u="sng">
+                <a:solidFill>
+                  <a:srgbClr val="0000FF"/>
+                </a:solidFill>
+                <a:latin typeface="Consolas" panose="020B0609020204030204" charset="0"/>
+                <a:ea typeface="宋体" panose="02010600030101010101" pitchFamily="2" charset="-122"/>
+                <a:sym typeface="+mn-ea"/>
+                <a:hlinkClick r:id="rId1"/>
+              </a:rPr>
+              <a:t>github.com:szu-lqt/codeStudy.git</a:t>
+            </a:r>
+            <a:endParaRPr lang="en-US" u="sng">
+              <a:solidFill>
+                <a:srgbClr val="0000FF"/>
+              </a:solidFill>
+              <a:latin typeface="Consolas" panose="020B0609020204030204" charset="0"/>
+              <a:ea typeface="宋体" panose="02010600030101010101" pitchFamily="2" charset="-122"/>
+              <a:sym typeface="+mn-ea"/>
+              <a:hlinkClick r:id="rId1"/>
+            </a:endParaRPr>
+          </a:p>
+          <a:p>
+            <a:r>
+              <a:rPr lang="en-US" altLang="zh-CN"/>
+              <a:t>	4)</a:t>
+            </a:r>
+            <a:r>
+              <a:rPr lang="zh-CN" altLang="en-US"/>
+              <a:t>以后使用</a:t>
+            </a:r>
+            <a:endParaRPr lang="zh-CN" altLang="en-US"/>
+          </a:p>
+          <a:p>
+            <a:r>
+              <a:rPr lang="en-US" altLang="zh-CN"/>
+              <a:t>	</a:t>
+            </a:r>
+            <a:r>
+              <a:rPr lang="en-US" altLang="zh-CN">
+                <a:sym typeface="+mn-ea"/>
+              </a:rPr>
+              <a:t>git push origin master</a:t>
+            </a:r>
+            <a:endParaRPr lang="en-US" altLang="zh-CN">
+              <a:sym typeface="+mn-ea"/>
+            </a:endParaRPr>
+          </a:p>
+          <a:p>
+            <a:r>
+              <a:rPr lang="en-US" altLang="zh-CN"/>
+              <a:t>3.git</a:t>
+            </a:r>
+            <a:r>
+              <a:rPr lang="zh-CN" altLang="en-US"/>
+              <a:t>自动管理凭证（基于操作系统自动完成</a:t>
+            </a:r>
+            <a:r>
+              <a:rPr lang="zh-CN" altLang="en-US"/>
+              <a:t>）</a:t>
+            </a:r>
+            <a:endParaRPr lang="zh-CN" altLang="en-US"/>
+          </a:p>
+        </p:txBody>
+      </p:sp>
+    </p:spTree>
+  </p:cSld>
+  <p:clrMapOvr>
+    <a:masterClrMapping/>
+  </p:clrMapOvr>
+</p:sld>
+</file>
+
+<file path=ppt/slides/slide13.xml><?xml version="1.0" encoding="utf-8"?>
+<p:sld xmlns:a="http://schemas.openxmlformats.org/drawingml/2006/main" xmlns:r="http://schemas.openxmlformats.org/officeDocument/2006/relationships" xmlns:p="http://schemas.openxmlformats.org/presentationml/2006/main">
+  <p:cSld>
+    <p:spTree>
+      <p:nvGrpSpPr>
+        <p:cNvPr id="1" name=""/>
+        <p:cNvGrpSpPr/>
+        <p:nvPr/>
+      </p:nvGrpSpPr>
+      <p:grpSpPr/>
+      <p:sp>
+        <p:nvSpPr>
+          <p:cNvPr id="2" name="标题 1"/>
           <p:cNvSpPr>
             <a:spLocks noGrp="1"/>
           </p:cNvSpPr>
           <p:nvPr>
-            <p:ph type="subTitle" idx="1"/>
+            <p:ph type="ctrTitle"/>
           </p:nvPr>
         </p:nvSpPr>
-        <p:spPr/>
+        <p:spPr>
+          <a:xfrm>
+            <a:off x="1524000" y="1122680"/>
+            <a:ext cx="9144000" cy="511175"/>
+          </a:xfrm>
+        </p:spPr>
+        <p:txBody>
+          <a:bodyPr>
+            <a:normAutofit fontScale="90000"/>
+          </a:bodyPr>
+          <a:p>
+            <a:r>
+              <a:rPr lang="en-US" altLang="zh-CN" sz="2800"/>
+              <a:t>git</a:t>
+            </a:r>
+            <a:r>
+              <a:rPr lang="zh-CN" altLang="en-US" sz="2800"/>
+              <a:t>忽略文件</a:t>
+            </a:r>
+            <a:endParaRPr lang="zh-CN" altLang="en-US" sz="2800"/>
+          </a:p>
+        </p:txBody>
+      </p:sp>
+      <p:sp>
+        <p:nvSpPr>
+          <p:cNvPr id="4" name="文本框 3"/>
+          <p:cNvSpPr txBox="1"/>
+          <p:nvPr/>
+        </p:nvSpPr>
+        <p:spPr>
+          <a:xfrm>
+            <a:off x="1491615" y="1826895"/>
+            <a:ext cx="9525000" cy="2584450"/>
+          </a:xfrm>
+          <a:prstGeom prst="rect">
+            <a:avLst/>
+          </a:prstGeom>
+          <a:noFill/>
+        </p:spPr>
+        <p:txBody>
+          <a:bodyPr wrap="square" rtlCol="0">
+            <a:spAutoFit/>
+          </a:bodyPr>
+          <a:p>
+            <a:r>
+              <a:rPr lang="zh-CN" altLang="en-US"/>
+              <a:t>让</a:t>
+            </a:r>
+            <a:r>
+              <a:rPr lang="en-US" altLang="zh-CN"/>
+              <a:t>git</a:t>
+            </a:r>
+            <a:r>
+              <a:rPr lang="zh-CN" altLang="en-US"/>
+              <a:t>不再管理当前目录下的某些文件</a:t>
+            </a:r>
+            <a:endParaRPr lang="zh-CN" altLang="en-US"/>
+          </a:p>
+          <a:p>
+            <a:endParaRPr lang="zh-CN" altLang="en-US"/>
+          </a:p>
+          <a:p>
+            <a:r>
+              <a:rPr lang="en-US" altLang="zh-CN"/>
+              <a:t>	*.h</a:t>
+            </a:r>
+            <a:endParaRPr lang="en-US" altLang="zh-CN"/>
+          </a:p>
+          <a:p>
+            <a:r>
+              <a:rPr lang="en-US" altLang="zh-CN"/>
+              <a:t>	!a.h</a:t>
+            </a:r>
+            <a:endParaRPr lang="en-US" altLang="zh-CN"/>
+          </a:p>
+          <a:p>
+            <a:r>
+              <a:rPr lang="en-US" altLang="zh-CN"/>
+              <a:t>	flies/</a:t>
+            </a:r>
+            <a:endParaRPr lang="en-US" altLang="zh-CN"/>
+          </a:p>
+          <a:p>
+            <a:r>
+              <a:rPr lang="en-US" altLang="zh-CN"/>
+              <a:t>	.gitignore</a:t>
+            </a:r>
+            <a:endParaRPr lang="en-US" altLang="zh-CN"/>
+          </a:p>
+          <a:p>
+            <a:r>
+              <a:rPr lang="en-US" altLang="zh-CN"/>
+              <a:t>	*.py[c|a|d]      </a:t>
+            </a:r>
+            <a:r>
+              <a:rPr lang="en-US" altLang="zh-CN">
+                <a:solidFill>
+                  <a:srgbClr val="FF0000"/>
+                </a:solidFill>
+              </a:rPr>
+              <a:t> //</a:t>
+            </a:r>
+            <a:r>
+              <a:rPr lang="zh-CN" altLang="en-US">
+                <a:solidFill>
+                  <a:srgbClr val="FF0000"/>
+                </a:solidFill>
+              </a:rPr>
+              <a:t>忽略掉以</a:t>
+            </a:r>
+            <a:r>
+              <a:rPr lang="en-US" altLang="zh-CN">
+                <a:solidFill>
+                  <a:srgbClr val="FF0000"/>
+                </a:solidFill>
+              </a:rPr>
+              <a:t>pyc/pya/pyd</a:t>
+            </a:r>
+            <a:r>
+              <a:rPr lang="zh-CN" altLang="en-US">
+                <a:solidFill>
+                  <a:srgbClr val="FF0000"/>
+                </a:solidFill>
+              </a:rPr>
+              <a:t>结尾的文件</a:t>
+            </a:r>
+            <a:endParaRPr lang="en-US" altLang="zh-CN"/>
+          </a:p>
+          <a:p>
+            <a:r>
+              <a:rPr lang="zh-CN" altLang="en-US"/>
+              <a:t>具体可以参考：</a:t>
+            </a:r>
+            <a:endParaRPr lang="zh-CN" altLang="en-US"/>
+          </a:p>
+          <a:p>
+            <a:r>
+              <a:rPr lang="en-US" altLang="zh-CN"/>
+              <a:t>	https://github.com/github/gitignore</a:t>
+            </a:r>
+            <a:endParaRPr lang="en-US" altLang="zh-CN"/>
+          </a:p>
+        </p:txBody>
+      </p:sp>
+    </p:spTree>
+  </p:cSld>
+  <p:clrMapOvr>
+    <a:masterClrMapping/>
+  </p:clrMapOvr>
+</p:sld>
+</file>
+
+<file path=ppt/slides/slide14.xml><?xml version="1.0" encoding="utf-8"?>
+<p:sld xmlns:a="http://schemas.openxmlformats.org/drawingml/2006/main" xmlns:r="http://schemas.openxmlformats.org/officeDocument/2006/relationships" xmlns:p="http://schemas.openxmlformats.org/presentationml/2006/main">
+  <p:cSld>
+    <p:spTree>
+      <p:nvGrpSpPr>
+        <p:cNvPr id="1" name=""/>
+        <p:cNvGrpSpPr/>
+        <p:nvPr/>
+      </p:nvGrpSpPr>
+      <p:grpSpPr/>
+      <p:sp>
+        <p:nvSpPr>
+          <p:cNvPr id="2" name="标题 1"/>
+          <p:cNvSpPr>
+            <a:spLocks noGrp="1"/>
+          </p:cNvSpPr>
+          <p:nvPr>
+            <p:ph type="ctrTitle"/>
+          </p:nvPr>
+        </p:nvSpPr>
+        <p:spPr>
+          <a:xfrm>
+            <a:off x="1524000" y="661035"/>
+            <a:ext cx="9144000" cy="670560"/>
+          </a:xfrm>
+        </p:spPr>
         <p:txBody>
           <a:bodyPr/>
           <a:p>
+            <a:r>
+              <a:rPr lang="en-US" altLang="zh-CN" sz="2800"/>
+              <a:t>GitHub</a:t>
+            </a:r>
+            <a:r>
+              <a:rPr lang="zh-CN" altLang="en-US" sz="2800"/>
+              <a:t>任务管理</a:t>
+            </a:r>
+            <a:endParaRPr lang="zh-CN" altLang="en-US" sz="2800"/>
+          </a:p>
+        </p:txBody>
+      </p:sp>
+      <p:sp>
+        <p:nvSpPr>
+          <p:cNvPr id="4" name="文本框 3"/>
+          <p:cNvSpPr txBox="1"/>
+          <p:nvPr/>
+        </p:nvSpPr>
+        <p:spPr>
+          <a:xfrm>
+            <a:off x="1563370" y="1797685"/>
+            <a:ext cx="10650855" cy="922020"/>
+          </a:xfrm>
+          <a:prstGeom prst="rect">
+            <a:avLst/>
+          </a:prstGeom>
+          <a:noFill/>
+        </p:spPr>
+        <p:txBody>
+          <a:bodyPr wrap="square" rtlCol="0">
+            <a:spAutoFit/>
+          </a:bodyPr>
+          <a:p>
+            <a:r>
+              <a:rPr lang="en-US" altLang="zh-CN"/>
+              <a:t>1. issues</a:t>
+            </a:r>
+            <a:r>
+              <a:rPr lang="zh-CN" altLang="en-US"/>
+              <a:t>， 文档以及任务管理</a:t>
+            </a:r>
+            <a:r>
+              <a:rPr lang="en-US" altLang="zh-CN"/>
+              <a:t>  </a:t>
+            </a:r>
+            <a:endParaRPr lang="en-US" altLang="zh-CN"/>
+          </a:p>
+          <a:p>
+            <a:endParaRPr lang="en-US" altLang="zh-CN"/>
+          </a:p>
+          <a:p>
+            <a:r>
+              <a:rPr lang="en-US" altLang="zh-CN"/>
+              <a:t>2. Wiki</a:t>
+            </a:r>
+            <a:r>
+              <a:rPr lang="zh-CN" altLang="en-US"/>
+              <a:t>， 项目文档</a:t>
+            </a:r>
             <a:endParaRPr lang="zh-CN" altLang="en-US"/>
           </a:p>
         </p:txBody>
@@ -7773,13 +9029,13 @@
       </p:sp>
       <p:sp>
         <p:nvSpPr>
-          <p:cNvPr id="65" name="圆角矩形 64"/>
+          <p:cNvPr id="66" name="圆角矩形 65"/>
           <p:cNvSpPr/>
           <p:nvPr/>
         </p:nvSpPr>
         <p:spPr>
           <a:xfrm>
-            <a:off x="7388860" y="2127885"/>
+            <a:off x="5827395" y="4347845"/>
             <a:ext cx="536575" cy="555625"/>
           </a:xfrm>
           <a:prstGeom prst="roundRect">
@@ -7812,13 +9068,13 @@
       </p:sp>
       <p:sp>
         <p:nvSpPr>
-          <p:cNvPr id="66" name="圆角矩形 65"/>
+          <p:cNvPr id="67" name="圆角矩形 66"/>
           <p:cNvSpPr/>
           <p:nvPr/>
         </p:nvSpPr>
         <p:spPr>
           <a:xfrm>
-            <a:off x="5827395" y="4347845"/>
+            <a:off x="6713855" y="2969260"/>
             <a:ext cx="536575" cy="555625"/>
           </a:xfrm>
           <a:prstGeom prst="roundRect">
@@ -7851,13 +9107,13 @@
       </p:sp>
       <p:sp>
         <p:nvSpPr>
-          <p:cNvPr id="67" name="圆角矩形 66"/>
+          <p:cNvPr id="68" name="圆角矩形 67"/>
           <p:cNvSpPr/>
           <p:nvPr/>
         </p:nvSpPr>
         <p:spPr>
           <a:xfrm>
-            <a:off x="6713855" y="2969260"/>
+            <a:off x="5682615" y="5673090"/>
             <a:ext cx="536575" cy="555625"/>
           </a:xfrm>
           <a:prstGeom prst="roundRect">
@@ -7890,13 +9146,13 @@
       </p:sp>
       <p:sp>
         <p:nvSpPr>
-          <p:cNvPr id="68" name="圆角矩形 67"/>
+          <p:cNvPr id="69" name="圆角矩形 68"/>
           <p:cNvSpPr/>
           <p:nvPr/>
         </p:nvSpPr>
         <p:spPr>
           <a:xfrm>
-            <a:off x="5682615" y="5673090"/>
+            <a:off x="4623435" y="5673725"/>
             <a:ext cx="536575" cy="555625"/>
           </a:xfrm>
           <a:prstGeom prst="roundRect">
@@ -7929,13 +9185,412 @@
       </p:sp>
       <p:sp>
         <p:nvSpPr>
-          <p:cNvPr id="69" name="圆角矩形 68"/>
+          <p:cNvPr id="70" name="左箭头 69"/>
           <p:cNvSpPr/>
           <p:nvPr/>
         </p:nvSpPr>
         <p:spPr>
           <a:xfrm>
-            <a:off x="4623435" y="5673725"/>
+            <a:off x="3239770" y="3209290"/>
+            <a:ext cx="3474085" cy="76200"/>
+          </a:xfrm>
+          <a:prstGeom prst="leftArrow">
+            <a:avLst/>
+          </a:prstGeom>
+        </p:spPr>
+        <p:style>
+          <a:lnRef idx="2">
+            <a:schemeClr val="accent1">
+              <a:shade val="50000"/>
+            </a:schemeClr>
+          </a:lnRef>
+          <a:fillRef idx="1">
+            <a:schemeClr val="accent1"/>
+          </a:fillRef>
+          <a:effectRef idx="0">
+            <a:schemeClr val="accent1"/>
+          </a:effectRef>
+          <a:fontRef idx="minor">
+            <a:schemeClr val="lt1"/>
+          </a:fontRef>
+        </p:style>
+        <p:txBody>
+          <a:bodyPr rtlCol="0" anchor="ctr"/>
+          <a:p>
+            <a:pPr algn="ctr"/>
+            <a:endParaRPr lang="zh-CN" altLang="en-US"/>
+          </a:p>
+        </p:txBody>
+      </p:sp>
+      <p:sp>
+        <p:nvSpPr>
+          <p:cNvPr id="71" name="左箭头 70"/>
+          <p:cNvSpPr/>
+          <p:nvPr/>
+        </p:nvSpPr>
+        <p:spPr>
+          <a:xfrm>
+            <a:off x="5321300" y="4639310"/>
+            <a:ext cx="421640" cy="75565"/>
+          </a:xfrm>
+          <a:prstGeom prst="leftArrow">
+            <a:avLst/>
+          </a:prstGeom>
+        </p:spPr>
+        <p:style>
+          <a:lnRef idx="2">
+            <a:schemeClr val="accent1">
+              <a:shade val="50000"/>
+            </a:schemeClr>
+          </a:lnRef>
+          <a:fillRef idx="1">
+            <a:schemeClr val="accent1"/>
+          </a:fillRef>
+          <a:effectRef idx="0">
+            <a:schemeClr val="accent1"/>
+          </a:effectRef>
+          <a:fontRef idx="minor">
+            <a:schemeClr val="lt1"/>
+          </a:fontRef>
+        </p:style>
+        <p:txBody>
+          <a:bodyPr rtlCol="0" anchor="ctr"/>
+          <a:p>
+            <a:pPr algn="ctr"/>
+            <a:endParaRPr lang="zh-CN" altLang="en-US"/>
+          </a:p>
+        </p:txBody>
+      </p:sp>
+      <p:sp>
+        <p:nvSpPr>
+          <p:cNvPr id="72" name="左箭头 71"/>
+          <p:cNvSpPr/>
+          <p:nvPr/>
+        </p:nvSpPr>
+        <p:spPr>
+          <a:xfrm>
+            <a:off x="5231765" y="5913120"/>
+            <a:ext cx="421640" cy="75565"/>
+          </a:xfrm>
+          <a:prstGeom prst="leftArrow">
+            <a:avLst/>
+          </a:prstGeom>
+        </p:spPr>
+        <p:style>
+          <a:lnRef idx="2">
+            <a:schemeClr val="accent1">
+              <a:shade val="50000"/>
+            </a:schemeClr>
+          </a:lnRef>
+          <a:fillRef idx="1">
+            <a:schemeClr val="accent1"/>
+          </a:fillRef>
+          <a:effectRef idx="0">
+            <a:schemeClr val="accent1"/>
+          </a:effectRef>
+          <a:fontRef idx="minor">
+            <a:schemeClr val="lt1"/>
+          </a:fontRef>
+        </p:style>
+        <p:txBody>
+          <a:bodyPr rtlCol="0" anchor="ctr"/>
+          <a:p>
+            <a:pPr algn="ctr"/>
+            <a:endParaRPr lang="zh-CN" altLang="en-US"/>
+          </a:p>
+        </p:txBody>
+      </p:sp>
+      <p:sp>
+        <p:nvSpPr>
+          <p:cNvPr id="73" name="左箭头 72"/>
+          <p:cNvSpPr/>
+          <p:nvPr/>
+        </p:nvSpPr>
+        <p:spPr>
+          <a:xfrm>
+            <a:off x="4091305" y="5913120"/>
+            <a:ext cx="421640" cy="76200"/>
+          </a:xfrm>
+          <a:prstGeom prst="leftArrow">
+            <a:avLst/>
+          </a:prstGeom>
+        </p:spPr>
+        <p:style>
+          <a:lnRef idx="2">
+            <a:schemeClr val="accent1">
+              <a:shade val="50000"/>
+            </a:schemeClr>
+          </a:lnRef>
+          <a:fillRef idx="1">
+            <a:schemeClr val="accent1"/>
+          </a:fillRef>
+          <a:effectRef idx="0">
+            <a:schemeClr val="accent1"/>
+          </a:effectRef>
+          <a:fontRef idx="minor">
+            <a:schemeClr val="lt1"/>
+          </a:fontRef>
+        </p:style>
+        <p:txBody>
+          <a:bodyPr rtlCol="0" anchor="ctr"/>
+          <a:p>
+            <a:pPr algn="ctr"/>
+            <a:endParaRPr lang="zh-CN" altLang="en-US"/>
+          </a:p>
+        </p:txBody>
+      </p:sp>
+      <p:sp>
+        <p:nvSpPr>
+          <p:cNvPr id="74" name="左箭头 73"/>
+          <p:cNvSpPr/>
+          <p:nvPr/>
+        </p:nvSpPr>
+        <p:spPr>
+          <a:xfrm>
+            <a:off x="2669540" y="1603375"/>
+            <a:ext cx="5694045" cy="94615"/>
+          </a:xfrm>
+          <a:prstGeom prst="leftArrow">
+            <a:avLst/>
+          </a:prstGeom>
+        </p:spPr>
+        <p:style>
+          <a:lnRef idx="2">
+            <a:schemeClr val="accent1">
+              <a:shade val="50000"/>
+            </a:schemeClr>
+          </a:lnRef>
+          <a:fillRef idx="1">
+            <a:schemeClr val="accent1"/>
+          </a:fillRef>
+          <a:effectRef idx="0">
+            <a:schemeClr val="accent1"/>
+          </a:effectRef>
+          <a:fontRef idx="minor">
+            <a:schemeClr val="lt1"/>
+          </a:fontRef>
+        </p:style>
+        <p:txBody>
+          <a:bodyPr rtlCol="0" anchor="ctr"/>
+          <a:p>
+            <a:pPr algn="ctr"/>
+            <a:endParaRPr lang="zh-CN" altLang="en-US"/>
+          </a:p>
+        </p:txBody>
+      </p:sp>
+      <p:sp>
+        <p:nvSpPr>
+          <p:cNvPr id="75" name="左箭头 74"/>
+          <p:cNvSpPr/>
+          <p:nvPr/>
+        </p:nvSpPr>
+        <p:spPr>
+          <a:xfrm>
+            <a:off x="7925435" y="2306955"/>
+            <a:ext cx="224790" cy="113665"/>
+          </a:xfrm>
+          <a:prstGeom prst="leftArrow">
+            <a:avLst/>
+          </a:prstGeom>
+        </p:spPr>
+        <p:style>
+          <a:lnRef idx="2">
+            <a:schemeClr val="accent1">
+              <a:shade val="50000"/>
+            </a:schemeClr>
+          </a:lnRef>
+          <a:fillRef idx="1">
+            <a:schemeClr val="accent1"/>
+          </a:fillRef>
+          <a:effectRef idx="0">
+            <a:schemeClr val="accent1"/>
+          </a:effectRef>
+          <a:fontRef idx="minor">
+            <a:schemeClr val="lt1"/>
+          </a:fontRef>
+        </p:style>
+        <p:txBody>
+          <a:bodyPr rtlCol="0" anchor="ctr"/>
+          <a:p>
+            <a:pPr algn="ctr"/>
+            <a:endParaRPr lang="zh-CN" altLang="en-US"/>
+          </a:p>
+        </p:txBody>
+      </p:sp>
+      <p:sp>
+        <p:nvSpPr>
+          <p:cNvPr id="76" name="左箭头 75"/>
+          <p:cNvSpPr/>
+          <p:nvPr/>
+        </p:nvSpPr>
+        <p:spPr>
+          <a:xfrm rot="18360000">
+            <a:off x="6988175" y="2675890"/>
+            <a:ext cx="421640" cy="75565"/>
+          </a:xfrm>
+          <a:prstGeom prst="leftArrow">
+            <a:avLst/>
+          </a:prstGeom>
+        </p:spPr>
+        <p:style>
+          <a:lnRef idx="2">
+            <a:schemeClr val="accent1">
+              <a:shade val="50000"/>
+            </a:schemeClr>
+          </a:lnRef>
+          <a:fillRef idx="1">
+            <a:schemeClr val="accent1"/>
+          </a:fillRef>
+          <a:effectRef idx="0">
+            <a:schemeClr val="accent1"/>
+          </a:effectRef>
+          <a:fontRef idx="minor">
+            <a:schemeClr val="lt1"/>
+          </a:fontRef>
+        </p:style>
+        <p:txBody>
+          <a:bodyPr rtlCol="0" anchor="ctr"/>
+          <a:p>
+            <a:pPr algn="ctr"/>
+            <a:endParaRPr lang="zh-CN" altLang="en-US"/>
+          </a:p>
+        </p:txBody>
+      </p:sp>
+      <p:sp>
+        <p:nvSpPr>
+          <p:cNvPr id="77" name="左箭头 76"/>
+          <p:cNvSpPr/>
+          <p:nvPr/>
+        </p:nvSpPr>
+        <p:spPr>
+          <a:xfrm rot="18240000">
+            <a:off x="6115050" y="3898265"/>
+            <a:ext cx="869950" cy="113665"/>
+          </a:xfrm>
+          <a:prstGeom prst="leftArrow">
+            <a:avLst/>
+          </a:prstGeom>
+        </p:spPr>
+        <p:style>
+          <a:lnRef idx="2">
+            <a:schemeClr val="accent1">
+              <a:shade val="50000"/>
+            </a:schemeClr>
+          </a:lnRef>
+          <a:fillRef idx="1">
+            <a:schemeClr val="accent1"/>
+          </a:fillRef>
+          <a:effectRef idx="0">
+            <a:schemeClr val="accent1"/>
+          </a:effectRef>
+          <a:fontRef idx="minor">
+            <a:schemeClr val="lt1"/>
+          </a:fontRef>
+        </p:style>
+        <p:txBody>
+          <a:bodyPr rtlCol="0" anchor="ctr"/>
+          <a:p>
+            <a:pPr algn="ctr"/>
+            <a:endParaRPr lang="zh-CN" altLang="en-US"/>
+          </a:p>
+        </p:txBody>
+      </p:sp>
+      <p:sp>
+        <p:nvSpPr>
+          <p:cNvPr id="78" name="文本框 77"/>
+          <p:cNvSpPr txBox="1"/>
+          <p:nvPr/>
+        </p:nvSpPr>
+        <p:spPr>
+          <a:xfrm>
+            <a:off x="5979160" y="3771265"/>
+            <a:ext cx="1409700" cy="368300"/>
+          </a:xfrm>
+          <a:prstGeom prst="rect">
+            <a:avLst/>
+          </a:prstGeom>
+          <a:noFill/>
+        </p:spPr>
+        <p:txBody>
+          <a:bodyPr wrap="square" rtlCol="0">
+            <a:spAutoFit/>
+          </a:bodyPr>
+          <a:p>
+            <a:r>
+              <a:rPr lang="en-US" altLang="zh-CN"/>
+              <a:t>code  review</a:t>
+            </a:r>
+            <a:endParaRPr lang="en-US" altLang="zh-CN"/>
+          </a:p>
+        </p:txBody>
+      </p:sp>
+      <p:sp>
+        <p:nvSpPr>
+          <p:cNvPr id="79" name="文本框 78"/>
+          <p:cNvSpPr txBox="1"/>
+          <p:nvPr/>
+        </p:nvSpPr>
+        <p:spPr>
+          <a:xfrm>
+            <a:off x="1651000" y="2221865"/>
+            <a:ext cx="10286365" cy="368300"/>
+          </a:xfrm>
+          <a:prstGeom prst="rect">
+            <a:avLst/>
+          </a:prstGeom>
+          <a:noFill/>
+        </p:spPr>
+        <p:txBody>
+          <a:bodyPr wrap="square" rtlCol="0">
+            <a:spAutoFit/>
+          </a:bodyPr>
+          <a:p>
+            <a:r>
+              <a:rPr lang="en-US" altLang="zh-CN"/>
+              <a:t>------------------------------------------------------------------------------------------------------------------------------------------</a:t>
+            </a:r>
+            <a:endParaRPr lang="en-US" altLang="zh-CN"/>
+          </a:p>
+        </p:txBody>
+      </p:sp>
+      <p:sp>
+        <p:nvSpPr>
+          <p:cNvPr id="80" name="文本框 79"/>
+          <p:cNvSpPr txBox="1"/>
+          <p:nvPr/>
+        </p:nvSpPr>
+        <p:spPr>
+          <a:xfrm>
+            <a:off x="6739255" y="1938655"/>
+            <a:ext cx="902970" cy="368300"/>
+          </a:xfrm>
+          <a:prstGeom prst="rect">
+            <a:avLst/>
+          </a:prstGeom>
+          <a:noFill/>
+        </p:spPr>
+        <p:txBody>
+          <a:bodyPr wrap="square" rtlCol="0">
+            <a:spAutoFit/>
+          </a:bodyPr>
+          <a:p>
+            <a:r>
+              <a:rPr lang="zh-CN" altLang="en-US"/>
+              <a:t>测试</a:t>
+            </a:r>
+            <a:endParaRPr lang="zh-CN" altLang="en-US"/>
+          </a:p>
+        </p:txBody>
+      </p:sp>
+      <p:sp>
+        <p:nvSpPr>
+          <p:cNvPr id="81" name="圆角矩形 80"/>
+          <p:cNvSpPr/>
+          <p:nvPr/>
+        </p:nvSpPr>
+        <p:spPr>
+          <a:xfrm>
+            <a:off x="10911205" y="1383030"/>
             <a:ext cx="536575" cy="555625"/>
           </a:xfrm>
           <a:prstGeom prst="roundRect">
@@ -7968,14 +9623,170 @@
       </p:sp>
       <p:sp>
         <p:nvSpPr>
-          <p:cNvPr id="70" name="左箭头 69"/>
+          <p:cNvPr id="82" name="圆角矩形 81"/>
           <p:cNvSpPr/>
           <p:nvPr/>
         </p:nvSpPr>
         <p:spPr>
           <a:xfrm>
-            <a:off x="3239770" y="3209290"/>
-            <a:ext cx="3474085" cy="76200"/>
+            <a:off x="8376285" y="1383030"/>
+            <a:ext cx="536575" cy="555625"/>
+          </a:xfrm>
+          <a:prstGeom prst="roundRect">
+            <a:avLst/>
+          </a:prstGeom>
+        </p:spPr>
+        <p:style>
+          <a:lnRef idx="2">
+            <a:schemeClr val="accent1">
+              <a:shade val="50000"/>
+            </a:schemeClr>
+          </a:lnRef>
+          <a:fillRef idx="1">
+            <a:schemeClr val="accent1"/>
+          </a:fillRef>
+          <a:effectRef idx="0">
+            <a:schemeClr val="accent1"/>
+          </a:effectRef>
+          <a:fontRef idx="minor">
+            <a:schemeClr val="lt1"/>
+          </a:fontRef>
+        </p:style>
+        <p:txBody>
+          <a:bodyPr rtlCol="0" anchor="ctr"/>
+          <a:p>
+            <a:pPr algn="ctr"/>
+            <a:endParaRPr lang="zh-CN" altLang="en-US"/>
+          </a:p>
+        </p:txBody>
+      </p:sp>
+      <p:sp>
+        <p:nvSpPr>
+          <p:cNvPr id="83" name="圆角矩形 82"/>
+          <p:cNvSpPr/>
+          <p:nvPr/>
+        </p:nvSpPr>
+        <p:spPr>
+          <a:xfrm>
+            <a:off x="8255635" y="2128520"/>
+            <a:ext cx="536575" cy="555625"/>
+          </a:xfrm>
+          <a:prstGeom prst="roundRect">
+            <a:avLst/>
+          </a:prstGeom>
+        </p:spPr>
+        <p:style>
+          <a:lnRef idx="2">
+            <a:schemeClr val="accent1">
+              <a:shade val="50000"/>
+            </a:schemeClr>
+          </a:lnRef>
+          <a:fillRef idx="1">
+            <a:schemeClr val="accent1"/>
+          </a:fillRef>
+          <a:effectRef idx="0">
+            <a:schemeClr val="accent1"/>
+          </a:effectRef>
+          <a:fontRef idx="minor">
+            <a:schemeClr val="lt1"/>
+          </a:fontRef>
+        </p:style>
+        <p:txBody>
+          <a:bodyPr rtlCol="0" anchor="ctr"/>
+          <a:p>
+            <a:pPr algn="ctr"/>
+            <a:endParaRPr lang="zh-CN" altLang="en-US"/>
+          </a:p>
+        </p:txBody>
+      </p:sp>
+      <p:sp>
+        <p:nvSpPr>
+          <p:cNvPr id="84" name="圆角矩形 83"/>
+          <p:cNvSpPr/>
+          <p:nvPr/>
+        </p:nvSpPr>
+        <p:spPr>
+          <a:xfrm>
+            <a:off x="8458200" y="3007360"/>
+            <a:ext cx="536575" cy="555625"/>
+          </a:xfrm>
+          <a:prstGeom prst="roundRect">
+            <a:avLst/>
+          </a:prstGeom>
+        </p:spPr>
+        <p:style>
+          <a:lnRef idx="2">
+            <a:schemeClr val="accent1">
+              <a:shade val="50000"/>
+            </a:schemeClr>
+          </a:lnRef>
+          <a:fillRef idx="1">
+            <a:schemeClr val="accent1"/>
+          </a:fillRef>
+          <a:effectRef idx="0">
+            <a:schemeClr val="accent1"/>
+          </a:effectRef>
+          <a:fontRef idx="minor">
+            <a:schemeClr val="lt1"/>
+          </a:fontRef>
+        </p:style>
+        <p:txBody>
+          <a:bodyPr rtlCol="0" anchor="ctr"/>
+          <a:p>
+            <a:pPr algn="ctr"/>
+            <a:endParaRPr lang="zh-CN" altLang="en-US"/>
+          </a:p>
+        </p:txBody>
+      </p:sp>
+      <p:sp>
+        <p:nvSpPr>
+          <p:cNvPr id="85" name="圆角矩形 84"/>
+          <p:cNvSpPr/>
+          <p:nvPr/>
+        </p:nvSpPr>
+        <p:spPr>
+          <a:xfrm>
+            <a:off x="9516110" y="2997200"/>
+            <a:ext cx="536575" cy="555625"/>
+          </a:xfrm>
+          <a:prstGeom prst="roundRect">
+            <a:avLst/>
+          </a:prstGeom>
+        </p:spPr>
+        <p:style>
+          <a:lnRef idx="2">
+            <a:schemeClr val="accent1">
+              <a:shade val="50000"/>
+            </a:schemeClr>
+          </a:lnRef>
+          <a:fillRef idx="1">
+            <a:schemeClr val="accent1"/>
+          </a:fillRef>
+          <a:effectRef idx="0">
+            <a:schemeClr val="accent1"/>
+          </a:effectRef>
+          <a:fontRef idx="minor">
+            <a:schemeClr val="lt1"/>
+          </a:fontRef>
+        </p:style>
+        <p:txBody>
+          <a:bodyPr rtlCol="0" anchor="ctr"/>
+          <a:p>
+            <a:pPr algn="ctr"/>
+            <a:endParaRPr lang="zh-CN" altLang="en-US"/>
+          </a:p>
+        </p:txBody>
+      </p:sp>
+      <p:sp>
+        <p:nvSpPr>
+          <p:cNvPr id="87" name="左箭头 86"/>
+          <p:cNvSpPr/>
+          <p:nvPr/>
+        </p:nvSpPr>
+        <p:spPr>
+          <a:xfrm>
+            <a:off x="9121775" y="3209925"/>
+            <a:ext cx="270510" cy="76200"/>
           </a:xfrm>
           <a:prstGeom prst="leftArrow">
             <a:avLst/>
@@ -8007,14 +9818,14 @@
       </p:sp>
       <p:sp>
         <p:nvSpPr>
-          <p:cNvPr id="71" name="左箭头 70"/>
+          <p:cNvPr id="88" name="左箭头 87"/>
           <p:cNvSpPr/>
           <p:nvPr/>
         </p:nvSpPr>
         <p:spPr>
-          <a:xfrm>
-            <a:off x="5321300" y="4639310"/>
-            <a:ext cx="421640" cy="75565"/>
+          <a:xfrm rot="17160000">
+            <a:off x="8343265" y="1971040"/>
+            <a:ext cx="207645" cy="76200"/>
           </a:xfrm>
           <a:prstGeom prst="leftArrow">
             <a:avLst/>
@@ -8046,14 +9857,14 @@
       </p:sp>
       <p:sp>
         <p:nvSpPr>
-          <p:cNvPr id="72" name="左箭头 71"/>
+          <p:cNvPr id="89" name="左箭头 88"/>
           <p:cNvSpPr/>
           <p:nvPr/>
         </p:nvSpPr>
         <p:spPr>
           <a:xfrm>
-            <a:off x="5231765" y="5913120"/>
-            <a:ext cx="421640" cy="75565"/>
+            <a:off x="7353935" y="3208655"/>
+            <a:ext cx="1009015" cy="76200"/>
           </a:xfrm>
           <a:prstGeom prst="leftArrow">
             <a:avLst/>
@@ -8085,14 +9896,14 @@
       </p:sp>
       <p:sp>
         <p:nvSpPr>
-          <p:cNvPr id="73" name="左箭头 72"/>
+          <p:cNvPr id="90" name="左箭头 89"/>
           <p:cNvSpPr/>
           <p:nvPr/>
         </p:nvSpPr>
         <p:spPr>
-          <a:xfrm>
-            <a:off x="4091305" y="5913120"/>
-            <a:ext cx="421640" cy="76200"/>
+          <a:xfrm rot="19560000">
+            <a:off x="5945505" y="4613275"/>
+            <a:ext cx="3893185" cy="108585"/>
           </a:xfrm>
           <a:prstGeom prst="leftArrow">
             <a:avLst/>
@@ -8124,14 +9935,121 @@
       </p:sp>
       <p:sp>
         <p:nvSpPr>
-          <p:cNvPr id="74" name="左箭头 73"/>
+          <p:cNvPr id="91" name="文本框 90"/>
+          <p:cNvSpPr txBox="1"/>
+          <p:nvPr/>
+        </p:nvSpPr>
+        <p:spPr>
+          <a:xfrm>
+            <a:off x="8433435" y="1466215"/>
+            <a:ext cx="479425" cy="368300"/>
+          </a:xfrm>
+          <a:prstGeom prst="rect">
+            <a:avLst/>
+          </a:prstGeom>
+          <a:noFill/>
+        </p:spPr>
+        <p:txBody>
+          <a:bodyPr wrap="square" rtlCol="0">
+            <a:spAutoFit/>
+          </a:bodyPr>
+          <a:p>
+            <a:r>
+              <a:rPr lang="en-US" altLang="zh-CN"/>
+              <a:t>V2</a:t>
+            </a:r>
+            <a:endParaRPr lang="en-US" altLang="zh-CN"/>
+          </a:p>
+        </p:txBody>
+      </p:sp>
+      <p:sp>
+        <p:nvSpPr>
+          <p:cNvPr id="92" name="圆角矩形 91"/>
           <p:cNvSpPr/>
           <p:nvPr/>
         </p:nvSpPr>
         <p:spPr>
           <a:xfrm>
-            <a:off x="2669540" y="1603375"/>
-            <a:ext cx="5694045" cy="94615"/>
+            <a:off x="10589260" y="2085975"/>
+            <a:ext cx="536575" cy="555625"/>
+          </a:xfrm>
+          <a:prstGeom prst="roundRect">
+            <a:avLst/>
+          </a:prstGeom>
+        </p:spPr>
+        <p:style>
+          <a:lnRef idx="2">
+            <a:schemeClr val="accent1">
+              <a:shade val="50000"/>
+            </a:schemeClr>
+          </a:lnRef>
+          <a:fillRef idx="1">
+            <a:schemeClr val="accent1"/>
+          </a:fillRef>
+          <a:effectRef idx="0">
+            <a:schemeClr val="accent1"/>
+          </a:effectRef>
+          <a:fontRef idx="minor">
+            <a:schemeClr val="lt1"/>
+          </a:fontRef>
+        </p:style>
+        <p:txBody>
+          <a:bodyPr rtlCol="0" anchor="ctr"/>
+          <a:p>
+            <a:pPr algn="ctr"/>
+            <a:endParaRPr lang="zh-CN" altLang="en-US"/>
+          </a:p>
+        </p:txBody>
+      </p:sp>
+      <p:sp>
+        <p:nvSpPr>
+          <p:cNvPr id="93" name="圆角矩形 92"/>
+          <p:cNvSpPr/>
+          <p:nvPr/>
+        </p:nvSpPr>
+        <p:spPr>
+          <a:xfrm>
+            <a:off x="9657715" y="2127885"/>
+            <a:ext cx="536575" cy="555625"/>
+          </a:xfrm>
+          <a:prstGeom prst="roundRect">
+            <a:avLst/>
+          </a:prstGeom>
+        </p:spPr>
+        <p:style>
+          <a:lnRef idx="2">
+            <a:schemeClr val="accent1">
+              <a:shade val="50000"/>
+            </a:schemeClr>
+          </a:lnRef>
+          <a:fillRef idx="1">
+            <a:schemeClr val="accent1"/>
+          </a:fillRef>
+          <a:effectRef idx="0">
+            <a:schemeClr val="accent1"/>
+          </a:effectRef>
+          <a:fontRef idx="minor">
+            <a:schemeClr val="lt1"/>
+          </a:fontRef>
+        </p:style>
+        <p:txBody>
+          <a:bodyPr rtlCol="0" anchor="ctr"/>
+          <a:p>
+            <a:pPr algn="ctr"/>
+            <a:endParaRPr lang="zh-CN" altLang="en-US"/>
+          </a:p>
+        </p:txBody>
+      </p:sp>
+      <p:sp>
+        <p:nvSpPr>
+          <p:cNvPr id="94" name="左箭头 93"/>
+          <p:cNvSpPr/>
+          <p:nvPr/>
+        </p:nvSpPr>
+        <p:spPr>
+          <a:xfrm>
+            <a:off x="8994775" y="1612265"/>
+            <a:ext cx="1820545" cy="76200"/>
           </a:xfrm>
           <a:prstGeom prst="leftArrow">
             <a:avLst/>
@@ -8163,14 +10081,43 @@
       </p:sp>
       <p:sp>
         <p:nvSpPr>
-          <p:cNvPr id="75" name="左箭头 74"/>
+          <p:cNvPr id="96" name="文本框 95"/>
+          <p:cNvSpPr txBox="1"/>
+          <p:nvPr/>
+        </p:nvSpPr>
+        <p:spPr>
+          <a:xfrm>
+            <a:off x="7215505" y="4441190"/>
+            <a:ext cx="1409700" cy="368300"/>
+          </a:xfrm>
+          <a:prstGeom prst="rect">
+            <a:avLst/>
+          </a:prstGeom>
+          <a:noFill/>
+        </p:spPr>
+        <p:txBody>
+          <a:bodyPr wrap="square" rtlCol="0">
+            <a:spAutoFit/>
+          </a:bodyPr>
+          <a:p>
+            <a:r>
+              <a:rPr lang="en-US" altLang="zh-CN"/>
+              <a:t>code  review</a:t>
+            </a:r>
+            <a:endParaRPr lang="en-US" altLang="zh-CN"/>
+          </a:p>
+        </p:txBody>
+      </p:sp>
+      <p:sp>
+        <p:nvSpPr>
+          <p:cNvPr id="97" name="左箭头 96"/>
           <p:cNvSpPr/>
           <p:nvPr/>
         </p:nvSpPr>
         <p:spPr>
-          <a:xfrm>
-            <a:off x="7925435" y="2306955"/>
-            <a:ext cx="224790" cy="113665"/>
+          <a:xfrm rot="18360000">
+            <a:off x="9601200" y="2766695"/>
+            <a:ext cx="421640" cy="75565"/>
           </a:xfrm>
           <a:prstGeom prst="leftArrow">
             <a:avLst/>
@@ -8202,14 +10149,47 @@
       </p:sp>
       <p:sp>
         <p:nvSpPr>
-          <p:cNvPr id="76" name="左箭头 75"/>
+          <p:cNvPr id="99" name="文本框 98"/>
+          <p:cNvSpPr txBox="1"/>
+          <p:nvPr/>
+        </p:nvSpPr>
+        <p:spPr>
+          <a:xfrm>
+            <a:off x="9895840" y="1981200"/>
+            <a:ext cx="1072515" cy="368300"/>
+          </a:xfrm>
+          <a:prstGeom prst="rect">
+            <a:avLst/>
+          </a:prstGeom>
+          <a:noFill/>
+        </p:spPr>
+        <p:txBody>
+          <a:bodyPr wrap="square" rtlCol="0">
+            <a:spAutoFit/>
+          </a:bodyPr>
+          <a:p>
+            <a:r>
+              <a:rPr lang="en-US" altLang="zh-CN"/>
+              <a:t>bug</a:t>
+            </a:r>
+            <a:r>
+              <a:rPr lang="zh-CN" altLang="en-US"/>
+              <a:t>修复</a:t>
+            </a:r>
+            <a:endParaRPr lang="zh-CN" altLang="en-US"/>
+          </a:p>
+        </p:txBody>
+      </p:sp>
+      <p:sp>
+        <p:nvSpPr>
+          <p:cNvPr id="100" name="左箭头 99"/>
           <p:cNvSpPr/>
           <p:nvPr/>
         </p:nvSpPr>
         <p:spPr>
-          <a:xfrm rot="18360000">
-            <a:off x="6988175" y="2675890"/>
-            <a:ext cx="421640" cy="75565"/>
+          <a:xfrm>
+            <a:off x="10295890" y="2349500"/>
+            <a:ext cx="224790" cy="113665"/>
           </a:xfrm>
           <a:prstGeom prst="leftArrow">
             <a:avLst/>
@@ -8241,14 +10221,53 @@
       </p:sp>
       <p:sp>
         <p:nvSpPr>
-          <p:cNvPr id="77" name="左箭头 76"/>
+          <p:cNvPr id="101" name="圆角矩形 100"/>
           <p:cNvSpPr/>
           <p:nvPr/>
         </p:nvSpPr>
         <p:spPr>
-          <a:xfrm rot="18240000">
-            <a:off x="6115050" y="3898265"/>
-            <a:ext cx="869950" cy="113665"/>
+          <a:xfrm>
+            <a:off x="10939780" y="3007360"/>
+            <a:ext cx="536575" cy="555625"/>
+          </a:xfrm>
+          <a:prstGeom prst="roundRect">
+            <a:avLst/>
+          </a:prstGeom>
+        </p:spPr>
+        <p:style>
+          <a:lnRef idx="2">
+            <a:schemeClr val="accent1">
+              <a:shade val="50000"/>
+            </a:schemeClr>
+          </a:lnRef>
+          <a:fillRef idx="1">
+            <a:schemeClr val="accent1"/>
+          </a:fillRef>
+          <a:effectRef idx="0">
+            <a:schemeClr val="accent1"/>
+          </a:effectRef>
+          <a:fontRef idx="minor">
+            <a:schemeClr val="lt1"/>
+          </a:fontRef>
+        </p:style>
+        <p:txBody>
+          <a:bodyPr rtlCol="0" anchor="ctr"/>
+          <a:p>
+            <a:pPr algn="ctr"/>
+            <a:endParaRPr lang="zh-CN" altLang="en-US"/>
+          </a:p>
+        </p:txBody>
+      </p:sp>
+      <p:sp>
+        <p:nvSpPr>
+          <p:cNvPr id="102" name="左箭头 101"/>
+          <p:cNvSpPr/>
+          <p:nvPr/>
+        </p:nvSpPr>
+        <p:spPr>
+          <a:xfrm>
+            <a:off x="10194290" y="3208655"/>
+            <a:ext cx="733425" cy="76200"/>
           </a:xfrm>
           <a:prstGeom prst="leftArrow">
             <a:avLst/>
@@ -8280,14 +10299,14 @@
       </p:sp>
       <p:sp>
         <p:nvSpPr>
-          <p:cNvPr id="78" name="文本框 77"/>
+          <p:cNvPr id="103" name="文本框 102"/>
           <p:cNvSpPr txBox="1"/>
           <p:nvPr/>
         </p:nvSpPr>
         <p:spPr>
           <a:xfrm>
-            <a:off x="5979160" y="3771265"/>
-            <a:ext cx="1409700" cy="368300"/>
+            <a:off x="10968355" y="1466850"/>
+            <a:ext cx="479425" cy="368300"/>
           </a:xfrm>
           <a:prstGeom prst="rect">
             <a:avLst/>
@@ -8301,7 +10320,7 @@
           <a:p>
             <a:r>
               <a:rPr lang="en-US" altLang="zh-CN"/>
-              <a:t>code  review</a:t>
+              <a:t>V3</a:t>
             </a:r>
             <a:endParaRPr lang="en-US" altLang="zh-CN"/>
           </a:p>
@@ -8309,14 +10328,92 @@
       </p:sp>
       <p:sp>
         <p:nvSpPr>
-          <p:cNvPr id="79" name="文本框 78"/>
+          <p:cNvPr id="104" name="左箭头 103"/>
+          <p:cNvSpPr/>
+          <p:nvPr/>
+        </p:nvSpPr>
+        <p:spPr>
+          <a:xfrm rot="17160000">
+            <a:off x="10719435" y="1906905"/>
+            <a:ext cx="207645" cy="76200"/>
+          </a:xfrm>
+          <a:prstGeom prst="leftArrow">
+            <a:avLst/>
+          </a:prstGeom>
+        </p:spPr>
+        <p:style>
+          <a:lnRef idx="2">
+            <a:schemeClr val="accent1">
+              <a:shade val="50000"/>
+            </a:schemeClr>
+          </a:lnRef>
+          <a:fillRef idx="1">
+            <a:schemeClr val="accent1"/>
+          </a:fillRef>
+          <a:effectRef idx="0">
+            <a:schemeClr val="accent1"/>
+          </a:effectRef>
+          <a:fontRef idx="minor">
+            <a:schemeClr val="lt1"/>
+          </a:fontRef>
+        </p:style>
+        <p:txBody>
+          <a:bodyPr rtlCol="0" anchor="ctr"/>
+          <a:p>
+            <a:pPr algn="ctr"/>
+            <a:endParaRPr lang="zh-CN" altLang="en-US"/>
+          </a:p>
+        </p:txBody>
+      </p:sp>
+      <p:sp>
+        <p:nvSpPr>
+          <p:cNvPr id="105" name="左箭头 104"/>
+          <p:cNvSpPr/>
+          <p:nvPr/>
+        </p:nvSpPr>
+        <p:spPr>
+          <a:xfrm rot="2700000">
+            <a:off x="10897870" y="2754630"/>
+            <a:ext cx="254000" cy="131445"/>
+          </a:xfrm>
+          <a:prstGeom prst="leftArrow">
+            <a:avLst/>
+          </a:prstGeom>
+        </p:spPr>
+        <p:style>
+          <a:lnRef idx="2">
+            <a:schemeClr val="accent1">
+              <a:shade val="50000"/>
+            </a:schemeClr>
+          </a:lnRef>
+          <a:fillRef idx="1">
+            <a:schemeClr val="accent1"/>
+          </a:fillRef>
+          <a:effectRef idx="0">
+            <a:schemeClr val="accent1"/>
+          </a:effectRef>
+          <a:fontRef idx="minor">
+            <a:schemeClr val="lt1"/>
+          </a:fontRef>
+        </p:style>
+        <p:txBody>
+          <a:bodyPr rtlCol="0" anchor="ctr"/>
+          <a:p>
+            <a:pPr algn="ctr"/>
+            <a:endParaRPr lang="zh-CN" altLang="en-US"/>
+          </a:p>
+        </p:txBody>
+      </p:sp>
+      <p:sp>
+        <p:nvSpPr>
+          <p:cNvPr id="106" name="文本框 105"/>
           <p:cNvSpPr txBox="1"/>
           <p:nvPr/>
         </p:nvSpPr>
         <p:spPr>
           <a:xfrm>
-            <a:off x="1651000" y="2221865"/>
-            <a:ext cx="6274435" cy="368300"/>
+            <a:off x="305435" y="4809490"/>
+            <a:ext cx="2694940" cy="922020"/>
           </a:xfrm>
           <a:prstGeom prst="rect">
             <a:avLst/>
@@ -8329,23 +10426,105 @@
           </a:bodyPr>
           <a:p>
             <a:r>
-              <a:rPr lang="en-US" altLang="zh-CN"/>
-              <a:t>---------------------------------------------------------------------------------</a:t>
-            </a:r>
-            <a:endParaRPr lang="en-US" altLang="zh-CN"/>
-          </a:p>
-        </p:txBody>
-      </p:sp>
-      <p:sp>
-        <p:nvSpPr>
-          <p:cNvPr id="80" name="文本框 79"/>
+              <a:rPr lang="en-US" altLang="zh-CN">
+                <a:solidFill>
+                  <a:srgbClr val="FF0000"/>
+                </a:solidFill>
+                <a:sym typeface="+mn-ea"/>
+              </a:rPr>
+              <a:t>A</a:t>
+            </a:r>
+            <a:r>
+              <a:rPr lang="zh-CN" altLang="en-US">
+                <a:solidFill>
+                  <a:srgbClr val="FF0000"/>
+                </a:solidFill>
+                <a:sym typeface="+mn-ea"/>
+              </a:rPr>
+              <a:t>功能对应的分支</a:t>
+            </a:r>
+            <a:r>
+              <a:rPr lang="en-US" altLang="zh-CN">
+                <a:solidFill>
+                  <a:srgbClr val="FF0000"/>
+                </a:solidFill>
+                <a:sym typeface="+mn-ea"/>
+              </a:rPr>
+              <a:t>A</a:t>
+            </a:r>
+            <a:r>
+              <a:rPr lang="zh-CN" altLang="en-US">
+                <a:solidFill>
+                  <a:srgbClr val="FF0000"/>
+                </a:solidFill>
+                <a:sym typeface="+mn-ea"/>
+              </a:rPr>
+              <a:t>，可由</a:t>
+            </a:r>
+            <a:r>
+              <a:rPr lang="en-US" altLang="zh-CN">
+                <a:solidFill>
+                  <a:srgbClr val="FF0000"/>
+                </a:solidFill>
+                <a:sym typeface="+mn-ea"/>
+              </a:rPr>
+              <a:t>A</a:t>
+            </a:r>
+            <a:r>
+              <a:rPr lang="zh-CN" altLang="en-US">
+                <a:solidFill>
+                  <a:srgbClr val="FF0000"/>
+                </a:solidFill>
+                <a:sym typeface="+mn-ea"/>
+              </a:rPr>
+              <a:t>员工拉出，功能合入后可删除，</a:t>
+            </a:r>
+            <a:r>
+              <a:rPr lang="zh-CN" altLang="en-US">
+                <a:solidFill>
+                  <a:srgbClr val="FF0000"/>
+                </a:solidFill>
+                <a:sym typeface="+mn-ea"/>
+              </a:rPr>
+              <a:t>分支</a:t>
+            </a:r>
+            <a:r>
+              <a:rPr lang="en-US" altLang="zh-CN">
+                <a:solidFill>
+                  <a:srgbClr val="FF0000"/>
+                </a:solidFill>
+                <a:sym typeface="+mn-ea"/>
+              </a:rPr>
+              <a:t>B</a:t>
+            </a:r>
+            <a:r>
+              <a:rPr lang="zh-CN" altLang="en-US">
+                <a:solidFill>
+                  <a:srgbClr val="FF0000"/>
+                </a:solidFill>
+                <a:sym typeface="+mn-ea"/>
+              </a:rPr>
+              <a:t>一样</a:t>
+            </a:r>
+            <a:endParaRPr lang="zh-CN" altLang="en-US">
+              <a:solidFill>
+                <a:srgbClr val="FF0000"/>
+              </a:solidFill>
+              <a:sym typeface="+mn-ea"/>
+            </a:endParaRPr>
+          </a:p>
+        </p:txBody>
+      </p:sp>
+      <p:sp>
+        <p:nvSpPr>
+          <p:cNvPr id="107" name="文本框 106"/>
           <p:cNvSpPr txBox="1"/>
           <p:nvPr/>
         </p:nvSpPr>
         <p:spPr>
           <a:xfrm>
-            <a:off x="6739255" y="1938655"/>
-            <a:ext cx="902970" cy="368300"/>
+            <a:off x="7925435" y="5067300"/>
+            <a:ext cx="3097530" cy="1198880"/>
           </a:xfrm>
           <a:prstGeom prst="rect">
             <a:avLst/>
@@ -8358,22 +10537,59 @@
           </a:bodyPr>
           <a:p>
             <a:r>
-              <a:rPr lang="zh-CN" altLang="en-US"/>
-              <a:t>测试</a:t>
-            </a:r>
-            <a:endParaRPr lang="zh-CN" altLang="en-US"/>
-          </a:p>
-        </p:txBody>
-      </p:sp>
-      <p:sp>
-        <p:nvSpPr>
-          <p:cNvPr id="81" name="圆角矩形 80"/>
+              <a:rPr lang="zh-CN" altLang="en-US">
+                <a:solidFill>
+                  <a:srgbClr val="FF0000"/>
+                </a:solidFill>
+                <a:sym typeface="+mn-ea"/>
+              </a:rPr>
+              <a:t>开发过程中出现的</a:t>
+            </a:r>
+            <a:r>
+              <a:rPr lang="en-US" altLang="zh-CN">
+                <a:solidFill>
+                  <a:srgbClr val="FF0000"/>
+                </a:solidFill>
+                <a:sym typeface="+mn-ea"/>
+              </a:rPr>
+              <a:t>bug</a:t>
+            </a:r>
+            <a:r>
+              <a:rPr lang="zh-CN" altLang="en-US">
+                <a:solidFill>
+                  <a:srgbClr val="FF0000"/>
+                </a:solidFill>
+                <a:sym typeface="+mn-ea"/>
+              </a:rPr>
+              <a:t>可以单独拉出新的分支，解决后合入到原分支即可（参考分支章节的内容</a:t>
+            </a:r>
+            <a:r>
+              <a:rPr lang="zh-CN" altLang="en-US">
+                <a:solidFill>
+                  <a:srgbClr val="FF0000"/>
+                </a:solidFill>
+                <a:sym typeface="+mn-ea"/>
+              </a:rPr>
+              <a:t>）</a:t>
+            </a:r>
+            <a:endParaRPr lang="zh-CN" altLang="en-US">
+              <a:solidFill>
+                <a:srgbClr val="FF0000"/>
+              </a:solidFill>
+              <a:sym typeface="+mn-ea"/>
+            </a:endParaRPr>
+          </a:p>
+        </p:txBody>
+      </p:sp>
+      <p:sp>
+        <p:nvSpPr>
+          <p:cNvPr id="65" name="圆角矩形 64"/>
           <p:cNvSpPr/>
           <p:nvPr/>
         </p:nvSpPr>
         <p:spPr>
           <a:xfrm>
-            <a:off x="10911205" y="1383030"/>
+            <a:off x="7388860" y="2127885"/>
             <a:ext cx="536575" cy="555625"/>
           </a:xfrm>
           <a:prstGeom prst="roundRect">
@@ -8406,170 +10622,14 @@
       </p:sp>
       <p:sp>
         <p:nvSpPr>
-          <p:cNvPr id="82" name="圆角矩形 81"/>
-          <p:cNvSpPr/>
+          <p:cNvPr id="98" name="文本框 97"/>
+          <p:cNvSpPr txBox="1"/>
           <p:nvPr/>
         </p:nvSpPr>
         <p:spPr>
           <a:xfrm>
-            <a:off x="8376285" y="1383030"/>
-            <a:ext cx="536575" cy="555625"/>
-          </a:xfrm>
-          <a:prstGeom prst="roundRect">
-            <a:avLst/>
-          </a:prstGeom>
-        </p:spPr>
-        <p:style>
-          <a:lnRef idx="2">
-            <a:schemeClr val="accent1">
-              <a:shade val="50000"/>
-            </a:schemeClr>
-          </a:lnRef>
-          <a:fillRef idx="1">
-            <a:schemeClr val="accent1"/>
-          </a:fillRef>
-          <a:effectRef idx="0">
-            <a:schemeClr val="accent1"/>
-          </a:effectRef>
-          <a:fontRef idx="minor">
-            <a:schemeClr val="lt1"/>
-          </a:fontRef>
-        </p:style>
-        <p:txBody>
-          <a:bodyPr rtlCol="0" anchor="ctr"/>
-          <a:p>
-            <a:pPr algn="ctr"/>
-            <a:endParaRPr lang="zh-CN" altLang="en-US"/>
-          </a:p>
-        </p:txBody>
-      </p:sp>
-      <p:sp>
-        <p:nvSpPr>
-          <p:cNvPr id="83" name="圆角矩形 82"/>
-          <p:cNvSpPr/>
-          <p:nvPr/>
-        </p:nvSpPr>
-        <p:spPr>
-          <a:xfrm>
-            <a:off x="8255635" y="2128520"/>
-            <a:ext cx="536575" cy="555625"/>
-          </a:xfrm>
-          <a:prstGeom prst="roundRect">
-            <a:avLst/>
-          </a:prstGeom>
-        </p:spPr>
-        <p:style>
-          <a:lnRef idx="2">
-            <a:schemeClr val="accent1">
-              <a:shade val="50000"/>
-            </a:schemeClr>
-          </a:lnRef>
-          <a:fillRef idx="1">
-            <a:schemeClr val="accent1"/>
-          </a:fillRef>
-          <a:effectRef idx="0">
-            <a:schemeClr val="accent1"/>
-          </a:effectRef>
-          <a:fontRef idx="minor">
-            <a:schemeClr val="lt1"/>
-          </a:fontRef>
-        </p:style>
-        <p:txBody>
-          <a:bodyPr rtlCol="0" anchor="ctr"/>
-          <a:p>
-            <a:pPr algn="ctr"/>
-            <a:endParaRPr lang="zh-CN" altLang="en-US"/>
-          </a:p>
-        </p:txBody>
-      </p:sp>
-      <p:sp>
-        <p:nvSpPr>
-          <p:cNvPr id="84" name="圆角矩形 83"/>
-          <p:cNvSpPr/>
-          <p:nvPr/>
-        </p:nvSpPr>
-        <p:spPr>
-          <a:xfrm>
-            <a:off x="8458200" y="3007360"/>
-            <a:ext cx="536575" cy="555625"/>
-          </a:xfrm>
-          <a:prstGeom prst="roundRect">
-            <a:avLst/>
-          </a:prstGeom>
-        </p:spPr>
-        <p:style>
-          <a:lnRef idx="2">
-            <a:schemeClr val="accent1">
-              <a:shade val="50000"/>
-            </a:schemeClr>
-          </a:lnRef>
-          <a:fillRef idx="1">
-            <a:schemeClr val="accent1"/>
-          </a:fillRef>
-          <a:effectRef idx="0">
-            <a:schemeClr val="accent1"/>
-          </a:effectRef>
-          <a:fontRef idx="minor">
-            <a:schemeClr val="lt1"/>
-          </a:fontRef>
-        </p:style>
-        <p:txBody>
-          <a:bodyPr rtlCol="0" anchor="ctr"/>
-          <a:p>
-            <a:pPr algn="ctr"/>
-            <a:endParaRPr lang="zh-CN" altLang="en-US"/>
-          </a:p>
-        </p:txBody>
-      </p:sp>
-      <p:sp>
-        <p:nvSpPr>
-          <p:cNvPr id="85" name="圆角矩形 84"/>
-          <p:cNvSpPr/>
-          <p:nvPr/>
-        </p:nvSpPr>
-        <p:spPr>
-          <a:xfrm>
-            <a:off x="9516110" y="2997200"/>
-            <a:ext cx="536575" cy="555625"/>
-          </a:xfrm>
-          <a:prstGeom prst="roundRect">
-            <a:avLst/>
-          </a:prstGeom>
-        </p:spPr>
-        <p:style>
-          <a:lnRef idx="2">
-            <a:schemeClr val="accent1">
-              <a:shade val="50000"/>
-            </a:schemeClr>
-          </a:lnRef>
-          <a:fillRef idx="1">
-            <a:schemeClr val="accent1"/>
-          </a:fillRef>
-          <a:effectRef idx="0">
-            <a:schemeClr val="accent1"/>
-          </a:effectRef>
-          <a:fontRef idx="minor">
-            <a:schemeClr val="lt1"/>
-          </a:fontRef>
-        </p:style>
-        <p:txBody>
-          <a:bodyPr rtlCol="0" anchor="ctr"/>
-          <a:p>
-            <a:pPr algn="ctr"/>
-            <a:endParaRPr lang="zh-CN" altLang="en-US"/>
-          </a:p>
-        </p:txBody>
-      </p:sp>
-      <p:sp>
-        <p:nvSpPr>
-          <p:cNvPr id="86" name="文本框 85"/>
-          <p:cNvSpPr txBox="1"/>
-          <p:nvPr/>
-        </p:nvSpPr>
-        <p:spPr>
-          <a:xfrm>
-            <a:off x="7801610" y="1938655"/>
-            <a:ext cx="710565" cy="368300"/>
+            <a:off x="9112885" y="2054860"/>
+            <a:ext cx="722630" cy="368300"/>
           </a:xfrm>
           <a:prstGeom prst="rect">
             <a:avLst/>
@@ -8582,179 +10642,23 @@
           </a:bodyPr>
           <a:p>
             <a:r>
-              <a:rPr lang="en-US" altLang="zh-CN"/>
-              <a:t>bug</a:t>
-            </a:r>
-            <a:endParaRPr lang="en-US" altLang="zh-CN"/>
-          </a:p>
-        </p:txBody>
-      </p:sp>
-      <p:sp>
-        <p:nvSpPr>
-          <p:cNvPr id="87" name="左箭头 86"/>
-          <p:cNvSpPr/>
+              <a:rPr lang="zh-CN" altLang="en-US"/>
+              <a:t>测试</a:t>
+            </a:r>
+            <a:endParaRPr lang="zh-CN" altLang="en-US"/>
+          </a:p>
+        </p:txBody>
+      </p:sp>
+      <p:sp>
+        <p:nvSpPr>
+          <p:cNvPr id="86" name="文本框 85"/>
+          <p:cNvSpPr txBox="1"/>
           <p:nvPr/>
         </p:nvSpPr>
         <p:spPr>
           <a:xfrm>
-            <a:off x="9121775" y="3209925"/>
-            <a:ext cx="270510" cy="76200"/>
-          </a:xfrm>
-          <a:prstGeom prst="leftArrow">
-            <a:avLst/>
-          </a:prstGeom>
-        </p:spPr>
-        <p:style>
-          <a:lnRef idx="2">
-            <a:schemeClr val="accent1">
-              <a:shade val="50000"/>
-            </a:schemeClr>
-          </a:lnRef>
-          <a:fillRef idx="1">
-            <a:schemeClr val="accent1"/>
-          </a:fillRef>
-          <a:effectRef idx="0">
-            <a:schemeClr val="accent1"/>
-          </a:effectRef>
-          <a:fontRef idx="minor">
-            <a:schemeClr val="lt1"/>
-          </a:fontRef>
-        </p:style>
-        <p:txBody>
-          <a:bodyPr rtlCol="0" anchor="ctr"/>
-          <a:p>
-            <a:pPr algn="ctr"/>
-            <a:endParaRPr lang="zh-CN" altLang="en-US"/>
-          </a:p>
-        </p:txBody>
-      </p:sp>
-      <p:sp>
-        <p:nvSpPr>
-          <p:cNvPr id="88" name="左箭头 87"/>
-          <p:cNvSpPr/>
-          <p:nvPr/>
-        </p:nvSpPr>
-        <p:spPr>
-          <a:xfrm rot="17160000">
-            <a:off x="8343265" y="1971040"/>
-            <a:ext cx="207645" cy="76200"/>
-          </a:xfrm>
-          <a:prstGeom prst="leftArrow">
-            <a:avLst/>
-          </a:prstGeom>
-        </p:spPr>
-        <p:style>
-          <a:lnRef idx="2">
-            <a:schemeClr val="accent1">
-              <a:shade val="50000"/>
-            </a:schemeClr>
-          </a:lnRef>
-          <a:fillRef idx="1">
-            <a:schemeClr val="accent1"/>
-          </a:fillRef>
-          <a:effectRef idx="0">
-            <a:schemeClr val="accent1"/>
-          </a:effectRef>
-          <a:fontRef idx="minor">
-            <a:schemeClr val="lt1"/>
-          </a:fontRef>
-        </p:style>
-        <p:txBody>
-          <a:bodyPr rtlCol="0" anchor="ctr"/>
-          <a:p>
-            <a:pPr algn="ctr"/>
-            <a:endParaRPr lang="zh-CN" altLang="en-US"/>
-          </a:p>
-        </p:txBody>
-      </p:sp>
-      <p:sp>
-        <p:nvSpPr>
-          <p:cNvPr id="89" name="左箭头 88"/>
-          <p:cNvSpPr/>
-          <p:nvPr/>
-        </p:nvSpPr>
-        <p:spPr>
-          <a:xfrm>
-            <a:off x="7353935" y="3208655"/>
-            <a:ext cx="1009015" cy="76200"/>
-          </a:xfrm>
-          <a:prstGeom prst="leftArrow">
-            <a:avLst/>
-          </a:prstGeom>
-        </p:spPr>
-        <p:style>
-          <a:lnRef idx="2">
-            <a:schemeClr val="accent1">
-              <a:shade val="50000"/>
-            </a:schemeClr>
-          </a:lnRef>
-          <a:fillRef idx="1">
-            <a:schemeClr val="accent1"/>
-          </a:fillRef>
-          <a:effectRef idx="0">
-            <a:schemeClr val="accent1"/>
-          </a:effectRef>
-          <a:fontRef idx="minor">
-            <a:schemeClr val="lt1"/>
-          </a:fontRef>
-        </p:style>
-        <p:txBody>
-          <a:bodyPr rtlCol="0" anchor="ctr"/>
-          <a:p>
-            <a:pPr algn="ctr"/>
-            <a:endParaRPr lang="zh-CN" altLang="en-US"/>
-          </a:p>
-        </p:txBody>
-      </p:sp>
-      <p:sp>
-        <p:nvSpPr>
-          <p:cNvPr id="90" name="左箭头 89"/>
-          <p:cNvSpPr/>
-          <p:nvPr/>
-        </p:nvSpPr>
-        <p:spPr>
-          <a:xfrm rot="19560000">
-            <a:off x="5945505" y="4613275"/>
-            <a:ext cx="3893185" cy="108585"/>
-          </a:xfrm>
-          <a:prstGeom prst="leftArrow">
-            <a:avLst/>
-          </a:prstGeom>
-        </p:spPr>
-        <p:style>
-          <a:lnRef idx="2">
-            <a:schemeClr val="accent1">
-              <a:shade val="50000"/>
-            </a:schemeClr>
-          </a:lnRef>
-          <a:fillRef idx="1">
-            <a:schemeClr val="accent1"/>
-          </a:fillRef>
-          <a:effectRef idx="0">
-            <a:schemeClr val="accent1"/>
-          </a:effectRef>
-          <a:fontRef idx="minor">
-            <a:schemeClr val="lt1"/>
-          </a:fontRef>
-        </p:style>
-        <p:txBody>
-          <a:bodyPr rtlCol="0" anchor="ctr"/>
-          <a:p>
-            <a:pPr algn="ctr"/>
-            <a:endParaRPr lang="zh-CN" altLang="en-US"/>
-          </a:p>
-        </p:txBody>
-      </p:sp>
-      <p:sp>
-        <p:nvSpPr>
-          <p:cNvPr id="91" name="文本框 90"/>
-          <p:cNvSpPr txBox="1"/>
-          <p:nvPr/>
-        </p:nvSpPr>
-        <p:spPr>
-          <a:xfrm>
-            <a:off x="8433435" y="1466215"/>
-            <a:ext cx="479425" cy="368300"/>
+            <a:off x="7680325" y="1981200"/>
+            <a:ext cx="1111885" cy="368300"/>
           </a:xfrm>
           <a:prstGeom prst="rect">
             <a:avLst/>
@@ -8768,653 +10672,13 @@
           <a:p>
             <a:r>
               <a:rPr lang="en-US" altLang="zh-CN"/>
-              <a:t>V2</a:t>
-            </a:r>
-            <a:endParaRPr lang="en-US" altLang="zh-CN"/>
-          </a:p>
-        </p:txBody>
-      </p:sp>
-      <p:sp>
-        <p:nvSpPr>
-          <p:cNvPr id="92" name="圆角矩形 91"/>
-          <p:cNvSpPr/>
-          <p:nvPr/>
-        </p:nvSpPr>
-        <p:spPr>
-          <a:xfrm>
-            <a:off x="10589260" y="2085975"/>
-            <a:ext cx="536575" cy="555625"/>
-          </a:xfrm>
-          <a:prstGeom prst="roundRect">
-            <a:avLst/>
-          </a:prstGeom>
-        </p:spPr>
-        <p:style>
-          <a:lnRef idx="2">
-            <a:schemeClr val="accent1">
-              <a:shade val="50000"/>
-            </a:schemeClr>
-          </a:lnRef>
-          <a:fillRef idx="1">
-            <a:schemeClr val="accent1"/>
-          </a:fillRef>
-          <a:effectRef idx="0">
-            <a:schemeClr val="accent1"/>
-          </a:effectRef>
-          <a:fontRef idx="minor">
-            <a:schemeClr val="lt1"/>
-          </a:fontRef>
-        </p:style>
-        <p:txBody>
-          <a:bodyPr rtlCol="0" anchor="ctr"/>
-          <a:p>
-            <a:pPr algn="ctr"/>
-            <a:endParaRPr lang="zh-CN" altLang="en-US"/>
-          </a:p>
-        </p:txBody>
-      </p:sp>
-      <p:sp>
-        <p:nvSpPr>
-          <p:cNvPr id="93" name="圆角矩形 92"/>
-          <p:cNvSpPr/>
-          <p:nvPr/>
-        </p:nvSpPr>
-        <p:spPr>
-          <a:xfrm>
-            <a:off x="9657715" y="2127885"/>
-            <a:ext cx="536575" cy="555625"/>
-          </a:xfrm>
-          <a:prstGeom prst="roundRect">
-            <a:avLst/>
-          </a:prstGeom>
-        </p:spPr>
-        <p:style>
-          <a:lnRef idx="2">
-            <a:schemeClr val="accent1">
-              <a:shade val="50000"/>
-            </a:schemeClr>
-          </a:lnRef>
-          <a:fillRef idx="1">
-            <a:schemeClr val="accent1"/>
-          </a:fillRef>
-          <a:effectRef idx="0">
-            <a:schemeClr val="accent1"/>
-          </a:effectRef>
-          <a:fontRef idx="minor">
-            <a:schemeClr val="lt1"/>
-          </a:fontRef>
-        </p:style>
-        <p:txBody>
-          <a:bodyPr rtlCol="0" anchor="ctr"/>
-          <a:p>
-            <a:pPr algn="ctr"/>
-            <a:endParaRPr lang="zh-CN" altLang="en-US"/>
-          </a:p>
-        </p:txBody>
-      </p:sp>
-      <p:sp>
-        <p:nvSpPr>
-          <p:cNvPr id="94" name="左箭头 93"/>
-          <p:cNvSpPr/>
-          <p:nvPr/>
-        </p:nvSpPr>
-        <p:spPr>
-          <a:xfrm>
-            <a:off x="8994775" y="1612265"/>
-            <a:ext cx="1820545" cy="76200"/>
-          </a:xfrm>
-          <a:prstGeom prst="leftArrow">
-            <a:avLst/>
-          </a:prstGeom>
-        </p:spPr>
-        <p:style>
-          <a:lnRef idx="2">
-            <a:schemeClr val="accent1">
-              <a:shade val="50000"/>
-            </a:schemeClr>
-          </a:lnRef>
-          <a:fillRef idx="1">
-            <a:schemeClr val="accent1"/>
-          </a:fillRef>
-          <a:effectRef idx="0">
-            <a:schemeClr val="accent1"/>
-          </a:effectRef>
-          <a:fontRef idx="minor">
-            <a:schemeClr val="lt1"/>
-          </a:fontRef>
-        </p:style>
-        <p:txBody>
-          <a:bodyPr rtlCol="0" anchor="ctr"/>
-          <a:p>
-            <a:pPr algn="ctr"/>
-            <a:endParaRPr lang="zh-CN" altLang="en-US"/>
-          </a:p>
-        </p:txBody>
-      </p:sp>
-      <p:sp>
-        <p:nvSpPr>
-          <p:cNvPr id="96" name="文本框 95"/>
-          <p:cNvSpPr txBox="1"/>
-          <p:nvPr/>
-        </p:nvSpPr>
-        <p:spPr>
-          <a:xfrm>
-            <a:off x="7215505" y="4441190"/>
-            <a:ext cx="1409700" cy="368300"/>
-          </a:xfrm>
-          <a:prstGeom prst="rect">
-            <a:avLst/>
-          </a:prstGeom>
-          <a:noFill/>
-        </p:spPr>
-        <p:txBody>
-          <a:bodyPr wrap="square" rtlCol="0">
-            <a:spAutoFit/>
-          </a:bodyPr>
-          <a:p>
-            <a:r>
-              <a:rPr lang="en-US" altLang="zh-CN"/>
-              <a:t>code  review</a:t>
-            </a:r>
-            <a:endParaRPr lang="en-US" altLang="zh-CN"/>
-          </a:p>
-        </p:txBody>
-      </p:sp>
-      <p:sp>
-        <p:nvSpPr>
-          <p:cNvPr id="97" name="左箭头 96"/>
-          <p:cNvSpPr/>
-          <p:nvPr/>
-        </p:nvSpPr>
-        <p:spPr>
-          <a:xfrm rot="18360000">
-            <a:off x="9601200" y="2766695"/>
-            <a:ext cx="421640" cy="75565"/>
-          </a:xfrm>
-          <a:prstGeom prst="leftArrow">
-            <a:avLst/>
-          </a:prstGeom>
-        </p:spPr>
-        <p:style>
-          <a:lnRef idx="2">
-            <a:schemeClr val="accent1">
-              <a:shade val="50000"/>
-            </a:schemeClr>
-          </a:lnRef>
-          <a:fillRef idx="1">
-            <a:schemeClr val="accent1"/>
-          </a:fillRef>
-          <a:effectRef idx="0">
-            <a:schemeClr val="accent1"/>
-          </a:effectRef>
-          <a:fontRef idx="minor">
-            <a:schemeClr val="lt1"/>
-          </a:fontRef>
-        </p:style>
-        <p:txBody>
-          <a:bodyPr rtlCol="0" anchor="ctr"/>
-          <a:p>
-            <a:pPr algn="ctr"/>
-            <a:endParaRPr lang="zh-CN" altLang="en-US"/>
-          </a:p>
-        </p:txBody>
-      </p:sp>
-      <p:sp>
-        <p:nvSpPr>
-          <p:cNvPr id="98" name="文本框 97"/>
-          <p:cNvSpPr txBox="1"/>
-          <p:nvPr/>
-        </p:nvSpPr>
-        <p:spPr>
-          <a:xfrm>
-            <a:off x="9063990" y="2179955"/>
-            <a:ext cx="902970" cy="368300"/>
-          </a:xfrm>
-          <a:prstGeom prst="rect">
-            <a:avLst/>
-          </a:prstGeom>
-          <a:noFill/>
-        </p:spPr>
-        <p:txBody>
-          <a:bodyPr wrap="square" rtlCol="0">
-            <a:spAutoFit/>
-          </a:bodyPr>
-          <a:p>
+              <a:t>bug</a:t>
+            </a:r>
             <a:r>
               <a:rPr lang="zh-CN" altLang="en-US"/>
-              <a:t>测试</a:t>
-            </a:r>
-            <a:endParaRPr lang="zh-CN" altLang="en-US"/>
-          </a:p>
-        </p:txBody>
-      </p:sp>
-      <p:sp>
-        <p:nvSpPr>
-          <p:cNvPr id="99" name="文本框 98"/>
-          <p:cNvSpPr txBox="1"/>
-          <p:nvPr/>
-        </p:nvSpPr>
-        <p:spPr>
-          <a:xfrm>
-            <a:off x="10052685" y="1938655"/>
-            <a:ext cx="710565" cy="368300"/>
-          </a:xfrm>
-          <a:prstGeom prst="rect">
-            <a:avLst/>
-          </a:prstGeom>
-          <a:noFill/>
-        </p:spPr>
-        <p:txBody>
-          <a:bodyPr wrap="square" rtlCol="0">
-            <a:spAutoFit/>
-          </a:bodyPr>
-          <a:p>
-            <a:r>
-              <a:rPr lang="en-US" altLang="zh-CN"/>
-              <a:t>bug</a:t>
-            </a:r>
-            <a:endParaRPr lang="en-US" altLang="zh-CN"/>
-          </a:p>
-        </p:txBody>
-      </p:sp>
-      <p:sp>
-        <p:nvSpPr>
-          <p:cNvPr id="100" name="左箭头 99"/>
-          <p:cNvSpPr/>
-          <p:nvPr/>
-        </p:nvSpPr>
-        <p:spPr>
-          <a:xfrm>
-            <a:off x="10295890" y="2349500"/>
-            <a:ext cx="224790" cy="113665"/>
-          </a:xfrm>
-          <a:prstGeom prst="leftArrow">
-            <a:avLst/>
-          </a:prstGeom>
-        </p:spPr>
-        <p:style>
-          <a:lnRef idx="2">
-            <a:schemeClr val="accent1">
-              <a:shade val="50000"/>
-            </a:schemeClr>
-          </a:lnRef>
-          <a:fillRef idx="1">
-            <a:schemeClr val="accent1"/>
-          </a:fillRef>
-          <a:effectRef idx="0">
-            <a:schemeClr val="accent1"/>
-          </a:effectRef>
-          <a:fontRef idx="minor">
-            <a:schemeClr val="lt1"/>
-          </a:fontRef>
-        </p:style>
-        <p:txBody>
-          <a:bodyPr rtlCol="0" anchor="ctr"/>
-          <a:p>
-            <a:pPr algn="ctr"/>
-            <a:endParaRPr lang="zh-CN" altLang="en-US"/>
-          </a:p>
-        </p:txBody>
-      </p:sp>
-      <p:sp>
-        <p:nvSpPr>
-          <p:cNvPr id="101" name="圆角矩形 100"/>
-          <p:cNvSpPr/>
-          <p:nvPr/>
-        </p:nvSpPr>
-        <p:spPr>
-          <a:xfrm>
-            <a:off x="10939780" y="3007360"/>
-            <a:ext cx="536575" cy="555625"/>
-          </a:xfrm>
-          <a:prstGeom prst="roundRect">
-            <a:avLst/>
-          </a:prstGeom>
-        </p:spPr>
-        <p:style>
-          <a:lnRef idx="2">
-            <a:schemeClr val="accent1">
-              <a:shade val="50000"/>
-            </a:schemeClr>
-          </a:lnRef>
-          <a:fillRef idx="1">
-            <a:schemeClr val="accent1"/>
-          </a:fillRef>
-          <a:effectRef idx="0">
-            <a:schemeClr val="accent1"/>
-          </a:effectRef>
-          <a:fontRef idx="minor">
-            <a:schemeClr val="lt1"/>
-          </a:fontRef>
-        </p:style>
-        <p:txBody>
-          <a:bodyPr rtlCol="0" anchor="ctr"/>
-          <a:p>
-            <a:pPr algn="ctr"/>
-            <a:endParaRPr lang="zh-CN" altLang="en-US"/>
-          </a:p>
-        </p:txBody>
-      </p:sp>
-      <p:sp>
-        <p:nvSpPr>
-          <p:cNvPr id="102" name="左箭头 101"/>
-          <p:cNvSpPr/>
-          <p:nvPr/>
-        </p:nvSpPr>
-        <p:spPr>
-          <a:xfrm>
-            <a:off x="10194290" y="3208655"/>
-            <a:ext cx="733425" cy="76200"/>
-          </a:xfrm>
-          <a:prstGeom prst="leftArrow">
-            <a:avLst/>
-          </a:prstGeom>
-        </p:spPr>
-        <p:style>
-          <a:lnRef idx="2">
-            <a:schemeClr val="accent1">
-              <a:shade val="50000"/>
-            </a:schemeClr>
-          </a:lnRef>
-          <a:fillRef idx="1">
-            <a:schemeClr val="accent1"/>
-          </a:fillRef>
-          <a:effectRef idx="0">
-            <a:schemeClr val="accent1"/>
-          </a:effectRef>
-          <a:fontRef idx="minor">
-            <a:schemeClr val="lt1"/>
-          </a:fontRef>
-        </p:style>
-        <p:txBody>
-          <a:bodyPr rtlCol="0" anchor="ctr"/>
-          <a:p>
-            <a:pPr algn="ctr"/>
-            <a:endParaRPr lang="zh-CN" altLang="en-US"/>
-          </a:p>
-        </p:txBody>
-      </p:sp>
-      <p:sp>
-        <p:nvSpPr>
-          <p:cNvPr id="103" name="文本框 102"/>
-          <p:cNvSpPr txBox="1"/>
-          <p:nvPr/>
-        </p:nvSpPr>
-        <p:spPr>
-          <a:xfrm>
-            <a:off x="10968355" y="1466850"/>
-            <a:ext cx="479425" cy="368300"/>
-          </a:xfrm>
-          <a:prstGeom prst="rect">
-            <a:avLst/>
-          </a:prstGeom>
-          <a:noFill/>
-        </p:spPr>
-        <p:txBody>
-          <a:bodyPr wrap="square" rtlCol="0">
-            <a:spAutoFit/>
-          </a:bodyPr>
-          <a:p>
-            <a:r>
-              <a:rPr lang="en-US" altLang="zh-CN"/>
-              <a:t>V3</a:t>
-            </a:r>
-            <a:endParaRPr lang="en-US" altLang="zh-CN"/>
-          </a:p>
-        </p:txBody>
-      </p:sp>
-      <p:sp>
-        <p:nvSpPr>
-          <p:cNvPr id="104" name="左箭头 103"/>
-          <p:cNvSpPr/>
-          <p:nvPr/>
-        </p:nvSpPr>
-        <p:spPr>
-          <a:xfrm rot="17160000">
-            <a:off x="10719435" y="1906905"/>
-            <a:ext cx="207645" cy="76200"/>
-          </a:xfrm>
-          <a:prstGeom prst="leftArrow">
-            <a:avLst/>
-          </a:prstGeom>
-        </p:spPr>
-        <p:style>
-          <a:lnRef idx="2">
-            <a:schemeClr val="accent1">
-              <a:shade val="50000"/>
-            </a:schemeClr>
-          </a:lnRef>
-          <a:fillRef idx="1">
-            <a:schemeClr val="accent1"/>
-          </a:fillRef>
-          <a:effectRef idx="0">
-            <a:schemeClr val="accent1"/>
-          </a:effectRef>
-          <a:fontRef idx="minor">
-            <a:schemeClr val="lt1"/>
-          </a:fontRef>
-        </p:style>
-        <p:txBody>
-          <a:bodyPr rtlCol="0" anchor="ctr"/>
-          <a:p>
-            <a:pPr algn="ctr"/>
-            <a:endParaRPr lang="zh-CN" altLang="en-US"/>
-          </a:p>
-        </p:txBody>
-      </p:sp>
-      <p:sp>
-        <p:nvSpPr>
-          <p:cNvPr id="105" name="左箭头 104"/>
-          <p:cNvSpPr/>
-          <p:nvPr/>
-        </p:nvSpPr>
-        <p:spPr>
-          <a:xfrm rot="2700000">
-            <a:off x="10897870" y="2754630"/>
-            <a:ext cx="254000" cy="131445"/>
-          </a:xfrm>
-          <a:prstGeom prst="leftArrow">
-            <a:avLst/>
-          </a:prstGeom>
-        </p:spPr>
-        <p:style>
-          <a:lnRef idx="2">
-            <a:schemeClr val="accent1">
-              <a:shade val="50000"/>
-            </a:schemeClr>
-          </a:lnRef>
-          <a:fillRef idx="1">
-            <a:schemeClr val="accent1"/>
-          </a:fillRef>
-          <a:effectRef idx="0">
-            <a:schemeClr val="accent1"/>
-          </a:effectRef>
-          <a:fontRef idx="minor">
-            <a:schemeClr val="lt1"/>
-          </a:fontRef>
-        </p:style>
-        <p:txBody>
-          <a:bodyPr rtlCol="0" anchor="ctr"/>
-          <a:p>
-            <a:pPr algn="ctr"/>
-            <a:endParaRPr lang="zh-CN" altLang="en-US"/>
-          </a:p>
-        </p:txBody>
-      </p:sp>
-      <p:sp>
-        <p:nvSpPr>
-          <p:cNvPr id="106" name="文本框 105"/>
-          <p:cNvSpPr txBox="1"/>
-          <p:nvPr/>
-        </p:nvSpPr>
-        <p:spPr>
-          <a:xfrm>
-            <a:off x="305435" y="4809490"/>
-            <a:ext cx="2694940" cy="922020"/>
-          </a:xfrm>
-          <a:prstGeom prst="rect">
-            <a:avLst/>
-          </a:prstGeom>
-          <a:noFill/>
-        </p:spPr>
-        <p:txBody>
-          <a:bodyPr wrap="square" rtlCol="0">
-            <a:spAutoFit/>
-          </a:bodyPr>
-          <a:p>
-            <a:r>
-              <a:rPr lang="en-US" altLang="zh-CN">
-                <a:solidFill>
-                  <a:srgbClr val="FF0000"/>
-                </a:solidFill>
-                <a:sym typeface="+mn-ea"/>
-              </a:rPr>
-              <a:t>A</a:t>
-            </a:r>
-            <a:r>
-              <a:rPr lang="zh-CN" altLang="en-US">
-                <a:solidFill>
-                  <a:srgbClr val="FF0000"/>
-                </a:solidFill>
-                <a:sym typeface="+mn-ea"/>
-              </a:rPr>
-              <a:t>功能对应的分支</a:t>
-            </a:r>
-            <a:r>
-              <a:rPr lang="en-US" altLang="zh-CN">
-                <a:solidFill>
-                  <a:srgbClr val="FF0000"/>
-                </a:solidFill>
-                <a:sym typeface="+mn-ea"/>
-              </a:rPr>
-              <a:t>A</a:t>
-            </a:r>
-            <a:r>
-              <a:rPr lang="zh-CN" altLang="en-US">
-                <a:solidFill>
-                  <a:srgbClr val="FF0000"/>
-                </a:solidFill>
-                <a:sym typeface="+mn-ea"/>
-              </a:rPr>
-              <a:t>，可由</a:t>
-            </a:r>
-            <a:r>
-              <a:rPr lang="en-US" altLang="zh-CN">
-                <a:solidFill>
-                  <a:srgbClr val="FF0000"/>
-                </a:solidFill>
-                <a:sym typeface="+mn-ea"/>
-              </a:rPr>
-              <a:t>A</a:t>
-            </a:r>
-            <a:r>
-              <a:rPr lang="zh-CN" altLang="en-US">
-                <a:solidFill>
-                  <a:srgbClr val="FF0000"/>
-                </a:solidFill>
-                <a:sym typeface="+mn-ea"/>
-              </a:rPr>
-              <a:t>员工拉出，功能合入后可删除，</a:t>
-            </a:r>
-            <a:r>
-              <a:rPr lang="zh-CN" altLang="en-US">
-                <a:solidFill>
-                  <a:srgbClr val="FF0000"/>
-                </a:solidFill>
-                <a:sym typeface="+mn-ea"/>
-              </a:rPr>
-              <a:t>分支</a:t>
-            </a:r>
-            <a:r>
-              <a:rPr lang="en-US" altLang="zh-CN">
-                <a:solidFill>
-                  <a:srgbClr val="FF0000"/>
-                </a:solidFill>
-                <a:sym typeface="+mn-ea"/>
-              </a:rPr>
-              <a:t>B</a:t>
-            </a:r>
-            <a:r>
-              <a:rPr lang="zh-CN" altLang="en-US">
-                <a:solidFill>
-                  <a:srgbClr val="FF0000"/>
-                </a:solidFill>
-                <a:sym typeface="+mn-ea"/>
-              </a:rPr>
-              <a:t>一样</a:t>
-            </a:r>
-            <a:endParaRPr lang="zh-CN" altLang="en-US">
-              <a:solidFill>
-                <a:srgbClr val="FF0000"/>
-              </a:solidFill>
-              <a:sym typeface="+mn-ea"/>
-            </a:endParaRPr>
-          </a:p>
-        </p:txBody>
-      </p:sp>
-      <p:sp>
-        <p:nvSpPr>
-          <p:cNvPr id="107" name="文本框 106"/>
-          <p:cNvSpPr txBox="1"/>
-          <p:nvPr/>
-        </p:nvSpPr>
-        <p:spPr>
-          <a:xfrm>
-            <a:off x="7925435" y="5067300"/>
-            <a:ext cx="3097530" cy="1198880"/>
-          </a:xfrm>
-          <a:prstGeom prst="rect">
-            <a:avLst/>
-          </a:prstGeom>
-          <a:noFill/>
-        </p:spPr>
-        <p:txBody>
-          <a:bodyPr wrap="square" rtlCol="0">
-            <a:spAutoFit/>
-          </a:bodyPr>
-          <a:p>
-            <a:r>
-              <a:rPr lang="zh-CN" altLang="en-US">
-                <a:solidFill>
-                  <a:srgbClr val="FF0000"/>
-                </a:solidFill>
-                <a:sym typeface="+mn-ea"/>
-              </a:rPr>
-              <a:t>开发过程中出现的</a:t>
-            </a:r>
-            <a:r>
-              <a:rPr lang="en-US" altLang="zh-CN">
-                <a:solidFill>
-                  <a:srgbClr val="FF0000"/>
-                </a:solidFill>
-                <a:sym typeface="+mn-ea"/>
-              </a:rPr>
-              <a:t>bug</a:t>
-            </a:r>
-            <a:r>
-              <a:rPr lang="zh-CN" altLang="en-US">
-                <a:solidFill>
-                  <a:srgbClr val="FF0000"/>
-                </a:solidFill>
-                <a:sym typeface="+mn-ea"/>
-              </a:rPr>
-              <a:t>可以单独拉出新的分支，解决后合入到原分支即可（参考分支章节的内容</a:t>
-            </a:r>
-            <a:r>
-              <a:rPr lang="zh-CN" altLang="en-US">
-                <a:solidFill>
-                  <a:srgbClr val="FF0000"/>
-                </a:solidFill>
-                <a:sym typeface="+mn-ea"/>
-              </a:rPr>
-              <a:t>）</a:t>
-            </a:r>
-            <a:endParaRPr lang="zh-CN" altLang="en-US">
-              <a:solidFill>
-                <a:srgbClr val="FF0000"/>
-              </a:solidFill>
-              <a:sym typeface="+mn-ea"/>
-            </a:endParaRPr>
+              <a:t>修复</a:t>
+            </a:r>
+            <a:endParaRPr lang="zh-CN" altLang="en-US"/>
           </a:p>
         </p:txBody>
       </p:sp>
